--- a/Group_5_PPT.pptx
+++ b/Group_5_PPT.pptx
@@ -5,7 +5,7 @@
     <p:sldMasterId id="2147483661" r:id="rId1"/>
   </p:sldMasterIdLst>
   <p:notesMasterIdLst>
-    <p:notesMasterId r:id="rId21"/>
+    <p:notesMasterId r:id="rId18"/>
   </p:notesMasterIdLst>
   <p:sldIdLst>
     <p:sldId id="256" r:id="rId2"/>
@@ -13,44 +13,41 @@
     <p:sldId id="299" r:id="rId4"/>
     <p:sldId id="300" r:id="rId5"/>
     <p:sldId id="301" r:id="rId6"/>
-    <p:sldId id="302" r:id="rId7"/>
-    <p:sldId id="303" r:id="rId8"/>
-    <p:sldId id="304" r:id="rId9"/>
-    <p:sldId id="305" r:id="rId10"/>
-    <p:sldId id="298" r:id="rId11"/>
-    <p:sldId id="306" r:id="rId12"/>
-    <p:sldId id="307" r:id="rId13"/>
-    <p:sldId id="275" r:id="rId14"/>
-    <p:sldId id="277" r:id="rId15"/>
-    <p:sldId id="311" r:id="rId16"/>
-    <p:sldId id="259" r:id="rId17"/>
-    <p:sldId id="285" r:id="rId18"/>
-    <p:sldId id="288" r:id="rId19"/>
-    <p:sldId id="309" r:id="rId20"/>
+    <p:sldId id="277" r:id="rId7"/>
+    <p:sldId id="305" r:id="rId8"/>
+    <p:sldId id="298" r:id="rId9"/>
+    <p:sldId id="302" r:id="rId10"/>
+    <p:sldId id="306" r:id="rId11"/>
+    <p:sldId id="307" r:id="rId12"/>
+    <p:sldId id="275" r:id="rId13"/>
+    <p:sldId id="285" r:id="rId14"/>
+    <p:sldId id="311" r:id="rId15"/>
+    <p:sldId id="259" r:id="rId16"/>
+    <p:sldId id="309" r:id="rId17"/>
   </p:sldIdLst>
   <p:sldSz cx="9144000" cy="5143500" type="screen16x9"/>
   <p:notesSz cx="6858000" cy="9144000"/>
   <p:embeddedFontLst>
     <p:embeddedFont>
       <p:font typeface="Cavolini" panose="03000502040302020204" pitchFamily="66" charset="0"/>
-      <p:regular r:id="rId22"/>
-      <p:bold r:id="rId23"/>
-      <p:italic r:id="rId24"/>
-      <p:boldItalic r:id="rId25"/>
+      <p:regular r:id="rId19"/>
+      <p:bold r:id="rId20"/>
+      <p:italic r:id="rId21"/>
+      <p:boldItalic r:id="rId22"/>
     </p:embeddedFont>
     <p:embeddedFont>
       <p:font typeface="Titillium Web" panose="00000500000000000000" pitchFamily="2" charset="0"/>
-      <p:regular r:id="rId26"/>
-      <p:bold r:id="rId27"/>
-      <p:italic r:id="rId28"/>
-      <p:boldItalic r:id="rId29"/>
+      <p:regular r:id="rId23"/>
+      <p:bold r:id="rId24"/>
+      <p:italic r:id="rId25"/>
+      <p:boldItalic r:id="rId26"/>
     </p:embeddedFont>
     <p:embeddedFont>
       <p:font typeface="Titillium Web ExtraLight" panose="00000300000000000000" pitchFamily="2" charset="0"/>
-      <p:regular r:id="rId30"/>
-      <p:bold r:id="rId31"/>
-      <p:italic r:id="rId32"/>
-      <p:boldItalic r:id="rId33"/>
+      <p:regular r:id="rId27"/>
+      <p:bold r:id="rId28"/>
+      <p:italic r:id="rId29"/>
+      <p:boldItalic r:id="rId30"/>
     </p:embeddedFont>
   </p:embeddedFontLst>
   <p:defaultTextStyle>
@@ -840,110 +837,6 @@
   <p:cSld>
     <p:spTree>
       <p:nvGrpSpPr>
-        <p:cNvPr id="1" name="Shape 1229"/>
-        <p:cNvGrpSpPr/>
-        <p:nvPr/>
-      </p:nvGrpSpPr>
-      <p:grpSpPr>
-        <a:xfrm>
-          <a:off x="0" y="0"/>
-          <a:ext cx="0" cy="0"/>
-          <a:chOff x="0" y="0"/>
-          <a:chExt cx="0" cy="0"/>
-        </a:xfrm>
-      </p:grpSpPr>
-      <p:sp>
-        <p:nvSpPr>
-          <p:cNvPr id="1230" name="Google Shape;1230;ge10566ab40_0_227:notes"/>
-          <p:cNvSpPr>
-            <a:spLocks noGrp="1" noRot="1" noChangeAspect="1"/>
-          </p:cNvSpPr>
-          <p:nvPr>
-            <p:ph type="sldImg" idx="2"/>
-          </p:nvPr>
-        </p:nvSpPr>
-        <p:spPr>
-          <a:xfrm>
-            <a:off x="381000" y="685800"/>
-            <a:ext cx="6096000" cy="3429000"/>
-          </a:xfrm>
-          <a:custGeom>
-            <a:avLst/>
-            <a:gdLst/>
-            <a:ahLst/>
-            <a:cxnLst/>
-            <a:rect l="l" t="t" r="r" b="b"/>
-            <a:pathLst>
-              <a:path w="120000" h="120000" extrusionOk="0">
-                <a:moveTo>
-                  <a:pt x="0" y="0"/>
-                </a:moveTo>
-                <a:lnTo>
-                  <a:pt x="120000" y="0"/>
-                </a:lnTo>
-                <a:lnTo>
-                  <a:pt x="120000" y="120000"/>
-                </a:lnTo>
-                <a:lnTo>
-                  <a:pt x="0" y="120000"/>
-                </a:lnTo>
-                <a:close/>
-              </a:path>
-            </a:pathLst>
-          </a:custGeom>
-        </p:spPr>
-      </p:sp>
-      <p:sp>
-        <p:nvSpPr>
-          <p:cNvPr id="1231" name="Google Shape;1231;ge10566ab40_0_227:notes"/>
-          <p:cNvSpPr txBox="1">
-            <a:spLocks noGrp="1"/>
-          </p:cNvSpPr>
-          <p:nvPr>
-            <p:ph type="body" idx="1"/>
-          </p:nvPr>
-        </p:nvSpPr>
-        <p:spPr>
-          <a:xfrm>
-            <a:off x="685800" y="4343400"/>
-            <a:ext cx="5486400" cy="4114800"/>
-          </a:xfrm>
-          <a:prstGeom prst="rect">
-            <a:avLst/>
-          </a:prstGeom>
-        </p:spPr>
-        <p:txBody>
-          <a:bodyPr spcFirstLastPara="1" wrap="square" lIns="91425" tIns="91425" rIns="91425" bIns="91425" anchor="t" anchorCtr="0">
-            <a:noAutofit/>
-          </a:bodyPr>
-          <a:lstStyle/>
-          <a:p>
-            <a:pPr marL="0" lvl="0" indent="0" algn="l" rtl="0">
-              <a:spcBef>
-                <a:spcPts val="0"/>
-              </a:spcBef>
-              <a:spcAft>
-                <a:spcPts val="0"/>
-              </a:spcAft>
-              <a:buNone/>
-            </a:pPr>
-            <a:endParaRPr/>
-          </a:p>
-        </p:txBody>
-      </p:sp>
-    </p:spTree>
-  </p:cSld>
-  <p:clrMapOvr>
-    <a:masterClrMapping/>
-  </p:clrMapOvr>
-</p:notes>
-</file>
-
-<file path=ppt/notesSlides/notesSlide11.xml><?xml version="1.0" encoding="utf-8"?>
-<p:notes xmlns:a="http://schemas.openxmlformats.org/drawingml/2006/main" xmlns:r="http://schemas.openxmlformats.org/officeDocument/2006/relationships" xmlns:p="http://schemas.openxmlformats.org/presentationml/2006/main" showMasterSp="0" showMasterPhAnim="0">
-  <p:cSld>
-    <p:spTree>
-      <p:nvGrpSpPr>
         <p:cNvPr id="1" name="Shape 1270"/>
         <p:cNvGrpSpPr/>
         <p:nvPr/>
@@ -1203,6 +1096,75 @@
           <a:p>
             <a:r>
               <a:rPr lang="en-US" dirty="0"/>
+              <a:t>Rizwan</a:t>
+            </a:r>
+          </a:p>
+        </p:txBody>
+      </p:sp>
+    </p:spTree>
+    <p:extLst>
+      <p:ext uri="{BB962C8B-B14F-4D97-AF65-F5344CB8AC3E}">
+        <p14:creationId xmlns:p14="http://schemas.microsoft.com/office/powerpoint/2010/main" val="1166873150"/>
+      </p:ext>
+    </p:extLst>
+  </p:cSld>
+  <p:clrMapOvr>
+    <a:masterClrMapping/>
+  </p:clrMapOvr>
+</p:notes>
+</file>
+
+<file path=ppt/notesSlides/notesSlide4.xml><?xml version="1.0" encoding="utf-8"?>
+<p:notes xmlns:a="http://schemas.openxmlformats.org/drawingml/2006/main" xmlns:r="http://schemas.openxmlformats.org/officeDocument/2006/relationships" xmlns:p="http://schemas.openxmlformats.org/presentationml/2006/main">
+  <p:cSld>
+    <p:spTree>
+      <p:nvGrpSpPr>
+        <p:cNvPr id="1" name=""/>
+        <p:cNvGrpSpPr/>
+        <p:nvPr/>
+      </p:nvGrpSpPr>
+      <p:grpSpPr>
+        <a:xfrm>
+          <a:off x="0" y="0"/>
+          <a:ext cx="0" cy="0"/>
+          <a:chOff x="0" y="0"/>
+          <a:chExt cx="0" cy="0"/>
+        </a:xfrm>
+      </p:grpSpPr>
+      <p:sp>
+        <p:nvSpPr>
+          <p:cNvPr id="2" name="Slide Image Placeholder 1"/>
+          <p:cNvSpPr>
+            <a:spLocks noGrp="1" noRot="1" noChangeAspect="1"/>
+          </p:cNvSpPr>
+          <p:nvPr>
+            <p:ph type="sldImg"/>
+          </p:nvPr>
+        </p:nvSpPr>
+        <p:spPr>
+          <a:xfrm>
+            <a:off x="381000" y="685800"/>
+            <a:ext cx="6096000" cy="3429000"/>
+          </a:xfrm>
+        </p:spPr>
+      </p:sp>
+      <p:sp>
+        <p:nvSpPr>
+          <p:cNvPr id="3" name="Notes Placeholder 2"/>
+          <p:cNvSpPr>
+            <a:spLocks noGrp="1"/>
+          </p:cNvSpPr>
+          <p:nvPr>
+            <p:ph type="body" idx="1"/>
+          </p:nvPr>
+        </p:nvSpPr>
+        <p:spPr/>
+        <p:txBody>
+          <a:bodyPr/>
+          <a:lstStyle/>
+          <a:p>
+            <a:r>
+              <a:rPr lang="en-US" dirty="0"/>
               <a:t>Eliyza</a:t>
             </a:r>
           </a:p>
@@ -1221,7 +1183,7 @@
 </p:notes>
 </file>
 
-<file path=ppt/notesSlides/notesSlide4.xml><?xml version="1.0" encoding="utf-8"?>
+<file path=ppt/notesSlides/notesSlide5.xml><?xml version="1.0" encoding="utf-8"?>
 <p:notes xmlns:a="http://schemas.openxmlformats.org/drawingml/2006/main" xmlns:r="http://schemas.openxmlformats.org/officeDocument/2006/relationships" xmlns:p="http://schemas.openxmlformats.org/presentationml/2006/main" showMasterSp="0" showMasterPhAnim="0">
   <p:cSld>
     <p:spTree>
@@ -1330,7 +1292,7 @@
 </p:notes>
 </file>
 
-<file path=ppt/notesSlides/notesSlide5.xml><?xml version="1.0" encoding="utf-8"?>
+<file path=ppt/notesSlides/notesSlide6.xml><?xml version="1.0" encoding="utf-8"?>
 <p:notes xmlns:a="http://schemas.openxmlformats.org/drawingml/2006/main" xmlns:r="http://schemas.openxmlformats.org/officeDocument/2006/relationships" xmlns:p="http://schemas.openxmlformats.org/presentationml/2006/main">
   <p:cSld>
     <p:spTree>
@@ -1399,12 +1361,12 @@
 </p:notes>
 </file>
 
-<file path=ppt/notesSlides/notesSlide6.xml><?xml version="1.0" encoding="utf-8"?>
-<p:notes xmlns:a="http://schemas.openxmlformats.org/drawingml/2006/main" xmlns:r="http://schemas.openxmlformats.org/officeDocument/2006/relationships" xmlns:p="http://schemas.openxmlformats.org/presentationml/2006/main">
+<file path=ppt/notesSlides/notesSlide7.xml><?xml version="1.0" encoding="utf-8"?>
+<p:notes xmlns:a="http://schemas.openxmlformats.org/drawingml/2006/main" xmlns:r="http://schemas.openxmlformats.org/officeDocument/2006/relationships" xmlns:p="http://schemas.openxmlformats.org/presentationml/2006/main" showMasterSp="0" showMasterPhAnim="0">
   <p:cSld>
     <p:spTree>
       <p:nvGrpSpPr>
-        <p:cNvPr id="1" name=""/>
+        <p:cNvPr id="1" name="Shape 1136"/>
         <p:cNvGrpSpPr/>
         <p:nvPr/>
       </p:nvGrpSpPr>
@@ -1418,12 +1380,12 @@
       </p:grpSpPr>
       <p:sp>
         <p:nvSpPr>
-          <p:cNvPr id="2" name="Slide Image Placeholder 1"/>
+          <p:cNvPr id="1137" name="Google Shape;1137;ge10566ab40_0_137:notes"/>
           <p:cNvSpPr>
             <a:spLocks noGrp="1" noRot="1" noChangeAspect="1"/>
           </p:cNvSpPr>
           <p:nvPr>
-            <p:ph type="sldImg"/>
+            <p:ph type="sldImg" idx="2"/>
           </p:nvPr>
         </p:nvSpPr>
         <p:spPr>
@@ -1431,36 +1393,71 @@
             <a:off x="381000" y="685800"/>
             <a:ext cx="6096000" cy="3429000"/>
           </a:xfrm>
+          <a:custGeom>
+            <a:avLst/>
+            <a:gdLst/>
+            <a:ahLst/>
+            <a:cxnLst/>
+            <a:rect l="l" t="t" r="r" b="b"/>
+            <a:pathLst>
+              <a:path w="120000" h="120000" extrusionOk="0">
+                <a:moveTo>
+                  <a:pt x="0" y="0"/>
+                </a:moveTo>
+                <a:lnTo>
+                  <a:pt x="120000" y="0"/>
+                </a:lnTo>
+                <a:lnTo>
+                  <a:pt x="120000" y="120000"/>
+                </a:lnTo>
+                <a:lnTo>
+                  <a:pt x="0" y="120000"/>
+                </a:lnTo>
+                <a:close/>
+              </a:path>
+            </a:pathLst>
+          </a:custGeom>
         </p:spPr>
       </p:sp>
       <p:sp>
         <p:nvSpPr>
-          <p:cNvPr id="3" name="Notes Placeholder 2"/>
-          <p:cNvSpPr>
+          <p:cNvPr id="1138" name="Google Shape;1138;ge10566ab40_0_137:notes"/>
+          <p:cNvSpPr txBox="1">
             <a:spLocks noGrp="1"/>
           </p:cNvSpPr>
           <p:nvPr>
             <p:ph type="body" idx="1"/>
           </p:nvPr>
         </p:nvSpPr>
-        <p:spPr/>
+        <p:spPr>
+          <a:xfrm>
+            <a:off x="685800" y="4343400"/>
+            <a:ext cx="5486400" cy="4114800"/>
+          </a:xfrm>
+          <a:prstGeom prst="rect">
+            <a:avLst/>
+          </a:prstGeom>
+        </p:spPr>
         <p:txBody>
-          <a:bodyPr/>
+          <a:bodyPr spcFirstLastPara="1" wrap="square" lIns="91425" tIns="91425" rIns="91425" bIns="91425" anchor="t" anchorCtr="0">
+            <a:noAutofit/>
+          </a:bodyPr>
           <a:lstStyle/>
           <a:p>
-            <a:r>
-              <a:rPr lang="en-US" dirty="0"/>
-              <a:t>Rizwan</a:t>
-            </a:r>
+            <a:pPr marL="0" lvl="0" indent="0" algn="l" rtl="0">
+              <a:spcBef>
+                <a:spcPts val="0"/>
+              </a:spcBef>
+              <a:spcAft>
+                <a:spcPts val="0"/>
+              </a:spcAft>
+              <a:buNone/>
+            </a:pPr>
+            <a:endParaRPr/>
           </a:p>
         </p:txBody>
       </p:sp>
     </p:spTree>
-    <p:extLst>
-      <p:ext uri="{BB962C8B-B14F-4D97-AF65-F5344CB8AC3E}">
-        <p14:creationId xmlns:p14="http://schemas.microsoft.com/office/powerpoint/2010/main" val="1166873150"/>
-      </p:ext>
-    </p:extLst>
   </p:cSld>
   <p:clrMapOvr>
     <a:masterClrMapping/>
@@ -1468,7 +1465,7 @@
 </p:notes>
 </file>
 
-<file path=ppt/notesSlides/notesSlide7.xml><?xml version="1.0" encoding="utf-8"?>
+<file path=ppt/notesSlides/notesSlide8.xml><?xml version="1.0" encoding="utf-8"?>
 <p:notes xmlns:a="http://schemas.openxmlformats.org/drawingml/2006/main" xmlns:r="http://schemas.openxmlformats.org/officeDocument/2006/relationships" xmlns:p="http://schemas.openxmlformats.org/presentationml/2006/main" showMasterSp="0" showMasterPhAnim="0">
   <p:cSld>
     <p:spTree>
@@ -1577,7 +1574,7 @@
 </p:notes>
 </file>
 
-<file path=ppt/notesSlides/notesSlide8.xml><?xml version="1.0" encoding="utf-8"?>
+<file path=ppt/notesSlides/notesSlide9.xml><?xml version="1.0" encoding="utf-8"?>
 <p:notes xmlns:a="http://schemas.openxmlformats.org/drawingml/2006/main" xmlns:r="http://schemas.openxmlformats.org/officeDocument/2006/relationships" xmlns:p="http://schemas.openxmlformats.org/presentationml/2006/main" showMasterSp="0" showMasterPhAnim="0">
   <p:cSld>
     <p:spTree>
@@ -1669,111 +1666,7 @@
               </a:spcAft>
               <a:buNone/>
             </a:pPr>
-            <a:endParaRPr/>
-          </a:p>
-        </p:txBody>
-      </p:sp>
-    </p:spTree>
-  </p:cSld>
-  <p:clrMapOvr>
-    <a:masterClrMapping/>
-  </p:clrMapOvr>
-</p:notes>
-</file>
-
-<file path=ppt/notesSlides/notesSlide9.xml><?xml version="1.0" encoding="utf-8"?>
-<p:notes xmlns:a="http://schemas.openxmlformats.org/drawingml/2006/main" xmlns:r="http://schemas.openxmlformats.org/officeDocument/2006/relationships" xmlns:p="http://schemas.openxmlformats.org/presentationml/2006/main" showMasterSp="0" showMasterPhAnim="0">
-  <p:cSld>
-    <p:spTree>
-      <p:nvGrpSpPr>
-        <p:cNvPr id="1" name="Shape 1136"/>
-        <p:cNvGrpSpPr/>
-        <p:nvPr/>
-      </p:nvGrpSpPr>
-      <p:grpSpPr>
-        <a:xfrm>
-          <a:off x="0" y="0"/>
-          <a:ext cx="0" cy="0"/>
-          <a:chOff x="0" y="0"/>
-          <a:chExt cx="0" cy="0"/>
-        </a:xfrm>
-      </p:grpSpPr>
-      <p:sp>
-        <p:nvSpPr>
-          <p:cNvPr id="1137" name="Google Shape;1137;ge10566ab40_0_137:notes"/>
-          <p:cNvSpPr>
-            <a:spLocks noGrp="1" noRot="1" noChangeAspect="1"/>
-          </p:cNvSpPr>
-          <p:nvPr>
-            <p:ph type="sldImg" idx="2"/>
-          </p:nvPr>
-        </p:nvSpPr>
-        <p:spPr>
-          <a:xfrm>
-            <a:off x="381000" y="685800"/>
-            <a:ext cx="6096000" cy="3429000"/>
-          </a:xfrm>
-          <a:custGeom>
-            <a:avLst/>
-            <a:gdLst/>
-            <a:ahLst/>
-            <a:cxnLst/>
-            <a:rect l="l" t="t" r="r" b="b"/>
-            <a:pathLst>
-              <a:path w="120000" h="120000" extrusionOk="0">
-                <a:moveTo>
-                  <a:pt x="0" y="0"/>
-                </a:moveTo>
-                <a:lnTo>
-                  <a:pt x="120000" y="0"/>
-                </a:lnTo>
-                <a:lnTo>
-                  <a:pt x="120000" y="120000"/>
-                </a:lnTo>
-                <a:lnTo>
-                  <a:pt x="0" y="120000"/>
-                </a:lnTo>
-                <a:close/>
-              </a:path>
-            </a:pathLst>
-          </a:custGeom>
-        </p:spPr>
-      </p:sp>
-      <p:sp>
-        <p:nvSpPr>
-          <p:cNvPr id="1138" name="Google Shape;1138;ge10566ab40_0_137:notes"/>
-          <p:cNvSpPr txBox="1">
-            <a:spLocks noGrp="1"/>
-          </p:cNvSpPr>
-          <p:nvPr>
-            <p:ph type="body" idx="1"/>
-          </p:nvPr>
-        </p:nvSpPr>
-        <p:spPr>
-          <a:xfrm>
-            <a:off x="685800" y="4343400"/>
-            <a:ext cx="5486400" cy="4114800"/>
-          </a:xfrm>
-          <a:prstGeom prst="rect">
-            <a:avLst/>
-          </a:prstGeom>
-        </p:spPr>
-        <p:txBody>
-          <a:bodyPr spcFirstLastPara="1" wrap="square" lIns="91425" tIns="91425" rIns="91425" bIns="91425" anchor="t" anchorCtr="0">
-            <a:noAutofit/>
-          </a:bodyPr>
-          <a:lstStyle/>
-          <a:p>
-            <a:pPr marL="0" lvl="0" indent="0" algn="l" rtl="0">
-              <a:spcBef>
-                <a:spcPts val="0"/>
-              </a:spcBef>
-              <a:spcAft>
-                <a:spcPts val="0"/>
-              </a:spcAft>
-              <a:buNone/>
-            </a:pPr>
-            <a:endParaRPr/>
+            <a:endParaRPr dirty="0"/>
           </a:p>
         </p:txBody>
       </p:sp>
@@ -37331,160 +37224,6 @@
   <p:cSld>
     <p:spTree>
       <p:nvGrpSpPr>
-        <p:cNvPr id="1" name="Shape 806"/>
-        <p:cNvGrpSpPr/>
-        <p:nvPr/>
-      </p:nvGrpSpPr>
-      <p:grpSpPr>
-        <a:xfrm>
-          <a:off x="0" y="0"/>
-          <a:ext cx="0" cy="0"/>
-          <a:chOff x="0" y="0"/>
-          <a:chExt cx="0" cy="0"/>
-        </a:xfrm>
-      </p:grpSpPr>
-      <p:sp>
-        <p:nvSpPr>
-          <p:cNvPr id="809" name="Google Shape;809;p19"/>
-          <p:cNvSpPr/>
-          <p:nvPr/>
-        </p:nvSpPr>
-        <p:spPr>
-          <a:xfrm>
-            <a:off x="131379" y="269620"/>
-            <a:ext cx="762000" cy="1473947"/>
-          </a:xfrm>
-          <a:prstGeom prst="rect">
-            <a:avLst/>
-          </a:prstGeom>
-        </p:spPr>
-        <p:txBody>
-          <a:bodyPr>
-            <a:prstTxWarp prst="textPlain">
-              <a:avLst/>
-            </a:prstTxWarp>
-          </a:bodyPr>
-          <a:lstStyle/>
-          <a:p>
-            <a:pPr lvl="0" algn="ctr"/>
-            <a:r>
-              <a:rPr lang="en-GB" b="1" dirty="0">
-                <a:solidFill>
-                  <a:srgbClr val="6E86B6"/>
-                </a:solidFill>
-                <a:latin typeface="Titillium Web"/>
-              </a:rPr>
-              <a:t>2</a:t>
-            </a:r>
-            <a:endParaRPr b="1" i="0" dirty="0">
-              <a:ln>
-                <a:noFill/>
-              </a:ln>
-              <a:solidFill>
-                <a:srgbClr val="6E86B6"/>
-              </a:solidFill>
-              <a:latin typeface="Titillium Web"/>
-            </a:endParaRPr>
-          </a:p>
-        </p:txBody>
-      </p:sp>
-      <p:sp>
-        <p:nvSpPr>
-          <p:cNvPr id="8" name="TextBox 7">
-            <a:extLst>
-              <a:ext uri="{FF2B5EF4-FFF2-40B4-BE49-F238E27FC236}">
-                <a16:creationId xmlns:a16="http://schemas.microsoft.com/office/drawing/2014/main" id="{59C47180-8F9B-2397-6F75-C23ABAA661CA}"/>
-              </a:ext>
-            </a:extLst>
-          </p:cNvPr>
-          <p:cNvSpPr txBox="1"/>
-          <p:nvPr/>
-        </p:nvSpPr>
-        <p:spPr>
-          <a:xfrm>
-            <a:off x="996409" y="140831"/>
-            <a:ext cx="5938863" cy="1754326"/>
-          </a:xfrm>
-          <a:prstGeom prst="rect">
-            <a:avLst/>
-          </a:prstGeom>
-          <a:noFill/>
-        </p:spPr>
-        <p:txBody>
-          <a:bodyPr wrap="square">
-            <a:spAutoFit/>
-          </a:bodyPr>
-          <a:lstStyle/>
-          <a:p>
-            <a:pPr algn="ctr"/>
-            <a:r>
-              <a:rPr lang="en-US" sz="3600" b="1" i="0" dirty="0">
-                <a:solidFill>
-                  <a:schemeClr val="bg1"/>
-                </a:solidFill>
-                <a:effectLst/>
-                <a:latin typeface="Cavolini" panose="03000502040302020204" pitchFamily="66" charset="0"/>
-                <a:cs typeface="Cavolini" panose="03000502040302020204" pitchFamily="66" charset="0"/>
-              </a:rPr>
-              <a:t>Attitudes Towards Mental Health in the Tech Industry</a:t>
-            </a:r>
-          </a:p>
-        </p:txBody>
-      </p:sp>
-      <p:pic>
-        <p:nvPicPr>
-          <p:cNvPr id="12" name="Graphic 11" descr="Scales of justice outline">
-            <a:extLst>
-              <a:ext uri="{FF2B5EF4-FFF2-40B4-BE49-F238E27FC236}">
-                <a16:creationId xmlns:a16="http://schemas.microsoft.com/office/drawing/2014/main" id="{F7CFF3A1-CDDA-834A-4258-7069F2089D77}"/>
-              </a:ext>
-            </a:extLst>
-          </p:cNvPr>
-          <p:cNvPicPr>
-            <a:picLocks noChangeAspect="1"/>
-          </p:cNvPicPr>
-          <p:nvPr/>
-        </p:nvPicPr>
-        <p:blipFill>
-          <a:blip r:embed="rId3">
-            <a:extLst>
-              <a:ext uri="{96DAC541-7B7A-43D3-8B79-37D633B846F1}">
-                <asvg:svgBlip xmlns:asvg="http://schemas.microsoft.com/office/drawing/2016/SVG/main" r:embed="rId4"/>
-              </a:ext>
-            </a:extLst>
-          </a:blip>
-          <a:stretch>
-            <a:fillRect/>
-          </a:stretch>
-        </p:blipFill>
-        <p:spPr>
-          <a:xfrm>
-            <a:off x="6935273" y="-97771"/>
-            <a:ext cx="2208727" cy="2208727"/>
-          </a:xfrm>
-          <a:prstGeom prst="rect">
-            <a:avLst/>
-          </a:prstGeom>
-        </p:spPr>
-      </p:pic>
-    </p:spTree>
-    <p:extLst>
-      <p:ext uri="{BB962C8B-B14F-4D97-AF65-F5344CB8AC3E}">
-        <p14:creationId xmlns:p14="http://schemas.microsoft.com/office/powerpoint/2010/main" val="3214610985"/>
-      </p:ext>
-    </p:extLst>
-  </p:cSld>
-  <p:clrMapOvr>
-    <a:masterClrMapping/>
-  </p:clrMapOvr>
-</p:sld>
-</file>
-
-<file path=ppt/slides/slide11.xml><?xml version="1.0" encoding="utf-8"?>
-<p:sld xmlns:a="http://schemas.openxmlformats.org/drawingml/2006/main" xmlns:r="http://schemas.openxmlformats.org/officeDocument/2006/relationships" xmlns:p="http://schemas.openxmlformats.org/presentationml/2006/main">
-  <p:cSld>
-    <p:spTree>
-      <p:nvGrpSpPr>
         <p:cNvPr id="1" name=""/>
         <p:cNvGrpSpPr/>
         <p:nvPr/>
@@ -37729,6 +37468,47 @@
           </a:extLst>
         </p:spPr>
       </p:pic>
+      <p:sp>
+        <p:nvSpPr>
+          <p:cNvPr id="6" name="TextBox 5">
+            <a:extLst>
+              <a:ext uri="{FF2B5EF4-FFF2-40B4-BE49-F238E27FC236}">
+                <a16:creationId xmlns:a16="http://schemas.microsoft.com/office/drawing/2014/main" id="{7AE3FC83-1223-286A-68B8-892DC4DC03BA}"/>
+              </a:ext>
+            </a:extLst>
+          </p:cNvPr>
+          <p:cNvSpPr txBox="1"/>
+          <p:nvPr/>
+        </p:nvSpPr>
+        <p:spPr>
+          <a:xfrm>
+            <a:off x="8626702" y="4745610"/>
+            <a:ext cx="591566" cy="307777"/>
+          </a:xfrm>
+          <a:prstGeom prst="rect">
+            <a:avLst/>
+          </a:prstGeom>
+          <a:noFill/>
+        </p:spPr>
+        <p:txBody>
+          <a:bodyPr wrap="square">
+            <a:spAutoFit/>
+          </a:bodyPr>
+          <a:lstStyle/>
+          <a:p>
+            <a:r>
+              <a:rPr lang="en-GB" dirty="0">
+                <a:solidFill>
+                  <a:schemeClr val="bg1"/>
+                </a:solidFill>
+                <a:latin typeface="-apple-system"/>
+              </a:rPr>
+              <a:t>M.R</a:t>
+            </a:r>
+            <a:endParaRPr lang="en-GB" dirty="0"/>
+          </a:p>
+        </p:txBody>
+      </p:sp>
     </p:spTree>
     <p:extLst>
       <p:ext uri="{BB962C8B-B14F-4D97-AF65-F5344CB8AC3E}">
@@ -37742,7 +37522,7 @@
 </p:sld>
 </file>
 
-<file path=ppt/slides/slide12.xml><?xml version="1.0" encoding="utf-8"?>
+<file path=ppt/slides/slide11.xml><?xml version="1.0" encoding="utf-8"?>
 <p:sld xmlns:a="http://schemas.openxmlformats.org/drawingml/2006/main" xmlns:r="http://schemas.openxmlformats.org/officeDocument/2006/relationships" xmlns:p="http://schemas.openxmlformats.org/presentationml/2006/main">
   <p:cSld>
     <p:spTree>
@@ -38045,6 +37825,47 @@
           </a:extLst>
         </p:spPr>
       </p:pic>
+      <p:sp>
+        <p:nvSpPr>
+          <p:cNvPr id="6" name="TextBox 5">
+            <a:extLst>
+              <a:ext uri="{FF2B5EF4-FFF2-40B4-BE49-F238E27FC236}">
+                <a16:creationId xmlns:a16="http://schemas.microsoft.com/office/drawing/2014/main" id="{D52FC31A-3162-CA61-880B-C504E80FB748}"/>
+              </a:ext>
+            </a:extLst>
+          </p:cNvPr>
+          <p:cNvSpPr txBox="1"/>
+          <p:nvPr/>
+        </p:nvSpPr>
+        <p:spPr>
+          <a:xfrm>
+            <a:off x="8207602" y="4854782"/>
+            <a:ext cx="591566" cy="307777"/>
+          </a:xfrm>
+          <a:prstGeom prst="rect">
+            <a:avLst/>
+          </a:prstGeom>
+          <a:noFill/>
+        </p:spPr>
+        <p:txBody>
+          <a:bodyPr wrap="square">
+            <a:spAutoFit/>
+          </a:bodyPr>
+          <a:lstStyle/>
+          <a:p>
+            <a:r>
+              <a:rPr lang="en-GB" dirty="0">
+                <a:solidFill>
+                  <a:schemeClr val="bg1"/>
+                </a:solidFill>
+                <a:latin typeface="-apple-system"/>
+              </a:rPr>
+              <a:t>T.P</a:t>
+            </a:r>
+            <a:endParaRPr lang="en-GB" dirty="0"/>
+          </a:p>
+        </p:txBody>
+      </p:sp>
     </p:spTree>
     <p:extLst>
       <p:ext uri="{BB962C8B-B14F-4D97-AF65-F5344CB8AC3E}">
@@ -38058,7 +37879,7 @@
 </p:sld>
 </file>
 
-<file path=ppt/slides/slide13.xml><?xml version="1.0" encoding="utf-8"?>
+<file path=ppt/slides/slide12.xml><?xml version="1.0" encoding="utf-8"?>
 <p:sld xmlns:a="http://schemas.openxmlformats.org/drawingml/2006/main" xmlns:r="http://schemas.openxmlformats.org/officeDocument/2006/relationships" xmlns:p="http://schemas.openxmlformats.org/presentationml/2006/main">
   <p:cSld>
     <p:spTree>
@@ -38215,7 +38036,7 @@
                 </a:solidFill>
                 <a:latin typeface="-apple-system"/>
               </a:rPr>
-              <a:t>29% of the industry seems to have differences in mental and physical health. A high majority of 46% concluded not to know, but this may be because employees are very good at hiding or concealing their attitudes and consequences and comments can be made slyly and in a passive aggressive manner. </a:t>
+              <a:t>29% of the industry seems to have differences in mental and physical health. A high majority of 46% concluded not to know, but this may be because employees are very good at hiding or concealing their attitudes and consequences and comments can be made slyly and in a passive-aggressive manner. </a:t>
             </a:r>
           </a:p>
           <a:p>
@@ -38246,7 +38067,7 @@
                 </a:solidFill>
                 <a:latin typeface="-apple-system"/>
               </a:rPr>
-              <a:t>Although a high proportion of 86% said they did not witness first hand and negative consequences, this could just indicate it was hidden or done behind closed doors. </a:t>
+              <a:t>Although a high proportion of 86% said they did not witness first-hand negative consequences, this could just indicate it was hidden or done behind closed doors. </a:t>
             </a:r>
           </a:p>
           <a:p>
@@ -38277,7 +38098,7 @@
                 </a:solidFill>
                 <a:latin typeface="-apple-system"/>
               </a:rPr>
-              <a:t>From the results, and generic research I conclude that there is a mix response. Although employers don’t express consequences and attitudes toward mental health as negative, does not necessarily mean it is how it truly is or it doesn’t affect employee management . </a:t>
+              <a:t>From the results, and generic research I conclude that there is a mixed response. Although employers don’t express consequences and attitudes toward mental health as negative, does not necessarily mean it is how it truly is or it doesn’t affect employee management. </a:t>
             </a:r>
           </a:p>
           <a:p>
@@ -38342,6 +38163,47 @@
           </a:extLst>
         </p:spPr>
       </p:pic>
+      <p:sp>
+        <p:nvSpPr>
+          <p:cNvPr id="8" name="TextBox 7">
+            <a:extLst>
+              <a:ext uri="{FF2B5EF4-FFF2-40B4-BE49-F238E27FC236}">
+                <a16:creationId xmlns:a16="http://schemas.microsoft.com/office/drawing/2014/main" id="{59D6C575-01B6-27FC-E3B4-1306F0CAC8B9}"/>
+              </a:ext>
+            </a:extLst>
+          </p:cNvPr>
+          <p:cNvSpPr txBox="1"/>
+          <p:nvPr/>
+        </p:nvSpPr>
+        <p:spPr>
+          <a:xfrm>
+            <a:off x="7312025" y="4744083"/>
+            <a:ext cx="619125" cy="307777"/>
+          </a:xfrm>
+          <a:prstGeom prst="rect">
+            <a:avLst/>
+          </a:prstGeom>
+          <a:noFill/>
+        </p:spPr>
+        <p:txBody>
+          <a:bodyPr wrap="square">
+            <a:spAutoFit/>
+          </a:bodyPr>
+          <a:lstStyle/>
+          <a:p>
+            <a:r>
+              <a:rPr lang="en-GB" sz="1400" dirty="0">
+                <a:solidFill>
+                  <a:schemeClr val="bg1"/>
+                </a:solidFill>
+                <a:latin typeface="-apple-system"/>
+              </a:rPr>
+              <a:t>E.S</a:t>
+            </a:r>
+            <a:endParaRPr lang="en-GB" dirty="0"/>
+          </a:p>
+        </p:txBody>
+      </p:sp>
     </p:spTree>
     <p:extLst>
       <p:ext uri="{BB962C8B-B14F-4D97-AF65-F5344CB8AC3E}">
@@ -38355,1207 +38217,7 @@
 </p:sld>
 </file>
 
-<file path=ppt/slides/slide14.xml><?xml version="1.0" encoding="utf-8"?>
-<p:sld xmlns:a="http://schemas.openxmlformats.org/drawingml/2006/main" xmlns:r="http://schemas.openxmlformats.org/officeDocument/2006/relationships" xmlns:p="http://schemas.openxmlformats.org/presentationml/2006/main">
-  <p:cSld>
-    <p:spTree>
-      <p:nvGrpSpPr>
-        <p:cNvPr id="1" name=""/>
-        <p:cNvGrpSpPr/>
-        <p:nvPr/>
-      </p:nvGrpSpPr>
-      <p:grpSpPr>
-        <a:xfrm>
-          <a:off x="0" y="0"/>
-          <a:ext cx="0" cy="0"/>
-          <a:chOff x="0" y="0"/>
-          <a:chExt cx="0" cy="0"/>
-        </a:xfrm>
-      </p:grpSpPr>
-      <p:sp>
-        <p:nvSpPr>
-          <p:cNvPr id="2" name="Title 1">
-            <a:extLst>
-              <a:ext uri="{FF2B5EF4-FFF2-40B4-BE49-F238E27FC236}">
-                <a16:creationId xmlns:a16="http://schemas.microsoft.com/office/drawing/2014/main" id="{FF3C98E0-2486-1477-FE1F-7DB67F428628}"/>
-              </a:ext>
-            </a:extLst>
-          </p:cNvPr>
-          <p:cNvSpPr>
-            <a:spLocks noGrp="1"/>
-          </p:cNvSpPr>
-          <p:nvPr>
-            <p:ph type="title"/>
-          </p:nvPr>
-        </p:nvSpPr>
-        <p:spPr>
-          <a:xfrm>
-            <a:off x="0" y="-118035"/>
-            <a:ext cx="5069541" cy="994172"/>
-          </a:xfrm>
-        </p:spPr>
-        <p:txBody>
-          <a:bodyPr>
-            <a:noAutofit/>
-          </a:bodyPr>
-          <a:lstStyle/>
-          <a:p>
-            <a:pPr algn="ctr"/>
-            <a:r>
-              <a:rPr lang="en-GB" sz="2200" b="1" dirty="0">
-                <a:latin typeface="ui-monospace"/>
-              </a:rPr>
-              <a:t>Tech industry supports the overall mental health and wellbeing of their employees</a:t>
-            </a:r>
-            <a:endParaRPr lang="en-GB" sz="2200" b="1" dirty="0"/>
-          </a:p>
-        </p:txBody>
-      </p:sp>
-      <p:pic>
-        <p:nvPicPr>
-          <p:cNvPr id="3" name="Picture 4" descr="University logo guidelines">
-            <a:extLst>
-              <a:ext uri="{FF2B5EF4-FFF2-40B4-BE49-F238E27FC236}">
-                <a16:creationId xmlns:a16="http://schemas.microsoft.com/office/drawing/2014/main" id="{CCBBDCA4-3BC0-AFD0-F98E-ACD7436E7FA4}"/>
-              </a:ext>
-            </a:extLst>
-          </p:cNvPr>
-          <p:cNvPicPr>
-            <a:picLocks noChangeAspect="1" noChangeArrowheads="1"/>
-          </p:cNvPicPr>
-          <p:nvPr/>
-        </p:nvPicPr>
-        <p:blipFill>
-          <a:blip r:embed="rId3">
-            <a:extLst>
-              <a:ext uri="{28A0092B-C50C-407E-A947-70E740481C1C}">
-                <a14:useLocalDpi xmlns:a14="http://schemas.microsoft.com/office/drawing/2010/main" val="0"/>
-              </a:ext>
-            </a:extLst>
-          </a:blip>
-          <a:srcRect/>
-          <a:stretch>
-            <a:fillRect/>
-          </a:stretch>
-        </p:blipFill>
-        <p:spPr bwMode="auto">
-          <a:xfrm>
-            <a:off x="6846041" y="-237284"/>
-            <a:ext cx="2617184" cy="1027790"/>
-          </a:xfrm>
-          <a:prstGeom prst="rect">
-            <a:avLst/>
-          </a:prstGeom>
-          <a:noFill/>
-          <a:extLst>
-            <a:ext uri="{909E8E84-426E-40DD-AFC4-6F175D3DCCD1}">
-              <a14:hiddenFill xmlns:a14="http://schemas.microsoft.com/office/drawing/2010/main">
-                <a:solidFill>
-                  <a:srgbClr val="FFFFFF"/>
-                </a:solidFill>
-              </a14:hiddenFill>
-            </a:ext>
-          </a:extLst>
-        </p:spPr>
-      </p:pic>
-      <p:pic>
-        <p:nvPicPr>
-          <p:cNvPr id="6" name="Picture 5">
-            <a:extLst>
-              <a:ext uri="{FF2B5EF4-FFF2-40B4-BE49-F238E27FC236}">
-                <a16:creationId xmlns:a16="http://schemas.microsoft.com/office/drawing/2014/main" id="{D94B2284-DC18-2EA7-4688-74CC113E74FC}"/>
-              </a:ext>
-            </a:extLst>
-          </p:cNvPr>
-          <p:cNvPicPr>
-            <a:picLocks noChangeAspect="1"/>
-          </p:cNvPicPr>
-          <p:nvPr/>
-        </p:nvPicPr>
-        <p:blipFill>
-          <a:blip r:embed="rId4"/>
-          <a:stretch>
-            <a:fillRect/>
-          </a:stretch>
-        </p:blipFill>
-        <p:spPr>
-          <a:xfrm>
-            <a:off x="5548753" y="592833"/>
-            <a:ext cx="3272211" cy="2290125"/>
-          </a:xfrm>
-          <a:prstGeom prst="rect">
-            <a:avLst/>
-          </a:prstGeom>
-        </p:spPr>
-      </p:pic>
-      <p:pic>
-        <p:nvPicPr>
-          <p:cNvPr id="8" name="Picture 7">
-            <a:extLst>
-              <a:ext uri="{FF2B5EF4-FFF2-40B4-BE49-F238E27FC236}">
-                <a16:creationId xmlns:a16="http://schemas.microsoft.com/office/drawing/2014/main" id="{F267A910-7EA5-9AFF-2642-44505BE7490E}"/>
-              </a:ext>
-            </a:extLst>
-          </p:cNvPr>
-          <p:cNvPicPr>
-            <a:picLocks noChangeAspect="1"/>
-          </p:cNvPicPr>
-          <p:nvPr/>
-        </p:nvPicPr>
-        <p:blipFill rotWithShape="1">
-          <a:blip r:embed="rId5"/>
-          <a:srcRect l="3536" r="2434"/>
-          <a:stretch/>
-        </p:blipFill>
-        <p:spPr>
-          <a:xfrm>
-            <a:off x="5548753" y="2958532"/>
-            <a:ext cx="3272211" cy="1954324"/>
-          </a:xfrm>
-          <a:prstGeom prst="rect">
-            <a:avLst/>
-          </a:prstGeom>
-        </p:spPr>
-      </p:pic>
-      <p:sp>
-        <p:nvSpPr>
-          <p:cNvPr id="13" name="TextBox 12">
-            <a:extLst>
-              <a:ext uri="{FF2B5EF4-FFF2-40B4-BE49-F238E27FC236}">
-                <a16:creationId xmlns:a16="http://schemas.microsoft.com/office/drawing/2014/main" id="{BBAB4458-AE89-BC4A-1C82-F402D139A44A}"/>
-              </a:ext>
-            </a:extLst>
-          </p:cNvPr>
-          <p:cNvSpPr txBox="1"/>
-          <p:nvPr/>
-        </p:nvSpPr>
-        <p:spPr>
-          <a:xfrm>
-            <a:off x="188564" y="876137"/>
-            <a:ext cx="5225717" cy="4293483"/>
-          </a:xfrm>
-          <a:prstGeom prst="rect">
-            <a:avLst/>
-          </a:prstGeom>
-          <a:noFill/>
-        </p:spPr>
-        <p:txBody>
-          <a:bodyPr wrap="square">
-            <a:spAutoFit/>
-          </a:bodyPr>
-          <a:lstStyle/>
-          <a:p>
-            <a:pPr marL="0" marR="0" lvl="0" indent="0" algn="just" defTabSz="914400" rtl="0" eaLnBrk="1" fontAlgn="auto" latinLnBrk="0" hangingPunct="1">
-              <a:lnSpc>
-                <a:spcPct val="100000"/>
-              </a:lnSpc>
-              <a:spcBef>
-                <a:spcPts val="600"/>
-              </a:spcBef>
-              <a:spcAft>
-                <a:spcPts val="0"/>
-              </a:spcAft>
-              <a:buClr>
-                <a:srgbClr val="6E86B6"/>
-              </a:buClr>
-              <a:buSzPts val="2400"/>
-              <a:buFont typeface="Titillium Web"/>
-              <a:buNone/>
-              <a:tabLst/>
-              <a:defRPr/>
-            </a:pPr>
-            <a:r>
-              <a:rPr kumimoji="0" lang="en-GB" b="0" i="0" u="none" strike="noStrike" kern="0" cap="none" spc="0" normalizeH="0" baseline="0" noProof="0" dirty="0">
-                <a:ln>
-                  <a:noFill/>
-                </a:ln>
-                <a:solidFill>
-                  <a:srgbClr val="FFFFFF"/>
-                </a:solidFill>
-                <a:effectLst/>
-                <a:uLnTx/>
-                <a:uFillTx/>
-                <a:latin typeface="Titillium Web"/>
-                <a:sym typeface="Titillium Web"/>
-              </a:rPr>
-              <a:t>The Survey Data which was analysed provided the following conclusions:  </a:t>
-            </a:r>
-          </a:p>
-          <a:p>
-            <a:pPr marL="457200" marR="0" lvl="0" indent="-381000" algn="just" defTabSz="914400" rtl="0" eaLnBrk="1" fontAlgn="auto" latinLnBrk="0" hangingPunct="1">
-              <a:lnSpc>
-                <a:spcPct val="100000"/>
-              </a:lnSpc>
-              <a:spcBef>
-                <a:spcPts val="600"/>
-              </a:spcBef>
-              <a:spcAft>
-                <a:spcPts val="0"/>
-              </a:spcAft>
-              <a:buClr>
-                <a:srgbClr val="6E86B6"/>
-              </a:buClr>
-              <a:buSzPts val="2400"/>
-              <a:buFont typeface="Titillium Web"/>
-              <a:buChar char="▫"/>
-              <a:tabLst/>
-              <a:defRPr/>
-            </a:pPr>
-            <a:r>
-              <a:rPr kumimoji="0" lang="en-GB" b="0" i="0" u="none" strike="noStrike" kern="0" cap="none" spc="0" normalizeH="0" baseline="0" noProof="0" dirty="0">
-                <a:ln>
-                  <a:noFill/>
-                </a:ln>
-                <a:solidFill>
-                  <a:srgbClr val="FFFFFF"/>
-                </a:solidFill>
-                <a:effectLst/>
-                <a:uLnTx/>
-                <a:uFillTx/>
-                <a:latin typeface="Titillium Web"/>
-                <a:sym typeface="Titillium Web"/>
-              </a:rPr>
-              <a:t>Tech companies offer more wellness programs than non-tech</a:t>
-            </a:r>
-          </a:p>
-          <a:p>
-            <a:pPr marL="457200" marR="0" lvl="0" indent="-381000" algn="just" defTabSz="914400" rtl="0" eaLnBrk="1" fontAlgn="auto" latinLnBrk="0" hangingPunct="1">
-              <a:lnSpc>
-                <a:spcPct val="100000"/>
-              </a:lnSpc>
-              <a:spcBef>
-                <a:spcPts val="600"/>
-              </a:spcBef>
-              <a:spcAft>
-                <a:spcPts val="0"/>
-              </a:spcAft>
-              <a:buClr>
-                <a:srgbClr val="6E86B6"/>
-              </a:buClr>
-              <a:buSzPts val="2400"/>
-              <a:buFont typeface="Titillium Web"/>
-              <a:buChar char="▫"/>
-              <a:tabLst/>
-              <a:defRPr/>
-            </a:pPr>
-            <a:r>
-              <a:rPr lang="en-GB" dirty="0">
-                <a:solidFill>
-                  <a:srgbClr val="FFFFFF"/>
-                </a:solidFill>
-                <a:latin typeface="Titillium Web"/>
-                <a:sym typeface="Titillium Web"/>
-              </a:rPr>
-              <a:t>Tech companies also have the highest volume of companies not offering wellness programs </a:t>
-            </a:r>
-          </a:p>
-          <a:p>
-            <a:pPr marL="76200" marR="0" lvl="0" algn="just" defTabSz="914400" rtl="0" eaLnBrk="1" fontAlgn="auto" latinLnBrk="0" hangingPunct="1">
-              <a:lnSpc>
-                <a:spcPct val="100000"/>
-              </a:lnSpc>
-              <a:spcBef>
-                <a:spcPts val="600"/>
-              </a:spcBef>
-              <a:spcAft>
-                <a:spcPts val="0"/>
-              </a:spcAft>
-              <a:buClr>
-                <a:srgbClr val="6E86B6"/>
-              </a:buClr>
-              <a:buSzPts val="2400"/>
-              <a:tabLst/>
-              <a:defRPr/>
-            </a:pPr>
-            <a:r>
-              <a:rPr lang="en-GB" dirty="0">
-                <a:solidFill>
-                  <a:srgbClr val="FFFFFF"/>
-                </a:solidFill>
-                <a:latin typeface="Titillium Web"/>
-                <a:sym typeface="Titillium Web"/>
-              </a:rPr>
-              <a:t>However further analysis considering the volume of companies demonstrates, the volume of non-tech and tech companies accurate data analysis demonstrates: </a:t>
-            </a:r>
-          </a:p>
-          <a:p>
-            <a:pPr marL="457200" marR="0" lvl="0" indent="-381000" algn="just" defTabSz="914400" rtl="0" eaLnBrk="1" fontAlgn="auto" latinLnBrk="0" hangingPunct="1">
-              <a:lnSpc>
-                <a:spcPct val="100000"/>
-              </a:lnSpc>
-              <a:spcBef>
-                <a:spcPts val="600"/>
-              </a:spcBef>
-              <a:spcAft>
-                <a:spcPts val="0"/>
-              </a:spcAft>
-              <a:buClr>
-                <a:srgbClr val="6E86B6"/>
-              </a:buClr>
-              <a:buSzPts val="2400"/>
-              <a:buFont typeface="Titillium Web"/>
-              <a:buChar char="▫"/>
-              <a:tabLst/>
-              <a:defRPr/>
-            </a:pPr>
-            <a:r>
-              <a:rPr kumimoji="0" lang="en-GB" sz="1400" b="0" i="0" u="none" strike="noStrike" kern="0" cap="none" spc="0" normalizeH="0" baseline="0" noProof="0" dirty="0">
-                <a:ln>
-                  <a:noFill/>
-                </a:ln>
-                <a:solidFill>
-                  <a:srgbClr val="FFFFFF"/>
-                </a:solidFill>
-                <a:effectLst/>
-                <a:uLnTx/>
-                <a:uFillTx/>
-                <a:latin typeface="Titillium Web"/>
-                <a:sym typeface="Titillium Web"/>
-              </a:rPr>
-              <a:t>Only 15.7 % of  Tech Companies offered wellness programs when compared to the quantity of tech companies</a:t>
-            </a:r>
-          </a:p>
-          <a:p>
-            <a:pPr marL="457200" marR="0" lvl="0" indent="-381000" algn="just" defTabSz="914400" rtl="0" eaLnBrk="1" fontAlgn="auto" latinLnBrk="0" hangingPunct="1">
-              <a:lnSpc>
-                <a:spcPct val="100000"/>
-              </a:lnSpc>
-              <a:spcBef>
-                <a:spcPts val="600"/>
-              </a:spcBef>
-              <a:spcAft>
-                <a:spcPts val="0"/>
-              </a:spcAft>
-              <a:buClr>
-                <a:srgbClr val="6E86B6"/>
-              </a:buClr>
-              <a:buSzPts val="2400"/>
-              <a:buFont typeface="Titillium Web"/>
-              <a:buChar char="▫"/>
-              <a:tabLst/>
-              <a:defRPr/>
-            </a:pPr>
-            <a:r>
-              <a:rPr kumimoji="0" lang="en-GB" sz="1400" b="0" i="0" u="none" strike="noStrike" kern="0" cap="none" spc="0" normalizeH="0" baseline="0" noProof="0" dirty="0">
-                <a:ln>
-                  <a:noFill/>
-                </a:ln>
-                <a:solidFill>
-                  <a:srgbClr val="FFFFFF"/>
-                </a:solidFill>
-                <a:effectLst/>
-                <a:uLnTx/>
-                <a:uFillTx/>
-                <a:latin typeface="Titillium Web"/>
-                <a:sym typeface="Titillium Web"/>
-              </a:rPr>
-              <a:t>However 29.4 % of Non-Tech offered wellness programs when compared to the quantity of non-tech companies</a:t>
-            </a:r>
-          </a:p>
-          <a:p>
-            <a:pPr marL="76200" marR="0" lvl="0" algn="just" defTabSz="914400" rtl="0" eaLnBrk="1" fontAlgn="auto" latinLnBrk="0" hangingPunct="1">
-              <a:lnSpc>
-                <a:spcPct val="100000"/>
-              </a:lnSpc>
-              <a:spcBef>
-                <a:spcPts val="600"/>
-              </a:spcBef>
-              <a:spcAft>
-                <a:spcPts val="0"/>
-              </a:spcAft>
-              <a:buClr>
-                <a:srgbClr val="6E86B6"/>
-              </a:buClr>
-              <a:buSzPts val="2400"/>
-              <a:tabLst/>
-              <a:defRPr/>
-            </a:pPr>
-            <a:r>
-              <a:rPr lang="en-GB" noProof="0" dirty="0">
-                <a:solidFill>
-                  <a:srgbClr val="FFFFFF"/>
-                </a:solidFill>
-                <a:latin typeface="Titillium Web"/>
-                <a:sym typeface="Titillium Web"/>
-              </a:rPr>
-              <a:t>Therefore the tech industry requires development to be able to compete </a:t>
-            </a:r>
-            <a:r>
-              <a:rPr lang="en-GB" dirty="0">
-                <a:solidFill>
-                  <a:srgbClr val="FFFFFF"/>
-                </a:solidFill>
-                <a:latin typeface="Titillium Web"/>
-                <a:sym typeface="Titillium Web"/>
-              </a:rPr>
-              <a:t>with non-tech companies offering wellness programs to employees.</a:t>
-            </a:r>
-            <a:endParaRPr kumimoji="0" lang="en-GB" sz="1400" b="0" i="0" u="none" strike="noStrike" kern="0" cap="none" spc="0" normalizeH="0" baseline="0" noProof="0" dirty="0">
-              <a:ln>
-                <a:noFill/>
-              </a:ln>
-              <a:solidFill>
-                <a:srgbClr val="FFFFFF"/>
-              </a:solidFill>
-              <a:effectLst/>
-              <a:uLnTx/>
-              <a:uFillTx/>
-              <a:latin typeface="Titillium Web"/>
-              <a:sym typeface="Titillium Web"/>
-            </a:endParaRPr>
-          </a:p>
-          <a:p>
-            <a:pPr marL="76200" marR="0" lvl="0" algn="just" defTabSz="914400" rtl="0" eaLnBrk="1" fontAlgn="auto" latinLnBrk="0" hangingPunct="1">
-              <a:lnSpc>
-                <a:spcPct val="100000"/>
-              </a:lnSpc>
-              <a:spcBef>
-                <a:spcPts val="600"/>
-              </a:spcBef>
-              <a:spcAft>
-                <a:spcPts val="0"/>
-              </a:spcAft>
-              <a:buClr>
-                <a:srgbClr val="6E86B6"/>
-              </a:buClr>
-              <a:buSzPts val="2400"/>
-              <a:tabLst/>
-              <a:defRPr/>
-            </a:pPr>
-            <a:endParaRPr lang="en-GB" dirty="0">
-              <a:solidFill>
-                <a:srgbClr val="FFFFFF"/>
-              </a:solidFill>
-              <a:latin typeface="Titillium Web"/>
-              <a:sym typeface="Titillium Web"/>
-            </a:endParaRPr>
-          </a:p>
-        </p:txBody>
-      </p:sp>
-    </p:spTree>
-    <p:extLst>
-      <p:ext uri="{BB962C8B-B14F-4D97-AF65-F5344CB8AC3E}">
-        <p14:creationId xmlns:p14="http://schemas.microsoft.com/office/powerpoint/2010/main" val="1777533658"/>
-      </p:ext>
-    </p:extLst>
-  </p:cSld>
-  <p:clrMapOvr>
-    <a:masterClrMapping/>
-  </p:clrMapOvr>
-</p:sld>
-</file>
-
-<file path=ppt/slides/slide15.xml><?xml version="1.0" encoding="utf-8"?>
-<p:sld xmlns:a="http://schemas.openxmlformats.org/drawingml/2006/main" xmlns:r="http://schemas.openxmlformats.org/officeDocument/2006/relationships" xmlns:p="http://schemas.openxmlformats.org/presentationml/2006/main">
-  <p:cSld>
-    <p:spTree>
-      <p:nvGrpSpPr>
-        <p:cNvPr id="1" name="Shape 806"/>
-        <p:cNvGrpSpPr/>
-        <p:nvPr/>
-      </p:nvGrpSpPr>
-      <p:grpSpPr>
-        <a:xfrm>
-          <a:off x="0" y="0"/>
-          <a:ext cx="0" cy="0"/>
-          <a:chOff x="0" y="0"/>
-          <a:chExt cx="0" cy="0"/>
-        </a:xfrm>
-      </p:grpSpPr>
-      <p:sp>
-        <p:nvSpPr>
-          <p:cNvPr id="809" name="Google Shape;809;p19"/>
-          <p:cNvSpPr/>
-          <p:nvPr/>
-        </p:nvSpPr>
-        <p:spPr>
-          <a:xfrm>
-            <a:off x="131379" y="269620"/>
-            <a:ext cx="762000" cy="1473947"/>
-          </a:xfrm>
-          <a:prstGeom prst="rect">
-            <a:avLst/>
-          </a:prstGeom>
-        </p:spPr>
-        <p:txBody>
-          <a:bodyPr>
-            <a:prstTxWarp prst="textPlain">
-              <a:avLst/>
-            </a:prstTxWarp>
-          </a:bodyPr>
-          <a:lstStyle/>
-          <a:p>
-            <a:pPr lvl="0" algn="ctr"/>
-            <a:r>
-              <a:rPr lang="en-GB" b="1" i="0" dirty="0">
-                <a:ln>
-                  <a:noFill/>
-                </a:ln>
-                <a:solidFill>
-                  <a:srgbClr val="6E86B6"/>
-                </a:solidFill>
-                <a:latin typeface="Titillium Web"/>
-              </a:rPr>
-              <a:t>3</a:t>
-            </a:r>
-            <a:endParaRPr b="1" i="0" dirty="0">
-              <a:ln>
-                <a:noFill/>
-              </a:ln>
-              <a:solidFill>
-                <a:srgbClr val="6E86B6"/>
-              </a:solidFill>
-              <a:latin typeface="Titillium Web"/>
-            </a:endParaRPr>
-          </a:p>
-        </p:txBody>
-      </p:sp>
-      <p:sp>
-        <p:nvSpPr>
-          <p:cNvPr id="8" name="TextBox 7">
-            <a:extLst>
-              <a:ext uri="{FF2B5EF4-FFF2-40B4-BE49-F238E27FC236}">
-                <a16:creationId xmlns:a16="http://schemas.microsoft.com/office/drawing/2014/main" id="{59C47180-8F9B-2397-6F75-C23ABAA661CA}"/>
-              </a:ext>
-            </a:extLst>
-          </p:cNvPr>
-          <p:cNvSpPr txBox="1"/>
-          <p:nvPr/>
-        </p:nvSpPr>
-        <p:spPr>
-          <a:xfrm>
-            <a:off x="996409" y="140831"/>
-            <a:ext cx="5938863" cy="1754326"/>
-          </a:xfrm>
-          <a:prstGeom prst="rect">
-            <a:avLst/>
-          </a:prstGeom>
-          <a:noFill/>
-        </p:spPr>
-        <p:txBody>
-          <a:bodyPr wrap="square">
-            <a:spAutoFit/>
-          </a:bodyPr>
-          <a:lstStyle/>
-          <a:p>
-            <a:pPr algn="ctr"/>
-            <a:r>
-              <a:rPr lang="en-US" sz="3600" b="1" i="0" dirty="0">
-                <a:solidFill>
-                  <a:schemeClr val="bg1"/>
-                </a:solidFill>
-                <a:effectLst/>
-                <a:latin typeface="Cavolini" panose="03000502040302020204" pitchFamily="66" charset="0"/>
-                <a:cs typeface="Cavolini" panose="03000502040302020204" pitchFamily="66" charset="0"/>
-              </a:rPr>
-              <a:t>Recommendations</a:t>
-            </a:r>
-          </a:p>
-          <a:p>
-            <a:pPr algn="ctr"/>
-            <a:r>
-              <a:rPr lang="en-US" sz="3600" b="1" dirty="0">
-                <a:solidFill>
-                  <a:schemeClr val="bg1"/>
-                </a:solidFill>
-                <a:latin typeface="Cavolini" panose="03000502040302020204" pitchFamily="66" charset="0"/>
-                <a:cs typeface="Cavolini" panose="03000502040302020204" pitchFamily="66" charset="0"/>
-              </a:rPr>
-              <a:t>for the Tech Industry</a:t>
-            </a:r>
-          </a:p>
-          <a:p>
-            <a:pPr algn="ctr"/>
-            <a:r>
-              <a:rPr lang="en-US" sz="3600" b="1" dirty="0">
-                <a:solidFill>
-                  <a:schemeClr val="bg1"/>
-                </a:solidFill>
-                <a:latin typeface="Cavolini" panose="03000502040302020204" pitchFamily="66" charset="0"/>
-                <a:cs typeface="Cavolini" panose="03000502040302020204" pitchFamily="66" charset="0"/>
-              </a:rPr>
-              <a:t>to Improve</a:t>
-            </a:r>
-            <a:endParaRPr lang="en-US" sz="3600" b="1" i="0" dirty="0">
-              <a:solidFill>
-                <a:schemeClr val="bg1"/>
-              </a:solidFill>
-              <a:effectLst/>
-              <a:latin typeface="Cavolini" panose="03000502040302020204" pitchFamily="66" charset="0"/>
-              <a:cs typeface="Cavolini" panose="03000502040302020204" pitchFamily="66" charset="0"/>
-            </a:endParaRPr>
-          </a:p>
-        </p:txBody>
-      </p:sp>
-      <p:pic>
-        <p:nvPicPr>
-          <p:cNvPr id="3" name="Graphic 2" descr="Lights On outline">
-            <a:extLst>
-              <a:ext uri="{FF2B5EF4-FFF2-40B4-BE49-F238E27FC236}">
-                <a16:creationId xmlns:a16="http://schemas.microsoft.com/office/drawing/2014/main" id="{CE358121-3847-53C5-048D-A52DB789F4E4}"/>
-              </a:ext>
-            </a:extLst>
-          </p:cNvPr>
-          <p:cNvPicPr>
-            <a:picLocks noChangeAspect="1"/>
-          </p:cNvPicPr>
-          <p:nvPr/>
-        </p:nvPicPr>
-        <p:blipFill>
-          <a:blip r:embed="rId3">
-            <a:extLst>
-              <a:ext uri="{96DAC541-7B7A-43D3-8B79-37D633B846F1}">
-                <asvg:svgBlip xmlns:asvg="http://schemas.microsoft.com/office/drawing/2016/SVG/main" r:embed="rId4"/>
-              </a:ext>
-            </a:extLst>
-          </a:blip>
-          <a:stretch>
-            <a:fillRect/>
-          </a:stretch>
-        </p:blipFill>
-        <p:spPr>
-          <a:xfrm>
-            <a:off x="6935272" y="0"/>
-            <a:ext cx="2208728" cy="2310063"/>
-          </a:xfrm>
-          <a:prstGeom prst="rect">
-            <a:avLst/>
-          </a:prstGeom>
-        </p:spPr>
-      </p:pic>
-    </p:spTree>
-    <p:extLst>
-      <p:ext uri="{BB962C8B-B14F-4D97-AF65-F5344CB8AC3E}">
-        <p14:creationId xmlns:p14="http://schemas.microsoft.com/office/powerpoint/2010/main" val="2358772841"/>
-      </p:ext>
-    </p:extLst>
-  </p:cSld>
-  <p:clrMapOvr>
-    <a:masterClrMapping/>
-  </p:clrMapOvr>
-</p:sld>
-</file>
-
-<file path=ppt/slides/slide16.xml><?xml version="1.0" encoding="utf-8"?>
-<p:sld xmlns:a="http://schemas.openxmlformats.org/drawingml/2006/main" xmlns:r="http://schemas.openxmlformats.org/officeDocument/2006/relationships" xmlns:p="http://schemas.openxmlformats.org/presentationml/2006/main">
-  <p:cSld>
-    <p:spTree>
-      <p:nvGrpSpPr>
-        <p:cNvPr id="1" name="Shape 800"/>
-        <p:cNvGrpSpPr/>
-        <p:nvPr/>
-      </p:nvGrpSpPr>
-      <p:grpSpPr>
-        <a:xfrm>
-          <a:off x="0" y="0"/>
-          <a:ext cx="0" cy="0"/>
-          <a:chOff x="0" y="0"/>
-          <a:chExt cx="0" cy="0"/>
-        </a:xfrm>
-      </p:grpSpPr>
-      <p:sp>
-        <p:nvSpPr>
-          <p:cNvPr id="5" name="TextBox 4">
-            <a:extLst>
-              <a:ext uri="{FF2B5EF4-FFF2-40B4-BE49-F238E27FC236}">
-                <a16:creationId xmlns:a16="http://schemas.microsoft.com/office/drawing/2014/main" id="{24C13BFF-2609-3E75-E544-72954A7D804E}"/>
-              </a:ext>
-            </a:extLst>
-          </p:cNvPr>
-          <p:cNvSpPr txBox="1"/>
-          <p:nvPr/>
-        </p:nvSpPr>
-        <p:spPr>
-          <a:xfrm>
-            <a:off x="0" y="1336205"/>
-            <a:ext cx="9144000" cy="3539430"/>
-          </a:xfrm>
-          <a:prstGeom prst="rect">
-            <a:avLst/>
-          </a:prstGeom>
-          <a:noFill/>
-        </p:spPr>
-        <p:txBody>
-          <a:bodyPr wrap="square" rtlCol="0">
-            <a:spAutoFit/>
-          </a:bodyPr>
-          <a:lstStyle/>
-          <a:p>
-            <a:pPr marL="285750" indent="-285750">
-              <a:buClr>
-                <a:schemeClr val="bg1"/>
-              </a:buClr>
-              <a:buFont typeface="Wingdings" pitchFamily="2" charset="2"/>
-              <a:buChar char="ü"/>
-            </a:pPr>
-            <a:r>
-              <a:rPr lang="en-GB" sz="1600" dirty="0">
-                <a:solidFill>
-                  <a:schemeClr val="bg1"/>
-                </a:solidFill>
-                <a:latin typeface="Slack-Lato"/>
-              </a:rPr>
-              <a:t>Companies, in specific tech companies can offer a variety of aid to support their employee's mental health:</a:t>
-            </a:r>
-          </a:p>
-          <a:p>
-            <a:pPr marL="285750" indent="-285750">
-              <a:buClr>
-                <a:schemeClr val="bg1"/>
-              </a:buClr>
-              <a:buFont typeface="Wingdings" pitchFamily="2" charset="2"/>
-              <a:buChar char="ü"/>
-            </a:pPr>
-            <a:endParaRPr lang="en-GB" sz="1600" dirty="0">
-              <a:solidFill>
-                <a:schemeClr val="bg1"/>
-              </a:solidFill>
-              <a:latin typeface="Slack-Lato"/>
-            </a:endParaRPr>
-          </a:p>
-          <a:p>
-            <a:pPr marL="285750" indent="-285750">
-              <a:buClr>
-                <a:schemeClr val="bg1"/>
-              </a:buClr>
-              <a:buFont typeface="Wingdings" pitchFamily="2" charset="2"/>
-              <a:buChar char="ü"/>
-            </a:pPr>
-            <a:r>
-              <a:rPr lang="en-GB" sz="1600" dirty="0">
-                <a:solidFill>
-                  <a:schemeClr val="bg1"/>
-                </a:solidFill>
-                <a:latin typeface="Slack-Lato"/>
-              </a:rPr>
-              <a:t>Presence of Mental Health First Aiders within each team to allow employees to have points of contact when support is needed. </a:t>
-            </a:r>
-          </a:p>
-          <a:p>
-            <a:pPr marL="285750" indent="-285750">
-              <a:buClr>
-                <a:schemeClr val="bg1"/>
-              </a:buClr>
-              <a:buFont typeface="Wingdings" pitchFamily="2" charset="2"/>
-              <a:buChar char="ü"/>
-            </a:pPr>
-            <a:endParaRPr lang="en-GB" sz="1600" dirty="0">
-              <a:solidFill>
-                <a:schemeClr val="bg1"/>
-              </a:solidFill>
-              <a:latin typeface="Slack-Lato"/>
-            </a:endParaRPr>
-          </a:p>
-          <a:p>
-            <a:pPr marL="285750" indent="-285750">
-              <a:buClr>
-                <a:schemeClr val="bg1"/>
-              </a:buClr>
-              <a:buFont typeface="Wingdings" pitchFamily="2" charset="2"/>
-              <a:buChar char="ü"/>
-            </a:pPr>
-            <a:r>
-              <a:rPr lang="en-GB" sz="1600" dirty="0">
-                <a:solidFill>
-                  <a:schemeClr val="bg1"/>
-                </a:solidFill>
-                <a:latin typeface="Slack-Lato"/>
-              </a:rPr>
-              <a:t>Presence of Mental Health days, which are days employees can take throughout the year to look after themselves. </a:t>
-            </a:r>
-          </a:p>
-          <a:p>
-            <a:pPr marL="285750" indent="-285750">
-              <a:buClr>
-                <a:schemeClr val="bg1"/>
-              </a:buClr>
-              <a:buFont typeface="Wingdings" pitchFamily="2" charset="2"/>
-              <a:buChar char="ü"/>
-            </a:pPr>
-            <a:endParaRPr lang="en-GB" sz="1600" dirty="0">
-              <a:solidFill>
-                <a:schemeClr val="bg1"/>
-              </a:solidFill>
-              <a:latin typeface="Slack-Lato"/>
-            </a:endParaRPr>
-          </a:p>
-          <a:p>
-            <a:pPr marL="285750" indent="-285750">
-              <a:buClr>
-                <a:schemeClr val="bg1"/>
-              </a:buClr>
-              <a:buFont typeface="Wingdings" pitchFamily="2" charset="2"/>
-              <a:buChar char="ü"/>
-            </a:pPr>
-            <a:r>
-              <a:rPr lang="en-GB" sz="1600" dirty="0">
-                <a:solidFill>
-                  <a:schemeClr val="bg1"/>
-                </a:solidFill>
-                <a:latin typeface="Slack-Lato"/>
-              </a:rPr>
-              <a:t>Investing in programs such as </a:t>
-            </a:r>
-            <a:r>
-              <a:rPr lang="en-GB" sz="1600" dirty="0" err="1">
-                <a:solidFill>
-                  <a:schemeClr val="bg1"/>
-                </a:solidFill>
-                <a:latin typeface="Slack-Lato"/>
-              </a:rPr>
-              <a:t>help@hand</a:t>
-            </a:r>
-            <a:r>
-              <a:rPr lang="en-GB" sz="1600" dirty="0">
-                <a:solidFill>
-                  <a:schemeClr val="bg1"/>
-                </a:solidFill>
-                <a:latin typeface="Slack-Lato"/>
-              </a:rPr>
-              <a:t> or </a:t>
-            </a:r>
-            <a:r>
-              <a:rPr lang="en-GB" sz="1600" dirty="0" err="1">
-                <a:solidFill>
-                  <a:schemeClr val="bg1"/>
-                </a:solidFill>
-                <a:latin typeface="Slack-Lato"/>
-              </a:rPr>
-              <a:t>betterhelp</a:t>
-            </a:r>
-            <a:r>
-              <a:rPr lang="en-GB" sz="1600" dirty="0">
-                <a:solidFill>
-                  <a:schemeClr val="bg1"/>
-                </a:solidFill>
-                <a:latin typeface="Slack-Lato"/>
-              </a:rPr>
-              <a:t>, which are online platforms where employees can get support from certified doctors and psychologists. </a:t>
-            </a:r>
-          </a:p>
-          <a:p>
-            <a:pPr marL="285750" indent="-285750">
-              <a:buClr>
-                <a:schemeClr val="bg1"/>
-              </a:buClr>
-              <a:buFont typeface="Wingdings" pitchFamily="2" charset="2"/>
-              <a:buChar char="ü"/>
-            </a:pPr>
-            <a:endParaRPr lang="en-GB" sz="1600" dirty="0">
-              <a:solidFill>
-                <a:schemeClr val="bg1"/>
-              </a:solidFill>
-              <a:latin typeface="Slack-Lato"/>
-            </a:endParaRPr>
-          </a:p>
-          <a:p>
-            <a:pPr marL="285750" indent="-285750">
-              <a:buClr>
-                <a:schemeClr val="bg1"/>
-              </a:buClr>
-              <a:buFont typeface="Wingdings" pitchFamily="2" charset="2"/>
-              <a:buChar char="ü"/>
-            </a:pPr>
-            <a:r>
-              <a:rPr lang="en-GB" sz="1600" dirty="0">
-                <a:solidFill>
-                  <a:schemeClr val="bg1"/>
-                </a:solidFill>
-                <a:latin typeface="Slack-Lato"/>
-              </a:rPr>
-              <a:t>Offering an adequate salary and a flexible working schedule can widely support the employees mental health.</a:t>
-            </a:r>
-            <a:endParaRPr lang="en-GB" sz="1600" dirty="0">
-              <a:solidFill>
-                <a:schemeClr val="bg1"/>
-              </a:solidFill>
-            </a:endParaRPr>
-          </a:p>
-        </p:txBody>
-      </p:sp>
-      <p:sp>
-        <p:nvSpPr>
-          <p:cNvPr id="7" name="Title 1">
-            <a:extLst>
-              <a:ext uri="{FF2B5EF4-FFF2-40B4-BE49-F238E27FC236}">
-                <a16:creationId xmlns:a16="http://schemas.microsoft.com/office/drawing/2014/main" id="{2BAACB71-3213-4F9A-591C-466620306FE8}"/>
-              </a:ext>
-            </a:extLst>
-          </p:cNvPr>
-          <p:cNvSpPr txBox="1">
-            <a:spLocks/>
-          </p:cNvSpPr>
-          <p:nvPr/>
-        </p:nvSpPr>
-        <p:spPr>
-          <a:xfrm>
-            <a:off x="0" y="30727"/>
-            <a:ext cx="7886700" cy="994172"/>
-          </a:xfrm>
-          <a:prstGeom prst="rect">
-            <a:avLst/>
-          </a:prstGeom>
-        </p:spPr>
-        <p:txBody>
-          <a:bodyPr>
-            <a:noAutofit/>
-          </a:bodyPr>
-          <a:lstStyle>
-            <a:defPPr marR="0" lvl="0" algn="l" rtl="0">
-              <a:lnSpc>
-                <a:spcPct val="100000"/>
-              </a:lnSpc>
-              <a:spcBef>
-                <a:spcPts val="0"/>
-              </a:spcBef>
-              <a:spcAft>
-                <a:spcPts val="0"/>
-              </a:spcAft>
-            </a:defPPr>
-            <a:lvl1pPr marR="0" lvl="0" algn="l" rtl="0">
-              <a:lnSpc>
-                <a:spcPct val="100000"/>
-              </a:lnSpc>
-              <a:spcBef>
-                <a:spcPts val="0"/>
-              </a:spcBef>
-              <a:spcAft>
-                <a:spcPts val="0"/>
-              </a:spcAft>
-              <a:buClr>
-                <a:srgbClr val="000000"/>
-              </a:buClr>
-              <a:buFont typeface="Arial"/>
-              <a:defRPr sz="1400" b="0" i="0" u="none" strike="noStrike" cap="none">
-                <a:solidFill>
-                  <a:srgbClr val="000000"/>
-                </a:solidFill>
-                <a:latin typeface="Arial"/>
-                <a:ea typeface="Arial"/>
-                <a:cs typeface="Arial"/>
-                <a:sym typeface="Arial"/>
-              </a:defRPr>
-            </a:lvl1pPr>
-            <a:lvl2pPr marR="0" lvl="1" algn="l" rtl="0">
-              <a:lnSpc>
-                <a:spcPct val="100000"/>
-              </a:lnSpc>
-              <a:spcBef>
-                <a:spcPts val="0"/>
-              </a:spcBef>
-              <a:spcAft>
-                <a:spcPts val="0"/>
-              </a:spcAft>
-              <a:buClr>
-                <a:srgbClr val="000000"/>
-              </a:buClr>
-              <a:buFont typeface="Arial"/>
-              <a:defRPr sz="1400" b="0" i="0" u="none" strike="noStrike" cap="none">
-                <a:solidFill>
-                  <a:srgbClr val="000000"/>
-                </a:solidFill>
-                <a:latin typeface="Arial"/>
-                <a:ea typeface="Arial"/>
-                <a:cs typeface="Arial"/>
-                <a:sym typeface="Arial"/>
-              </a:defRPr>
-            </a:lvl2pPr>
-            <a:lvl3pPr marR="0" lvl="2" algn="l" rtl="0">
-              <a:lnSpc>
-                <a:spcPct val="100000"/>
-              </a:lnSpc>
-              <a:spcBef>
-                <a:spcPts val="0"/>
-              </a:spcBef>
-              <a:spcAft>
-                <a:spcPts val="0"/>
-              </a:spcAft>
-              <a:buClr>
-                <a:srgbClr val="000000"/>
-              </a:buClr>
-              <a:buFont typeface="Arial"/>
-              <a:defRPr sz="1400" b="0" i="0" u="none" strike="noStrike" cap="none">
-                <a:solidFill>
-                  <a:srgbClr val="000000"/>
-                </a:solidFill>
-                <a:latin typeface="Arial"/>
-                <a:ea typeface="Arial"/>
-                <a:cs typeface="Arial"/>
-                <a:sym typeface="Arial"/>
-              </a:defRPr>
-            </a:lvl3pPr>
-            <a:lvl4pPr marR="0" lvl="3" algn="l" rtl="0">
-              <a:lnSpc>
-                <a:spcPct val="100000"/>
-              </a:lnSpc>
-              <a:spcBef>
-                <a:spcPts val="0"/>
-              </a:spcBef>
-              <a:spcAft>
-                <a:spcPts val="0"/>
-              </a:spcAft>
-              <a:buClr>
-                <a:srgbClr val="000000"/>
-              </a:buClr>
-              <a:buFont typeface="Arial"/>
-              <a:defRPr sz="1400" b="0" i="0" u="none" strike="noStrike" cap="none">
-                <a:solidFill>
-                  <a:srgbClr val="000000"/>
-                </a:solidFill>
-                <a:latin typeface="Arial"/>
-                <a:ea typeface="Arial"/>
-                <a:cs typeface="Arial"/>
-                <a:sym typeface="Arial"/>
-              </a:defRPr>
-            </a:lvl4pPr>
-            <a:lvl5pPr marR="0" lvl="4" algn="l" rtl="0">
-              <a:lnSpc>
-                <a:spcPct val="100000"/>
-              </a:lnSpc>
-              <a:spcBef>
-                <a:spcPts val="0"/>
-              </a:spcBef>
-              <a:spcAft>
-                <a:spcPts val="0"/>
-              </a:spcAft>
-              <a:buClr>
-                <a:srgbClr val="000000"/>
-              </a:buClr>
-              <a:buFont typeface="Arial"/>
-              <a:defRPr sz="1400" b="0" i="0" u="none" strike="noStrike" cap="none">
-                <a:solidFill>
-                  <a:srgbClr val="000000"/>
-                </a:solidFill>
-                <a:latin typeface="Arial"/>
-                <a:ea typeface="Arial"/>
-                <a:cs typeface="Arial"/>
-                <a:sym typeface="Arial"/>
-              </a:defRPr>
-            </a:lvl5pPr>
-            <a:lvl6pPr marR="0" lvl="5" algn="l" rtl="0">
-              <a:lnSpc>
-                <a:spcPct val="100000"/>
-              </a:lnSpc>
-              <a:spcBef>
-                <a:spcPts val="0"/>
-              </a:spcBef>
-              <a:spcAft>
-                <a:spcPts val="0"/>
-              </a:spcAft>
-              <a:buClr>
-                <a:srgbClr val="000000"/>
-              </a:buClr>
-              <a:buFont typeface="Arial"/>
-              <a:defRPr sz="1400" b="0" i="0" u="none" strike="noStrike" cap="none">
-                <a:solidFill>
-                  <a:srgbClr val="000000"/>
-                </a:solidFill>
-                <a:latin typeface="Arial"/>
-                <a:ea typeface="Arial"/>
-                <a:cs typeface="Arial"/>
-                <a:sym typeface="Arial"/>
-              </a:defRPr>
-            </a:lvl6pPr>
-            <a:lvl7pPr marR="0" lvl="6" algn="l" rtl="0">
-              <a:lnSpc>
-                <a:spcPct val="100000"/>
-              </a:lnSpc>
-              <a:spcBef>
-                <a:spcPts val="0"/>
-              </a:spcBef>
-              <a:spcAft>
-                <a:spcPts val="0"/>
-              </a:spcAft>
-              <a:buClr>
-                <a:srgbClr val="000000"/>
-              </a:buClr>
-              <a:buFont typeface="Arial"/>
-              <a:defRPr sz="1400" b="0" i="0" u="none" strike="noStrike" cap="none">
-                <a:solidFill>
-                  <a:srgbClr val="000000"/>
-                </a:solidFill>
-                <a:latin typeface="Arial"/>
-                <a:ea typeface="Arial"/>
-                <a:cs typeface="Arial"/>
-                <a:sym typeface="Arial"/>
-              </a:defRPr>
-            </a:lvl7pPr>
-            <a:lvl8pPr marR="0" lvl="7" algn="l" rtl="0">
-              <a:lnSpc>
-                <a:spcPct val="100000"/>
-              </a:lnSpc>
-              <a:spcBef>
-                <a:spcPts val="0"/>
-              </a:spcBef>
-              <a:spcAft>
-                <a:spcPts val="0"/>
-              </a:spcAft>
-              <a:buClr>
-                <a:srgbClr val="000000"/>
-              </a:buClr>
-              <a:buFont typeface="Arial"/>
-              <a:defRPr sz="1400" b="0" i="0" u="none" strike="noStrike" cap="none">
-                <a:solidFill>
-                  <a:srgbClr val="000000"/>
-                </a:solidFill>
-                <a:latin typeface="Arial"/>
-                <a:ea typeface="Arial"/>
-                <a:cs typeface="Arial"/>
-                <a:sym typeface="Arial"/>
-              </a:defRPr>
-            </a:lvl8pPr>
-            <a:lvl9pPr marR="0" lvl="8" algn="l" rtl="0">
-              <a:lnSpc>
-                <a:spcPct val="100000"/>
-              </a:lnSpc>
-              <a:spcBef>
-                <a:spcPts val="0"/>
-              </a:spcBef>
-              <a:spcAft>
-                <a:spcPts val="0"/>
-              </a:spcAft>
-              <a:buClr>
-                <a:srgbClr val="000000"/>
-              </a:buClr>
-              <a:buFont typeface="Arial"/>
-              <a:defRPr sz="1400" b="0" i="0" u="none" strike="noStrike" cap="none">
-                <a:solidFill>
-                  <a:srgbClr val="000000"/>
-                </a:solidFill>
-                <a:latin typeface="Arial"/>
-                <a:ea typeface="Arial"/>
-                <a:cs typeface="Arial"/>
-                <a:sym typeface="Arial"/>
-              </a:defRPr>
-            </a:lvl9pPr>
-          </a:lstStyle>
-          <a:p>
-            <a:r>
-              <a:rPr lang="en-GB" sz="2400" b="1" dirty="0">
-                <a:solidFill>
-                  <a:schemeClr val="bg1"/>
-                </a:solidFill>
-                <a:latin typeface="ui-monospace"/>
-              </a:rPr>
-              <a:t>Recommendations to aid employees</a:t>
-            </a:r>
-            <a:endParaRPr lang="en-GB" sz="2400" b="1" dirty="0">
-              <a:solidFill>
-                <a:schemeClr val="bg1"/>
-              </a:solidFill>
-            </a:endParaRPr>
-          </a:p>
-        </p:txBody>
-      </p:sp>
-    </p:spTree>
-  </p:cSld>
-  <p:clrMapOvr>
-    <a:masterClrMapping/>
-  </p:clrMapOvr>
-</p:sld>
-</file>
-
-<file path=ppt/slides/slide17.xml><?xml version="1.0" encoding="utf-8"?>
+<file path=ppt/slides/slide13.xml><?xml version="1.0" encoding="utf-8"?>
 <p:sld xmlns:a="http://schemas.openxmlformats.org/drawingml/2006/main" xmlns:r="http://schemas.openxmlformats.org/officeDocument/2006/relationships" xmlns:p="http://schemas.openxmlformats.org/presentationml/2006/main">
   <p:cSld>
     <p:spTree>
@@ -40197,6 +38859,47 @@
           </a:prstGeom>
         </p:spPr>
       </p:pic>
+      <p:sp>
+        <p:nvSpPr>
+          <p:cNvPr id="2" name="TextBox 1">
+            <a:extLst>
+              <a:ext uri="{FF2B5EF4-FFF2-40B4-BE49-F238E27FC236}">
+                <a16:creationId xmlns:a16="http://schemas.microsoft.com/office/drawing/2014/main" id="{D2CD3BDA-3924-3FCE-515E-09F09B8830C5}"/>
+              </a:ext>
+            </a:extLst>
+          </p:cNvPr>
+          <p:cNvSpPr txBox="1"/>
+          <p:nvPr/>
+        </p:nvSpPr>
+        <p:spPr>
+          <a:xfrm>
+            <a:off x="7312025" y="4744083"/>
+            <a:ext cx="619125" cy="307777"/>
+          </a:xfrm>
+          <a:prstGeom prst="rect">
+            <a:avLst/>
+          </a:prstGeom>
+          <a:noFill/>
+        </p:spPr>
+        <p:txBody>
+          <a:bodyPr wrap="square">
+            <a:spAutoFit/>
+          </a:bodyPr>
+          <a:lstStyle/>
+          <a:p>
+            <a:r>
+              <a:rPr lang="en-GB" dirty="0">
+                <a:solidFill>
+                  <a:schemeClr val="bg1"/>
+                </a:solidFill>
+                <a:latin typeface="-apple-system"/>
+              </a:rPr>
+              <a:t>M.R</a:t>
+            </a:r>
+            <a:endParaRPr lang="en-GB" dirty="0"/>
+          </a:p>
+        </p:txBody>
+      </p:sp>
     </p:spTree>
   </p:cSld>
   <p:clrMapOvr>
@@ -40205,12 +38908,12 @@
 </p:sld>
 </file>
 
-<file path=ppt/slides/slide18.xml><?xml version="1.0" encoding="utf-8"?>
+<file path=ppt/slides/slide14.xml><?xml version="1.0" encoding="utf-8"?>
 <p:sld xmlns:a="http://schemas.openxmlformats.org/drawingml/2006/main" xmlns:r="http://schemas.openxmlformats.org/officeDocument/2006/relationships" xmlns:p="http://schemas.openxmlformats.org/presentationml/2006/main">
   <p:cSld>
     <p:spTree>
       <p:nvGrpSpPr>
-        <p:cNvPr id="1" name="Shape 1232"/>
+        <p:cNvPr id="1" name="Shape 806"/>
         <p:cNvGrpSpPr/>
         <p:nvPr/>
       </p:nvGrpSpPr>
@@ -40224,58 +38927,58 @@
       </p:grpSpPr>
       <p:sp>
         <p:nvSpPr>
-          <p:cNvPr id="1233" name="Google Shape;1233;p47"/>
-          <p:cNvSpPr txBox="1">
-            <a:spLocks noGrp="1"/>
-          </p:cNvSpPr>
-          <p:nvPr>
-            <p:ph type="title"/>
-          </p:nvPr>
+          <p:cNvPr id="809" name="Google Shape;809;p19"/>
+          <p:cNvSpPr/>
+          <p:nvPr/>
         </p:nvSpPr>
         <p:spPr>
           <a:xfrm>
-            <a:off x="353309" y="371736"/>
-            <a:ext cx="7686000" cy="857400"/>
+            <a:off x="131379" y="269620"/>
+            <a:ext cx="762000" cy="1473947"/>
           </a:xfrm>
           <a:prstGeom prst="rect">
             <a:avLst/>
           </a:prstGeom>
         </p:spPr>
         <p:txBody>
-          <a:bodyPr spcFirstLastPara="1" wrap="square" lIns="91425" tIns="91425" rIns="91425" bIns="91425" anchor="b" anchorCtr="0">
-            <a:noAutofit/>
+          <a:bodyPr>
+            <a:prstTxWarp prst="textPlain">
+              <a:avLst/>
+            </a:prstTxWarp>
           </a:bodyPr>
           <a:lstStyle/>
           <a:p>
-            <a:pPr marL="0" lvl="0" indent="0" algn="l" rtl="0">
-              <a:spcBef>
-                <a:spcPts val="0"/>
-              </a:spcBef>
-              <a:spcAft>
-                <a:spcPts val="0"/>
-              </a:spcAft>
-              <a:buNone/>
-            </a:pPr>
+            <a:pPr lvl="0" algn="ctr"/>
             <a:r>
-              <a:rPr lang="en" sz="3600" b="1" dirty="0">
-                <a:latin typeface="Cavolini" panose="03000502040302020204" pitchFamily="66" charset="0"/>
-                <a:cs typeface="Cavolini" panose="03000502040302020204" pitchFamily="66" charset="0"/>
+              <a:rPr lang="en-GB" b="1" i="0" dirty="0">
+                <a:ln>
+                  <a:noFill/>
+                </a:ln>
+                <a:solidFill>
+                  <a:srgbClr val="6E86B6"/>
+                </a:solidFill>
+                <a:latin typeface="Titillium Web"/>
               </a:rPr>
-              <a:t>TEAM PRESENTATION</a:t>
+              <a:t>3</a:t>
             </a:r>
-            <a:endParaRPr sz="3600" b="1" dirty="0">
-              <a:latin typeface="Cavolini" panose="03000502040302020204" pitchFamily="66" charset="0"/>
-              <a:cs typeface="Cavolini" panose="03000502040302020204" pitchFamily="66" charset="0"/>
+            <a:endParaRPr b="1" i="0" dirty="0">
+              <a:ln>
+                <a:noFill/>
+              </a:ln>
+              <a:solidFill>
+                <a:srgbClr val="6E86B6"/>
+              </a:solidFill>
+              <a:latin typeface="Titillium Web"/>
             </a:endParaRPr>
           </a:p>
         </p:txBody>
       </p:sp>
       <p:sp>
         <p:nvSpPr>
-          <p:cNvPr id="4" name="TextBox 3">
+          <p:cNvPr id="8" name="TextBox 7">
             <a:extLst>
               <a:ext uri="{FF2B5EF4-FFF2-40B4-BE49-F238E27FC236}">
-                <a16:creationId xmlns:a16="http://schemas.microsoft.com/office/drawing/2014/main" id="{17B31DA6-5AA5-F40E-FC7F-91351BFDEF0A}"/>
+                <a16:creationId xmlns:a16="http://schemas.microsoft.com/office/drawing/2014/main" id="{59C47180-8F9B-2397-6F75-C23ABAA661CA}"/>
               </a:ext>
             </a:extLst>
           </p:cNvPr>
@@ -40284,8 +38987,8 @@
         </p:nvSpPr>
         <p:spPr>
           <a:xfrm>
-            <a:off x="444321" y="1229136"/>
-            <a:ext cx="7594988" cy="2677656"/>
+            <a:off x="996409" y="140831"/>
+            <a:ext cx="5938863" cy="1754326"/>
           </a:xfrm>
           <a:prstGeom prst="rect">
             <a:avLst/>
@@ -40298,95 +39001,61 @@
           </a:bodyPr>
           <a:lstStyle/>
           <a:p>
+            <a:pPr algn="ctr"/>
             <a:r>
-              <a:rPr lang="en-GB" sz="2400" dirty="0">
+              <a:rPr lang="en-US" sz="3600" b="1" i="0" dirty="0">
                 <a:solidFill>
                   <a:schemeClr val="bg1"/>
                 </a:solidFill>
-                <a:latin typeface="Ayuthaya" pitchFamily="2" charset="-34"/>
-                <a:ea typeface="Ayuthaya" pitchFamily="2" charset="-34"/>
-                <a:cs typeface="Ayuthaya" pitchFamily="2" charset="-34"/>
+                <a:effectLst/>
+                <a:latin typeface="Cavolini" panose="03000502040302020204" pitchFamily="66" charset="0"/>
+                <a:cs typeface="Cavolini" panose="03000502040302020204" pitchFamily="66" charset="0"/>
               </a:rPr>
-              <a:t>Fazeleh Arjmandilari</a:t>
+              <a:t>Recommendations</a:t>
             </a:r>
           </a:p>
           <a:p>
-            <a:endParaRPr lang="en-GB" sz="2400" dirty="0">
+            <a:pPr algn="ctr"/>
+            <a:r>
+              <a:rPr lang="en-US" sz="3600" b="1" dirty="0">
+                <a:solidFill>
+                  <a:schemeClr val="bg1"/>
+                </a:solidFill>
+                <a:latin typeface="Cavolini" panose="03000502040302020204" pitchFamily="66" charset="0"/>
+                <a:cs typeface="Cavolini" panose="03000502040302020204" pitchFamily="66" charset="0"/>
+              </a:rPr>
+              <a:t>for the Tech Industry</a:t>
+            </a:r>
+          </a:p>
+          <a:p>
+            <a:pPr algn="ctr"/>
+            <a:r>
+              <a:rPr lang="en-US" sz="3600" b="1" dirty="0">
+                <a:solidFill>
+                  <a:schemeClr val="bg1"/>
+                </a:solidFill>
+                <a:latin typeface="Cavolini" panose="03000502040302020204" pitchFamily="66" charset="0"/>
+                <a:cs typeface="Cavolini" panose="03000502040302020204" pitchFamily="66" charset="0"/>
+              </a:rPr>
+              <a:t>to Improve</a:t>
+            </a:r>
+            <a:endParaRPr lang="en-US" sz="3600" b="1" i="0" dirty="0">
               <a:solidFill>
                 <a:schemeClr val="bg1"/>
               </a:solidFill>
-              <a:latin typeface="Ayuthaya" pitchFamily="2" charset="-34"/>
-              <a:ea typeface="Ayuthaya" pitchFamily="2" charset="-34"/>
-              <a:cs typeface="Ayuthaya" pitchFamily="2" charset="-34"/>
+              <a:effectLst/>
+              <a:latin typeface="Cavolini" panose="03000502040302020204" pitchFamily="66" charset="0"/>
+              <a:cs typeface="Cavolini" panose="03000502040302020204" pitchFamily="66" charset="0"/>
             </a:endParaRPr>
-          </a:p>
-          <a:p>
-            <a:r>
-              <a:rPr lang="en-GB" sz="2400" dirty="0">
-                <a:solidFill>
-                  <a:schemeClr val="bg1"/>
-                </a:solidFill>
-                <a:latin typeface="Ayuthaya" pitchFamily="2" charset="-34"/>
-                <a:ea typeface="Ayuthaya" pitchFamily="2" charset="-34"/>
-                <a:cs typeface="Ayuthaya" pitchFamily="2" charset="-34"/>
-              </a:rPr>
-              <a:t>Tharusha Heenatigala</a:t>
-            </a:r>
-          </a:p>
-          <a:p>
-            <a:endParaRPr lang="en-GB" sz="2400" dirty="0">
-              <a:solidFill>
-                <a:schemeClr val="bg1"/>
-              </a:solidFill>
-              <a:latin typeface="Ayuthaya" pitchFamily="2" charset="-34"/>
-              <a:ea typeface="Ayuthaya" pitchFamily="2" charset="-34"/>
-              <a:cs typeface="Ayuthaya" pitchFamily="2" charset="-34"/>
-            </a:endParaRPr>
-          </a:p>
-          <a:p>
-            <a:r>
-              <a:rPr lang="en-GB" sz="2400" dirty="0">
-                <a:solidFill>
-                  <a:schemeClr val="bg1"/>
-                </a:solidFill>
-                <a:latin typeface="Ayuthaya" pitchFamily="2" charset="-34"/>
-                <a:ea typeface="Ayuthaya" pitchFamily="2" charset="-34"/>
-                <a:cs typeface="Ayuthaya" pitchFamily="2" charset="-34"/>
-              </a:rPr>
-              <a:t>Eliza Shafaq</a:t>
-            </a:r>
-          </a:p>
-          <a:p>
-            <a:endParaRPr lang="en-GB" sz="2400" dirty="0">
-              <a:solidFill>
-                <a:schemeClr val="bg1"/>
-              </a:solidFill>
-              <a:latin typeface="Ayuthaya" pitchFamily="2" charset="-34"/>
-              <a:ea typeface="Ayuthaya" pitchFamily="2" charset="-34"/>
-              <a:cs typeface="Ayuthaya" pitchFamily="2" charset="-34"/>
-            </a:endParaRPr>
-          </a:p>
-          <a:p>
-            <a:r>
-              <a:rPr lang="en-GB" sz="2400" dirty="0">
-                <a:solidFill>
-                  <a:schemeClr val="bg1"/>
-                </a:solidFill>
-                <a:latin typeface="Ayuthaya" pitchFamily="2" charset="-34"/>
-                <a:ea typeface="Ayuthaya" pitchFamily="2" charset="-34"/>
-                <a:cs typeface="Ayuthaya" pitchFamily="2" charset="-34"/>
-              </a:rPr>
-              <a:t>Rizwan Nawaz</a:t>
-            </a:r>
           </a:p>
         </p:txBody>
       </p:sp>
       <p:pic>
         <p:nvPicPr>
-          <p:cNvPr id="7" name="Graphic 6" descr="Meeting outline">
+          <p:cNvPr id="3" name="Graphic 2" descr="Lights On outline">
             <a:extLst>
               <a:ext uri="{FF2B5EF4-FFF2-40B4-BE49-F238E27FC236}">
-                <a16:creationId xmlns:a16="http://schemas.microsoft.com/office/drawing/2014/main" id="{620F7F34-C086-FB1E-97F3-AD7E3B44F048}"/>
+                <a16:creationId xmlns:a16="http://schemas.microsoft.com/office/drawing/2014/main" id="{CE358121-3847-53C5-048D-A52DB789F4E4}"/>
               </a:ext>
             </a:extLst>
           </p:cNvPr>
@@ -40409,14 +39078,697 @@
         </p:blipFill>
         <p:spPr>
           <a:xfrm>
-            <a:off x="6347647" y="-161469"/>
-            <a:ext cx="2796353" cy="2796353"/>
+            <a:off x="6935272" y="0"/>
+            <a:ext cx="2208728" cy="2310063"/>
           </a:xfrm>
           <a:prstGeom prst="rect">
             <a:avLst/>
           </a:prstGeom>
         </p:spPr>
       </p:pic>
+      <p:sp>
+        <p:nvSpPr>
+          <p:cNvPr id="2" name="TextBox 1">
+            <a:extLst>
+              <a:ext uri="{FF2B5EF4-FFF2-40B4-BE49-F238E27FC236}">
+                <a16:creationId xmlns:a16="http://schemas.microsoft.com/office/drawing/2014/main" id="{5F20725B-35EA-B6A3-B34C-27426347DD38}"/>
+              </a:ext>
+            </a:extLst>
+          </p:cNvPr>
+          <p:cNvSpPr txBox="1"/>
+          <p:nvPr/>
+        </p:nvSpPr>
+        <p:spPr>
+          <a:xfrm>
+            <a:off x="7312025" y="4744083"/>
+            <a:ext cx="619125" cy="307777"/>
+          </a:xfrm>
+          <a:prstGeom prst="rect">
+            <a:avLst/>
+          </a:prstGeom>
+          <a:noFill/>
+        </p:spPr>
+        <p:txBody>
+          <a:bodyPr wrap="square">
+            <a:spAutoFit/>
+          </a:bodyPr>
+          <a:lstStyle/>
+          <a:p>
+            <a:r>
+              <a:rPr lang="en-GB" dirty="0">
+                <a:solidFill>
+                  <a:schemeClr val="bg1"/>
+                </a:solidFill>
+                <a:latin typeface="-apple-system"/>
+              </a:rPr>
+              <a:t>T.P</a:t>
+            </a:r>
+            <a:endParaRPr lang="en-GB" dirty="0"/>
+          </a:p>
+        </p:txBody>
+      </p:sp>
+    </p:spTree>
+    <p:extLst>
+      <p:ext uri="{BB962C8B-B14F-4D97-AF65-F5344CB8AC3E}">
+        <p14:creationId xmlns:p14="http://schemas.microsoft.com/office/powerpoint/2010/main" val="2358772841"/>
+      </p:ext>
+    </p:extLst>
+  </p:cSld>
+  <p:clrMapOvr>
+    <a:masterClrMapping/>
+  </p:clrMapOvr>
+</p:sld>
+</file>
+
+<file path=ppt/slides/slide15.xml><?xml version="1.0" encoding="utf-8"?>
+<p:sld xmlns:a="http://schemas.openxmlformats.org/drawingml/2006/main" xmlns:r="http://schemas.openxmlformats.org/officeDocument/2006/relationships" xmlns:p="http://schemas.openxmlformats.org/presentationml/2006/main">
+  <p:cSld>
+    <p:spTree>
+      <p:nvGrpSpPr>
+        <p:cNvPr id="1" name="Shape 800"/>
+        <p:cNvGrpSpPr/>
+        <p:nvPr/>
+      </p:nvGrpSpPr>
+      <p:grpSpPr>
+        <a:xfrm>
+          <a:off x="0" y="0"/>
+          <a:ext cx="0" cy="0"/>
+          <a:chOff x="0" y="0"/>
+          <a:chExt cx="0" cy="0"/>
+        </a:xfrm>
+      </p:grpSpPr>
+      <p:sp>
+        <p:nvSpPr>
+          <p:cNvPr id="5" name="TextBox 4">
+            <a:extLst>
+              <a:ext uri="{FF2B5EF4-FFF2-40B4-BE49-F238E27FC236}">
+                <a16:creationId xmlns:a16="http://schemas.microsoft.com/office/drawing/2014/main" id="{24C13BFF-2609-3E75-E544-72954A7D804E}"/>
+              </a:ext>
+            </a:extLst>
+          </p:cNvPr>
+          <p:cNvSpPr txBox="1"/>
+          <p:nvPr/>
+        </p:nvSpPr>
+        <p:spPr>
+          <a:xfrm>
+            <a:off x="0" y="1514005"/>
+            <a:ext cx="9144000" cy="3323987"/>
+          </a:xfrm>
+          <a:prstGeom prst="rect">
+            <a:avLst/>
+          </a:prstGeom>
+          <a:noFill/>
+        </p:spPr>
+        <p:txBody>
+          <a:bodyPr wrap="square" rtlCol="0">
+            <a:spAutoFit/>
+          </a:bodyPr>
+          <a:lstStyle/>
+          <a:p>
+            <a:pPr marL="285750" indent="-285750">
+              <a:buClr>
+                <a:schemeClr val="bg1"/>
+              </a:buClr>
+              <a:buFont typeface="Wingdings" pitchFamily="2" charset="2"/>
+              <a:buChar char="ü"/>
+            </a:pPr>
+            <a:endParaRPr lang="en-GB" dirty="0">
+              <a:solidFill>
+                <a:schemeClr val="bg1"/>
+              </a:solidFill>
+              <a:latin typeface="Slack-Lato"/>
+            </a:endParaRPr>
+          </a:p>
+          <a:p>
+            <a:pPr marL="285750" indent="-285750">
+              <a:buClr>
+                <a:schemeClr val="bg1"/>
+              </a:buClr>
+              <a:buFont typeface="Wingdings" pitchFamily="2" charset="2"/>
+              <a:buChar char="ü"/>
+            </a:pPr>
+            <a:r>
+              <a:rPr lang="en-GB" dirty="0">
+                <a:solidFill>
+                  <a:schemeClr val="bg1"/>
+                </a:solidFill>
+                <a:latin typeface="Slack-Lato"/>
+              </a:rPr>
+              <a:t>Presence of Mental Health First Aiders.</a:t>
+            </a:r>
+          </a:p>
+          <a:p>
+            <a:pPr>
+              <a:buClr>
+                <a:schemeClr val="bg1"/>
+              </a:buClr>
+            </a:pPr>
+            <a:endParaRPr lang="en-GB" dirty="0">
+              <a:solidFill>
+                <a:schemeClr val="bg1"/>
+              </a:solidFill>
+              <a:latin typeface="Slack-Lato"/>
+            </a:endParaRPr>
+          </a:p>
+          <a:p>
+            <a:pPr marL="285750" indent="-285750">
+              <a:buClr>
+                <a:schemeClr val="bg1"/>
+              </a:buClr>
+              <a:buFont typeface="Wingdings" pitchFamily="2" charset="2"/>
+              <a:buChar char="ü"/>
+            </a:pPr>
+            <a:r>
+              <a:rPr lang="en-GB" dirty="0">
+                <a:solidFill>
+                  <a:schemeClr val="bg1"/>
+                </a:solidFill>
+                <a:latin typeface="Slack-Lato"/>
+              </a:rPr>
+              <a:t>Open discussions into Mental Health Awareness.</a:t>
+            </a:r>
+          </a:p>
+          <a:p>
+            <a:pPr>
+              <a:buClr>
+                <a:schemeClr val="bg1"/>
+              </a:buClr>
+            </a:pPr>
+            <a:endParaRPr lang="en-GB" dirty="0">
+              <a:solidFill>
+                <a:schemeClr val="bg1"/>
+              </a:solidFill>
+              <a:latin typeface="Slack-Lato"/>
+            </a:endParaRPr>
+          </a:p>
+          <a:p>
+            <a:pPr marL="285750" indent="-285750">
+              <a:buClr>
+                <a:schemeClr val="bg1"/>
+              </a:buClr>
+              <a:buFont typeface="Wingdings" pitchFamily="2" charset="2"/>
+              <a:buChar char="ü"/>
+            </a:pPr>
+            <a:r>
+              <a:rPr lang="en-GB" dirty="0">
+                <a:solidFill>
+                  <a:schemeClr val="bg1"/>
+                </a:solidFill>
+                <a:latin typeface="Slack-Lato"/>
+              </a:rPr>
+              <a:t>Presence of Mental Health days.</a:t>
+            </a:r>
+          </a:p>
+          <a:p>
+            <a:pPr marL="285750" indent="-285750">
+              <a:buClr>
+                <a:schemeClr val="bg1"/>
+              </a:buClr>
+              <a:buFont typeface="Wingdings" pitchFamily="2" charset="2"/>
+              <a:buChar char="ü"/>
+            </a:pPr>
+            <a:endParaRPr lang="en-GB" dirty="0">
+              <a:solidFill>
+                <a:schemeClr val="bg1"/>
+              </a:solidFill>
+              <a:latin typeface="Slack-Lato"/>
+            </a:endParaRPr>
+          </a:p>
+          <a:p>
+            <a:pPr marL="285750" indent="-285750">
+              <a:buClr>
+                <a:schemeClr val="bg1"/>
+              </a:buClr>
+              <a:buFont typeface="Wingdings" pitchFamily="2" charset="2"/>
+              <a:buChar char="ü"/>
+            </a:pPr>
+            <a:r>
+              <a:rPr lang="en-GB" dirty="0">
+                <a:solidFill>
+                  <a:schemeClr val="bg1"/>
+                </a:solidFill>
+                <a:latin typeface="Slack-Lato"/>
+              </a:rPr>
+              <a:t>Increased Awareness through newsletters, emails and posters etc.</a:t>
+            </a:r>
+          </a:p>
+          <a:p>
+            <a:pPr marL="285750" indent="-285750">
+              <a:buClr>
+                <a:schemeClr val="bg1"/>
+              </a:buClr>
+              <a:buFont typeface="Wingdings" pitchFamily="2" charset="2"/>
+              <a:buChar char="ü"/>
+            </a:pPr>
+            <a:endParaRPr lang="en-GB" dirty="0">
+              <a:solidFill>
+                <a:schemeClr val="bg1"/>
+              </a:solidFill>
+              <a:latin typeface="Slack-Lato"/>
+            </a:endParaRPr>
+          </a:p>
+          <a:p>
+            <a:pPr marL="285750" indent="-285750">
+              <a:buClr>
+                <a:schemeClr val="bg1"/>
+              </a:buClr>
+              <a:buFont typeface="Wingdings" pitchFamily="2" charset="2"/>
+              <a:buChar char="ü"/>
+            </a:pPr>
+            <a:r>
+              <a:rPr lang="en-GB" dirty="0">
+                <a:solidFill>
+                  <a:schemeClr val="bg1"/>
+                </a:solidFill>
+                <a:latin typeface="Slack-Lato"/>
+              </a:rPr>
+              <a:t>Investing in programs such as </a:t>
+            </a:r>
+            <a:r>
+              <a:rPr lang="en-GB" dirty="0" err="1">
+                <a:solidFill>
+                  <a:schemeClr val="bg1"/>
+                </a:solidFill>
+                <a:latin typeface="Slack-Lato"/>
+              </a:rPr>
+              <a:t>help@hand</a:t>
+            </a:r>
+            <a:r>
+              <a:rPr lang="en-GB" dirty="0">
+                <a:solidFill>
+                  <a:schemeClr val="bg1"/>
+                </a:solidFill>
+                <a:latin typeface="Slack-Lato"/>
+              </a:rPr>
+              <a:t> or </a:t>
+            </a:r>
+            <a:r>
+              <a:rPr lang="en-GB" dirty="0" err="1">
+                <a:solidFill>
+                  <a:schemeClr val="bg1"/>
+                </a:solidFill>
+                <a:latin typeface="Slack-Lato"/>
+              </a:rPr>
+              <a:t>betterhelp</a:t>
+            </a:r>
+            <a:r>
+              <a:rPr lang="en-GB" dirty="0">
+                <a:solidFill>
+                  <a:schemeClr val="bg1"/>
+                </a:solidFill>
+                <a:latin typeface="Slack-Lato"/>
+              </a:rPr>
+              <a:t>, which are online platforms where employees can get support from certified doctors and psychologists. </a:t>
+            </a:r>
+          </a:p>
+          <a:p>
+            <a:pPr marL="285750" indent="-285750">
+              <a:buClr>
+                <a:schemeClr val="bg1"/>
+              </a:buClr>
+              <a:buFont typeface="Wingdings" pitchFamily="2" charset="2"/>
+              <a:buChar char="ü"/>
+            </a:pPr>
+            <a:endParaRPr lang="en-GB" dirty="0">
+              <a:solidFill>
+                <a:schemeClr val="bg1"/>
+              </a:solidFill>
+              <a:latin typeface="Slack-Lato"/>
+            </a:endParaRPr>
+          </a:p>
+          <a:p>
+            <a:pPr marL="285750" indent="-285750">
+              <a:buClr>
+                <a:schemeClr val="bg1"/>
+              </a:buClr>
+              <a:buFont typeface="Wingdings" pitchFamily="2" charset="2"/>
+              <a:buChar char="ü"/>
+            </a:pPr>
+            <a:r>
+              <a:rPr lang="en-GB" dirty="0">
+                <a:solidFill>
+                  <a:schemeClr val="bg1"/>
+                </a:solidFill>
+                <a:latin typeface="Slack-Lato"/>
+              </a:rPr>
+              <a:t>A flexible working schedule can widely support the employee’s mental health.</a:t>
+            </a:r>
+          </a:p>
+          <a:p>
+            <a:pPr marL="285750" indent="-285750">
+              <a:buClr>
+                <a:schemeClr val="bg1"/>
+              </a:buClr>
+              <a:buFont typeface="Wingdings" pitchFamily="2" charset="2"/>
+              <a:buChar char="ü"/>
+            </a:pPr>
+            <a:endParaRPr lang="en-GB" dirty="0">
+              <a:solidFill>
+                <a:schemeClr val="bg1"/>
+              </a:solidFill>
+              <a:latin typeface="Slack-Lato"/>
+            </a:endParaRPr>
+          </a:p>
+          <a:p>
+            <a:pPr marL="285750" indent="-285750">
+              <a:buClr>
+                <a:schemeClr val="bg1"/>
+              </a:buClr>
+              <a:buFont typeface="Wingdings" pitchFamily="2" charset="2"/>
+              <a:buChar char="ü"/>
+            </a:pPr>
+            <a:r>
+              <a:rPr lang="en-GB" dirty="0">
+                <a:solidFill>
+                  <a:schemeClr val="bg1"/>
+                </a:solidFill>
+                <a:latin typeface="Slack-Lato"/>
+              </a:rPr>
+              <a:t>Updated Laws and Regulations surrounding Mental Health.</a:t>
+            </a:r>
+            <a:endParaRPr lang="en-GB" dirty="0">
+              <a:solidFill>
+                <a:schemeClr val="bg1"/>
+              </a:solidFill>
+            </a:endParaRPr>
+          </a:p>
+        </p:txBody>
+      </p:sp>
+      <p:sp>
+        <p:nvSpPr>
+          <p:cNvPr id="7" name="Title 1">
+            <a:extLst>
+              <a:ext uri="{FF2B5EF4-FFF2-40B4-BE49-F238E27FC236}">
+                <a16:creationId xmlns:a16="http://schemas.microsoft.com/office/drawing/2014/main" id="{2BAACB71-3213-4F9A-591C-466620306FE8}"/>
+              </a:ext>
+            </a:extLst>
+          </p:cNvPr>
+          <p:cNvSpPr txBox="1">
+            <a:spLocks/>
+          </p:cNvSpPr>
+          <p:nvPr/>
+        </p:nvSpPr>
+        <p:spPr>
+          <a:xfrm>
+            <a:off x="0" y="30727"/>
+            <a:ext cx="7886700" cy="994172"/>
+          </a:xfrm>
+          <a:prstGeom prst="rect">
+            <a:avLst/>
+          </a:prstGeom>
+        </p:spPr>
+        <p:txBody>
+          <a:bodyPr>
+            <a:noAutofit/>
+          </a:bodyPr>
+          <a:lstStyle>
+            <a:defPPr marR="0" lvl="0" algn="l" rtl="0">
+              <a:lnSpc>
+                <a:spcPct val="100000"/>
+              </a:lnSpc>
+              <a:spcBef>
+                <a:spcPts val="0"/>
+              </a:spcBef>
+              <a:spcAft>
+                <a:spcPts val="0"/>
+              </a:spcAft>
+            </a:defPPr>
+            <a:lvl1pPr marR="0" lvl="0" algn="l" rtl="0">
+              <a:lnSpc>
+                <a:spcPct val="100000"/>
+              </a:lnSpc>
+              <a:spcBef>
+                <a:spcPts val="0"/>
+              </a:spcBef>
+              <a:spcAft>
+                <a:spcPts val="0"/>
+              </a:spcAft>
+              <a:buClr>
+                <a:srgbClr val="000000"/>
+              </a:buClr>
+              <a:buFont typeface="Arial"/>
+              <a:defRPr sz="1400" b="0" i="0" u="none" strike="noStrike" cap="none">
+                <a:solidFill>
+                  <a:srgbClr val="000000"/>
+                </a:solidFill>
+                <a:latin typeface="Arial"/>
+                <a:ea typeface="Arial"/>
+                <a:cs typeface="Arial"/>
+                <a:sym typeface="Arial"/>
+              </a:defRPr>
+            </a:lvl1pPr>
+            <a:lvl2pPr marR="0" lvl="1" algn="l" rtl="0">
+              <a:lnSpc>
+                <a:spcPct val="100000"/>
+              </a:lnSpc>
+              <a:spcBef>
+                <a:spcPts val="0"/>
+              </a:spcBef>
+              <a:spcAft>
+                <a:spcPts val="0"/>
+              </a:spcAft>
+              <a:buClr>
+                <a:srgbClr val="000000"/>
+              </a:buClr>
+              <a:buFont typeface="Arial"/>
+              <a:defRPr sz="1400" b="0" i="0" u="none" strike="noStrike" cap="none">
+                <a:solidFill>
+                  <a:srgbClr val="000000"/>
+                </a:solidFill>
+                <a:latin typeface="Arial"/>
+                <a:ea typeface="Arial"/>
+                <a:cs typeface="Arial"/>
+                <a:sym typeface="Arial"/>
+              </a:defRPr>
+            </a:lvl2pPr>
+            <a:lvl3pPr marR="0" lvl="2" algn="l" rtl="0">
+              <a:lnSpc>
+                <a:spcPct val="100000"/>
+              </a:lnSpc>
+              <a:spcBef>
+                <a:spcPts val="0"/>
+              </a:spcBef>
+              <a:spcAft>
+                <a:spcPts val="0"/>
+              </a:spcAft>
+              <a:buClr>
+                <a:srgbClr val="000000"/>
+              </a:buClr>
+              <a:buFont typeface="Arial"/>
+              <a:defRPr sz="1400" b="0" i="0" u="none" strike="noStrike" cap="none">
+                <a:solidFill>
+                  <a:srgbClr val="000000"/>
+                </a:solidFill>
+                <a:latin typeface="Arial"/>
+                <a:ea typeface="Arial"/>
+                <a:cs typeface="Arial"/>
+                <a:sym typeface="Arial"/>
+              </a:defRPr>
+            </a:lvl3pPr>
+            <a:lvl4pPr marR="0" lvl="3" algn="l" rtl="0">
+              <a:lnSpc>
+                <a:spcPct val="100000"/>
+              </a:lnSpc>
+              <a:spcBef>
+                <a:spcPts val="0"/>
+              </a:spcBef>
+              <a:spcAft>
+                <a:spcPts val="0"/>
+              </a:spcAft>
+              <a:buClr>
+                <a:srgbClr val="000000"/>
+              </a:buClr>
+              <a:buFont typeface="Arial"/>
+              <a:defRPr sz="1400" b="0" i="0" u="none" strike="noStrike" cap="none">
+                <a:solidFill>
+                  <a:srgbClr val="000000"/>
+                </a:solidFill>
+                <a:latin typeface="Arial"/>
+                <a:ea typeface="Arial"/>
+                <a:cs typeface="Arial"/>
+                <a:sym typeface="Arial"/>
+              </a:defRPr>
+            </a:lvl4pPr>
+            <a:lvl5pPr marR="0" lvl="4" algn="l" rtl="0">
+              <a:lnSpc>
+                <a:spcPct val="100000"/>
+              </a:lnSpc>
+              <a:spcBef>
+                <a:spcPts val="0"/>
+              </a:spcBef>
+              <a:spcAft>
+                <a:spcPts val="0"/>
+              </a:spcAft>
+              <a:buClr>
+                <a:srgbClr val="000000"/>
+              </a:buClr>
+              <a:buFont typeface="Arial"/>
+              <a:defRPr sz="1400" b="0" i="0" u="none" strike="noStrike" cap="none">
+                <a:solidFill>
+                  <a:srgbClr val="000000"/>
+                </a:solidFill>
+                <a:latin typeface="Arial"/>
+                <a:ea typeface="Arial"/>
+                <a:cs typeface="Arial"/>
+                <a:sym typeface="Arial"/>
+              </a:defRPr>
+            </a:lvl5pPr>
+            <a:lvl6pPr marR="0" lvl="5" algn="l" rtl="0">
+              <a:lnSpc>
+                <a:spcPct val="100000"/>
+              </a:lnSpc>
+              <a:spcBef>
+                <a:spcPts val="0"/>
+              </a:spcBef>
+              <a:spcAft>
+                <a:spcPts val="0"/>
+              </a:spcAft>
+              <a:buClr>
+                <a:srgbClr val="000000"/>
+              </a:buClr>
+              <a:buFont typeface="Arial"/>
+              <a:defRPr sz="1400" b="0" i="0" u="none" strike="noStrike" cap="none">
+                <a:solidFill>
+                  <a:srgbClr val="000000"/>
+                </a:solidFill>
+                <a:latin typeface="Arial"/>
+                <a:ea typeface="Arial"/>
+                <a:cs typeface="Arial"/>
+                <a:sym typeface="Arial"/>
+              </a:defRPr>
+            </a:lvl6pPr>
+            <a:lvl7pPr marR="0" lvl="6" algn="l" rtl="0">
+              <a:lnSpc>
+                <a:spcPct val="100000"/>
+              </a:lnSpc>
+              <a:spcBef>
+                <a:spcPts val="0"/>
+              </a:spcBef>
+              <a:spcAft>
+                <a:spcPts val="0"/>
+              </a:spcAft>
+              <a:buClr>
+                <a:srgbClr val="000000"/>
+              </a:buClr>
+              <a:buFont typeface="Arial"/>
+              <a:defRPr sz="1400" b="0" i="0" u="none" strike="noStrike" cap="none">
+                <a:solidFill>
+                  <a:srgbClr val="000000"/>
+                </a:solidFill>
+                <a:latin typeface="Arial"/>
+                <a:ea typeface="Arial"/>
+                <a:cs typeface="Arial"/>
+                <a:sym typeface="Arial"/>
+              </a:defRPr>
+            </a:lvl7pPr>
+            <a:lvl8pPr marR="0" lvl="7" algn="l" rtl="0">
+              <a:lnSpc>
+                <a:spcPct val="100000"/>
+              </a:lnSpc>
+              <a:spcBef>
+                <a:spcPts val="0"/>
+              </a:spcBef>
+              <a:spcAft>
+                <a:spcPts val="0"/>
+              </a:spcAft>
+              <a:buClr>
+                <a:srgbClr val="000000"/>
+              </a:buClr>
+              <a:buFont typeface="Arial"/>
+              <a:defRPr sz="1400" b="0" i="0" u="none" strike="noStrike" cap="none">
+                <a:solidFill>
+                  <a:srgbClr val="000000"/>
+                </a:solidFill>
+                <a:latin typeface="Arial"/>
+                <a:ea typeface="Arial"/>
+                <a:cs typeface="Arial"/>
+                <a:sym typeface="Arial"/>
+              </a:defRPr>
+            </a:lvl8pPr>
+            <a:lvl9pPr marR="0" lvl="8" algn="l" rtl="0">
+              <a:lnSpc>
+                <a:spcPct val="100000"/>
+              </a:lnSpc>
+              <a:spcBef>
+                <a:spcPts val="0"/>
+              </a:spcBef>
+              <a:spcAft>
+                <a:spcPts val="0"/>
+              </a:spcAft>
+              <a:buClr>
+                <a:srgbClr val="000000"/>
+              </a:buClr>
+              <a:buFont typeface="Arial"/>
+              <a:defRPr sz="1400" b="0" i="0" u="none" strike="noStrike" cap="none">
+                <a:solidFill>
+                  <a:srgbClr val="000000"/>
+                </a:solidFill>
+                <a:latin typeface="Arial"/>
+                <a:ea typeface="Arial"/>
+                <a:cs typeface="Arial"/>
+                <a:sym typeface="Arial"/>
+              </a:defRPr>
+            </a:lvl9pPr>
+          </a:lstStyle>
+          <a:p>
+            <a:r>
+              <a:rPr lang="en-GB" sz="2400" b="1" dirty="0">
+                <a:solidFill>
+                  <a:schemeClr val="bg1"/>
+                </a:solidFill>
+                <a:latin typeface="ui-monospace"/>
+              </a:rPr>
+              <a:t>Recommendations to aid employees</a:t>
+            </a:r>
+            <a:endParaRPr lang="en-GB" sz="2400" b="1" dirty="0">
+              <a:solidFill>
+                <a:schemeClr val="bg1"/>
+              </a:solidFill>
+            </a:endParaRPr>
+          </a:p>
+        </p:txBody>
+      </p:sp>
+      <p:sp>
+        <p:nvSpPr>
+          <p:cNvPr id="2" name="TextBox 1">
+            <a:extLst>
+              <a:ext uri="{FF2B5EF4-FFF2-40B4-BE49-F238E27FC236}">
+                <a16:creationId xmlns:a16="http://schemas.microsoft.com/office/drawing/2014/main" id="{6B836151-D355-C063-8A78-40B09BF98351}"/>
+              </a:ext>
+            </a:extLst>
+          </p:cNvPr>
+          <p:cNvSpPr txBox="1"/>
+          <p:nvPr/>
+        </p:nvSpPr>
+        <p:spPr>
+          <a:xfrm>
+            <a:off x="7312025" y="4744083"/>
+            <a:ext cx="619125" cy="307777"/>
+          </a:xfrm>
+          <a:prstGeom prst="rect">
+            <a:avLst/>
+          </a:prstGeom>
+          <a:noFill/>
+        </p:spPr>
+        <p:txBody>
+          <a:bodyPr wrap="square">
+            <a:spAutoFit/>
+          </a:bodyPr>
+          <a:lstStyle/>
+          <a:p>
+            <a:r>
+              <a:rPr lang="en-GB" dirty="0">
+                <a:solidFill>
+                  <a:schemeClr val="bg1"/>
+                </a:solidFill>
+                <a:latin typeface="-apple-system"/>
+              </a:rPr>
+              <a:t>T.P</a:t>
+            </a:r>
+            <a:endParaRPr lang="en-GB" dirty="0"/>
+          </a:p>
+        </p:txBody>
+      </p:sp>
     </p:spTree>
   </p:cSld>
   <p:clrMapOvr>
@@ -40425,7 +39777,7 @@
 </p:sld>
 </file>
 
-<file path=ppt/slides/slide19.xml><?xml version="1.0" encoding="utf-8"?>
+<file path=ppt/slides/slide16.xml><?xml version="1.0" encoding="utf-8"?>
 <p:sld xmlns:a="http://schemas.openxmlformats.org/drawingml/2006/main" xmlns:r="http://schemas.openxmlformats.org/officeDocument/2006/relationships" xmlns:p="http://schemas.openxmlformats.org/presentationml/2006/main">
   <p:cSld>
     <p:bg>
@@ -40466,7 +39818,7 @@
         </p:nvSpPr>
         <p:spPr>
           <a:xfrm>
-            <a:off x="763205" y="1665628"/>
+            <a:off x="814274" y="1060529"/>
             <a:ext cx="7054271" cy="704085"/>
           </a:xfrm>
           <a:prstGeom prst="rect">
@@ -40709,7 +40061,7 @@
           <a:p>
             <a:pPr algn="ctr"/>
             <a:r>
-              <a:rPr lang="en-GB" sz="3600" b="1">
+              <a:rPr lang="en-GB" sz="3600" b="1" dirty="0">
                 <a:solidFill>
                   <a:schemeClr val="bg1"/>
                 </a:solidFill>
@@ -40718,13 +40070,6 @@
               </a:rPr>
               <a:t>Thank you for listening</a:t>
             </a:r>
-            <a:endParaRPr lang="en-GB" sz="3600" b="1" dirty="0">
-              <a:solidFill>
-                <a:schemeClr val="bg1"/>
-              </a:solidFill>
-              <a:latin typeface="Cavolini" panose="03000502040302020204" pitchFamily="66" charset="0"/>
-              <a:cs typeface="Cavolini" panose="03000502040302020204" pitchFamily="66" charset="0"/>
-            </a:endParaRPr>
           </a:p>
         </p:txBody>
       </p:sp>
@@ -40744,7 +40089,7 @@
         </p:nvSpPr>
         <p:spPr>
           <a:xfrm>
-            <a:off x="660174" y="2554152"/>
+            <a:off x="598656" y="1693327"/>
             <a:ext cx="7054271" cy="704085"/>
           </a:xfrm>
           <a:prstGeom prst="rect">
@@ -40834,6 +40179,203 @@
               </a14:hiddenFill>
             </a:ext>
           </a:extLst>
+        </p:spPr>
+      </p:pic>
+      <p:sp>
+        <p:nvSpPr>
+          <p:cNvPr id="4" name="TextBox 3">
+            <a:extLst>
+              <a:ext uri="{FF2B5EF4-FFF2-40B4-BE49-F238E27FC236}">
+                <a16:creationId xmlns:a16="http://schemas.microsoft.com/office/drawing/2014/main" id="{E8C51BD9-C9F5-14F1-E044-6A71F7095D04}"/>
+              </a:ext>
+            </a:extLst>
+          </p:cNvPr>
+          <p:cNvSpPr txBox="1"/>
+          <p:nvPr/>
+        </p:nvSpPr>
+        <p:spPr>
+          <a:xfrm>
+            <a:off x="2450250" y="3258000"/>
+            <a:ext cx="6418955" cy="1200329"/>
+          </a:xfrm>
+          <a:prstGeom prst="rect">
+            <a:avLst/>
+          </a:prstGeom>
+          <a:noFill/>
+        </p:spPr>
+        <p:txBody>
+          <a:bodyPr wrap="square">
+            <a:spAutoFit/>
+          </a:bodyPr>
+          <a:lstStyle/>
+          <a:p>
+            <a:r>
+              <a:rPr lang="en" sz="2400" b="1" dirty="0">
+                <a:solidFill>
+                  <a:schemeClr val="bg1"/>
+                </a:solidFill>
+                <a:latin typeface="Cavolini" panose="03000502040302020204" pitchFamily="66" charset="0"/>
+                <a:cs typeface="Cavolini" panose="03000502040302020204" pitchFamily="66" charset="0"/>
+              </a:rPr>
+              <a:t>Group 5 PRESENTATION</a:t>
+            </a:r>
+            <a:endParaRPr lang="en-GB" sz="2400" dirty="0">
+              <a:solidFill>
+                <a:schemeClr val="bg1"/>
+              </a:solidFill>
+              <a:latin typeface="Ayuthaya" pitchFamily="2" charset="-34"/>
+              <a:ea typeface="Ayuthaya" pitchFamily="2" charset="-34"/>
+              <a:cs typeface="Ayuthaya" pitchFamily="2" charset="-34"/>
+            </a:endParaRPr>
+          </a:p>
+          <a:p>
+            <a:r>
+              <a:rPr lang="en-GB" sz="2400" dirty="0" err="1">
+                <a:solidFill>
+                  <a:schemeClr val="bg1"/>
+                </a:solidFill>
+                <a:latin typeface="Ayuthaya" pitchFamily="2" charset="-34"/>
+                <a:ea typeface="Ayuthaya" pitchFamily="2" charset="-34"/>
+                <a:cs typeface="Ayuthaya" pitchFamily="2" charset="-34"/>
+              </a:rPr>
+              <a:t>Fazeleh</a:t>
+            </a:r>
+            <a:r>
+              <a:rPr lang="en-GB" sz="2400" dirty="0">
+                <a:solidFill>
+                  <a:schemeClr val="bg1"/>
+                </a:solidFill>
+                <a:latin typeface="Ayuthaya" pitchFamily="2" charset="-34"/>
+                <a:ea typeface="Ayuthaya" pitchFamily="2" charset="-34"/>
+                <a:cs typeface="Ayuthaya" pitchFamily="2" charset="-34"/>
+              </a:rPr>
+              <a:t> </a:t>
+            </a:r>
+            <a:r>
+              <a:rPr lang="en-GB" sz="2400" dirty="0" err="1">
+                <a:solidFill>
+                  <a:schemeClr val="bg1"/>
+                </a:solidFill>
+                <a:latin typeface="Ayuthaya" pitchFamily="2" charset="-34"/>
+                <a:ea typeface="Ayuthaya" pitchFamily="2" charset="-34"/>
+                <a:cs typeface="Ayuthaya" pitchFamily="2" charset="-34"/>
+              </a:rPr>
+              <a:t>Arjmandilari</a:t>
+            </a:r>
+            <a:r>
+              <a:rPr lang="en-GB" sz="2400" dirty="0">
+                <a:solidFill>
+                  <a:schemeClr val="bg1"/>
+                </a:solidFill>
+                <a:latin typeface="Ayuthaya" pitchFamily="2" charset="-34"/>
+                <a:ea typeface="Ayuthaya" pitchFamily="2" charset="-34"/>
+                <a:cs typeface="Ayuthaya" pitchFamily="2" charset="-34"/>
+              </a:rPr>
+              <a:t>, </a:t>
+            </a:r>
+            <a:r>
+              <a:rPr lang="en-GB" sz="2400" dirty="0" err="1">
+                <a:solidFill>
+                  <a:schemeClr val="bg1"/>
+                </a:solidFill>
+                <a:latin typeface="Ayuthaya" pitchFamily="2" charset="-34"/>
+                <a:ea typeface="Ayuthaya" pitchFamily="2" charset="-34"/>
+                <a:cs typeface="Ayuthaya" pitchFamily="2" charset="-34"/>
+              </a:rPr>
+              <a:t>Tharusha</a:t>
+            </a:r>
+            <a:r>
+              <a:rPr lang="en-GB" sz="2400" dirty="0">
+                <a:solidFill>
+                  <a:schemeClr val="bg1"/>
+                </a:solidFill>
+                <a:latin typeface="Ayuthaya" pitchFamily="2" charset="-34"/>
+                <a:ea typeface="Ayuthaya" pitchFamily="2" charset="-34"/>
+                <a:cs typeface="Ayuthaya" pitchFamily="2" charset="-34"/>
+              </a:rPr>
+              <a:t> </a:t>
+            </a:r>
+            <a:r>
+              <a:rPr lang="en-GB" sz="2400" dirty="0" err="1">
+                <a:solidFill>
+                  <a:schemeClr val="bg1"/>
+                </a:solidFill>
+                <a:latin typeface="Ayuthaya" pitchFamily="2" charset="-34"/>
+                <a:ea typeface="Ayuthaya" pitchFamily="2" charset="-34"/>
+                <a:cs typeface="Ayuthaya" pitchFamily="2" charset="-34"/>
+              </a:rPr>
+              <a:t>Heenatigala</a:t>
+            </a:r>
+            <a:r>
+              <a:rPr lang="en-GB" sz="2400" dirty="0">
+                <a:solidFill>
+                  <a:schemeClr val="bg1"/>
+                </a:solidFill>
+                <a:latin typeface="Ayuthaya" pitchFamily="2" charset="-34"/>
+                <a:ea typeface="Ayuthaya" pitchFamily="2" charset="-34"/>
+                <a:cs typeface="Ayuthaya" pitchFamily="2" charset="-34"/>
+              </a:rPr>
+              <a:t>, Eliza </a:t>
+            </a:r>
+            <a:r>
+              <a:rPr lang="en-GB" sz="2400" dirty="0" err="1">
+                <a:solidFill>
+                  <a:schemeClr val="bg1"/>
+                </a:solidFill>
+                <a:latin typeface="Ayuthaya" pitchFamily="2" charset="-34"/>
+                <a:ea typeface="Ayuthaya" pitchFamily="2" charset="-34"/>
+                <a:cs typeface="Ayuthaya" pitchFamily="2" charset="-34"/>
+              </a:rPr>
+              <a:t>Shafaq</a:t>
+            </a:r>
+            <a:r>
+              <a:rPr lang="en-GB" sz="2400" dirty="0">
+                <a:solidFill>
+                  <a:schemeClr val="bg1"/>
+                </a:solidFill>
+                <a:latin typeface="Ayuthaya" pitchFamily="2" charset="-34"/>
+                <a:ea typeface="Ayuthaya" pitchFamily="2" charset="-34"/>
+                <a:cs typeface="Ayuthaya" pitchFamily="2" charset="-34"/>
+              </a:rPr>
+              <a:t>, Rizwan Nawaz</a:t>
+            </a:r>
+          </a:p>
+        </p:txBody>
+      </p:sp>
+      <p:pic>
+        <p:nvPicPr>
+          <p:cNvPr id="6" name="Graphic 5" descr="Meeting outline">
+            <a:extLst>
+              <a:ext uri="{FF2B5EF4-FFF2-40B4-BE49-F238E27FC236}">
+                <a16:creationId xmlns:a16="http://schemas.microsoft.com/office/drawing/2014/main" id="{15954102-994D-9248-1808-0D9D08FAF888}"/>
+              </a:ext>
+            </a:extLst>
+          </p:cNvPr>
+          <p:cNvPicPr>
+            <a:picLocks noChangeAspect="1"/>
+          </p:cNvPicPr>
+          <p:nvPr/>
+        </p:nvPicPr>
+        <p:blipFill>
+          <a:blip r:embed="rId4">
+            <a:extLst>
+              <a:ext uri="{96DAC541-7B7A-43D3-8B79-37D633B846F1}">
+                <asvg:svgBlip xmlns:asvg="http://schemas.microsoft.com/office/drawing/2016/SVG/main" r:embed="rId5"/>
+              </a:ext>
+            </a:extLst>
+          </a:blip>
+          <a:stretch>
+            <a:fillRect/>
+          </a:stretch>
+        </p:blipFill>
+        <p:spPr>
+          <a:xfrm>
+            <a:off x="500474" y="2804423"/>
+            <a:ext cx="2045026" cy="2045026"/>
+          </a:xfrm>
+          <a:prstGeom prst="rect">
+            <a:avLst/>
+          </a:prstGeom>
         </p:spPr>
       </p:pic>
     </p:spTree>
@@ -41088,7 +40630,7 @@
         </p:nvSpPr>
         <p:spPr>
           <a:xfrm>
-            <a:off x="5554981" y="1091967"/>
+            <a:off x="5385164" y="761351"/>
             <a:ext cx="3471884" cy="3693319"/>
           </a:xfrm>
           <a:prstGeom prst="rect">
@@ -41260,6 +40802,47 @@
           </a:extLst>
         </p:spPr>
       </p:pic>
+      <p:sp>
+        <p:nvSpPr>
+          <p:cNvPr id="5" name="TextBox 4">
+            <a:extLst>
+              <a:ext uri="{FF2B5EF4-FFF2-40B4-BE49-F238E27FC236}">
+                <a16:creationId xmlns:a16="http://schemas.microsoft.com/office/drawing/2014/main" id="{632E96DF-05BE-0336-7352-A3667EF2C121}"/>
+              </a:ext>
+            </a:extLst>
+          </p:cNvPr>
+          <p:cNvSpPr txBox="1"/>
+          <p:nvPr/>
+        </p:nvSpPr>
+        <p:spPr>
+          <a:xfrm>
+            <a:off x="8626702" y="4745610"/>
+            <a:ext cx="591566" cy="307777"/>
+          </a:xfrm>
+          <a:prstGeom prst="rect">
+            <a:avLst/>
+          </a:prstGeom>
+          <a:noFill/>
+        </p:spPr>
+        <p:txBody>
+          <a:bodyPr wrap="square">
+            <a:spAutoFit/>
+          </a:bodyPr>
+          <a:lstStyle/>
+          <a:p>
+            <a:r>
+              <a:rPr lang="en-GB" sz="1400" dirty="0">
+                <a:solidFill>
+                  <a:schemeClr val="bg1"/>
+                </a:solidFill>
+                <a:latin typeface="-apple-system"/>
+              </a:rPr>
+              <a:t>F.A</a:t>
+            </a:r>
+            <a:endParaRPr lang="en-GB" dirty="0"/>
+          </a:p>
+        </p:txBody>
+      </p:sp>
     </p:spTree>
     <p:extLst>
       <p:ext uri="{BB962C8B-B14F-4D97-AF65-F5344CB8AC3E}">
@@ -41505,6 +41088,47 @@
           </a:extLst>
         </p:spPr>
       </p:pic>
+      <p:sp>
+        <p:nvSpPr>
+          <p:cNvPr id="2" name="TextBox 1">
+            <a:extLst>
+              <a:ext uri="{FF2B5EF4-FFF2-40B4-BE49-F238E27FC236}">
+                <a16:creationId xmlns:a16="http://schemas.microsoft.com/office/drawing/2014/main" id="{5408FA71-2261-57CF-BAE2-04D1F7FB25BD}"/>
+              </a:ext>
+            </a:extLst>
+          </p:cNvPr>
+          <p:cNvSpPr txBox="1"/>
+          <p:nvPr/>
+        </p:nvSpPr>
+        <p:spPr>
+          <a:xfrm>
+            <a:off x="8626702" y="4745610"/>
+            <a:ext cx="591566" cy="307777"/>
+          </a:xfrm>
+          <a:prstGeom prst="rect">
+            <a:avLst/>
+          </a:prstGeom>
+          <a:noFill/>
+        </p:spPr>
+        <p:txBody>
+          <a:bodyPr wrap="square">
+            <a:spAutoFit/>
+          </a:bodyPr>
+          <a:lstStyle/>
+          <a:p>
+            <a:r>
+              <a:rPr lang="en-GB" sz="1400" dirty="0">
+                <a:solidFill>
+                  <a:schemeClr val="bg1"/>
+                </a:solidFill>
+                <a:latin typeface="-apple-system"/>
+              </a:rPr>
+              <a:t>F.A</a:t>
+            </a:r>
+            <a:endParaRPr lang="en-GB" dirty="0"/>
+          </a:p>
+        </p:txBody>
+      </p:sp>
     </p:spTree>
     <p:extLst>
       <p:ext uri="{BB962C8B-B14F-4D97-AF65-F5344CB8AC3E}">
@@ -41746,6 +41370,47 @@
           </a:p>
         </p:txBody>
       </p:sp>
+      <p:sp>
+        <p:nvSpPr>
+          <p:cNvPr id="3" name="TextBox 2">
+            <a:extLst>
+              <a:ext uri="{FF2B5EF4-FFF2-40B4-BE49-F238E27FC236}">
+                <a16:creationId xmlns:a16="http://schemas.microsoft.com/office/drawing/2014/main" id="{8647330E-64FB-A1FB-A9CC-C3CFC1FE0AB4}"/>
+              </a:ext>
+            </a:extLst>
+          </p:cNvPr>
+          <p:cNvSpPr txBox="1"/>
+          <p:nvPr/>
+        </p:nvSpPr>
+        <p:spPr>
+          <a:xfrm>
+            <a:off x="8626702" y="4745610"/>
+            <a:ext cx="591566" cy="307777"/>
+          </a:xfrm>
+          <a:prstGeom prst="rect">
+            <a:avLst/>
+          </a:prstGeom>
+          <a:noFill/>
+        </p:spPr>
+        <p:txBody>
+          <a:bodyPr wrap="square">
+            <a:spAutoFit/>
+          </a:bodyPr>
+          <a:lstStyle/>
+          <a:p>
+            <a:r>
+              <a:rPr lang="en-GB" sz="1400" dirty="0">
+                <a:solidFill>
+                  <a:schemeClr val="bg1"/>
+                </a:solidFill>
+                <a:latin typeface="-apple-system"/>
+              </a:rPr>
+              <a:t>F.A</a:t>
+            </a:r>
+            <a:endParaRPr lang="en-GB" dirty="0"/>
+          </a:p>
+        </p:txBody>
+      </p:sp>
     </p:spTree>
     <p:extLst>
       <p:ext uri="{BB962C8B-B14F-4D97-AF65-F5344CB8AC3E}">
@@ -41760,6 +41425,1049 @@
 </file>
 
 <file path=ppt/slides/slide6.xml><?xml version="1.0" encoding="utf-8"?>
+<p:sld xmlns:a="http://schemas.openxmlformats.org/drawingml/2006/main" xmlns:r="http://schemas.openxmlformats.org/officeDocument/2006/relationships" xmlns:p="http://schemas.openxmlformats.org/presentationml/2006/main">
+  <p:cSld>
+    <p:spTree>
+      <p:nvGrpSpPr>
+        <p:cNvPr id="1" name=""/>
+        <p:cNvGrpSpPr/>
+        <p:nvPr/>
+      </p:nvGrpSpPr>
+      <p:grpSpPr>
+        <a:xfrm>
+          <a:off x="0" y="0"/>
+          <a:ext cx="0" cy="0"/>
+          <a:chOff x="0" y="0"/>
+          <a:chExt cx="0" cy="0"/>
+        </a:xfrm>
+      </p:grpSpPr>
+      <p:sp>
+        <p:nvSpPr>
+          <p:cNvPr id="2" name="Title 1">
+            <a:extLst>
+              <a:ext uri="{FF2B5EF4-FFF2-40B4-BE49-F238E27FC236}">
+                <a16:creationId xmlns:a16="http://schemas.microsoft.com/office/drawing/2014/main" id="{FF3C98E0-2486-1477-FE1F-7DB67F428628}"/>
+              </a:ext>
+            </a:extLst>
+          </p:cNvPr>
+          <p:cNvSpPr>
+            <a:spLocks noGrp="1"/>
+          </p:cNvSpPr>
+          <p:nvPr>
+            <p:ph type="title"/>
+          </p:nvPr>
+        </p:nvSpPr>
+        <p:spPr>
+          <a:xfrm>
+            <a:off x="0" y="-118035"/>
+            <a:ext cx="5069541" cy="994172"/>
+          </a:xfrm>
+        </p:spPr>
+        <p:txBody>
+          <a:bodyPr>
+            <a:noAutofit/>
+          </a:bodyPr>
+          <a:lstStyle/>
+          <a:p>
+            <a:pPr algn="ctr"/>
+            <a:r>
+              <a:rPr lang="en-GB" sz="2200" b="1" dirty="0">
+                <a:latin typeface="ui-monospace"/>
+              </a:rPr>
+              <a:t>Tech industry supports the overall mental health and wellbeing of their employees</a:t>
+            </a:r>
+            <a:endParaRPr lang="en-GB" sz="2200" b="1" dirty="0"/>
+          </a:p>
+        </p:txBody>
+      </p:sp>
+      <p:pic>
+        <p:nvPicPr>
+          <p:cNvPr id="3" name="Picture 4" descr="University logo guidelines">
+            <a:extLst>
+              <a:ext uri="{FF2B5EF4-FFF2-40B4-BE49-F238E27FC236}">
+                <a16:creationId xmlns:a16="http://schemas.microsoft.com/office/drawing/2014/main" id="{CCBBDCA4-3BC0-AFD0-F98E-ACD7436E7FA4}"/>
+              </a:ext>
+            </a:extLst>
+          </p:cNvPr>
+          <p:cNvPicPr>
+            <a:picLocks noChangeAspect="1" noChangeArrowheads="1"/>
+          </p:cNvPicPr>
+          <p:nvPr/>
+        </p:nvPicPr>
+        <p:blipFill>
+          <a:blip r:embed="rId3">
+            <a:extLst>
+              <a:ext uri="{28A0092B-C50C-407E-A947-70E740481C1C}">
+                <a14:useLocalDpi xmlns:a14="http://schemas.microsoft.com/office/drawing/2010/main" val="0"/>
+              </a:ext>
+            </a:extLst>
+          </a:blip>
+          <a:srcRect/>
+          <a:stretch>
+            <a:fillRect/>
+          </a:stretch>
+        </p:blipFill>
+        <p:spPr bwMode="auto">
+          <a:xfrm>
+            <a:off x="6846041" y="-237284"/>
+            <a:ext cx="2617184" cy="1027790"/>
+          </a:xfrm>
+          <a:prstGeom prst="rect">
+            <a:avLst/>
+          </a:prstGeom>
+          <a:noFill/>
+          <a:extLst>
+            <a:ext uri="{909E8E84-426E-40DD-AFC4-6F175D3DCCD1}">
+              <a14:hiddenFill xmlns:a14="http://schemas.microsoft.com/office/drawing/2010/main">
+                <a:solidFill>
+                  <a:srgbClr val="FFFFFF"/>
+                </a:solidFill>
+              </a14:hiddenFill>
+            </a:ext>
+          </a:extLst>
+        </p:spPr>
+      </p:pic>
+      <p:pic>
+        <p:nvPicPr>
+          <p:cNvPr id="6" name="Picture 5">
+            <a:extLst>
+              <a:ext uri="{FF2B5EF4-FFF2-40B4-BE49-F238E27FC236}">
+                <a16:creationId xmlns:a16="http://schemas.microsoft.com/office/drawing/2014/main" id="{D94B2284-DC18-2EA7-4688-74CC113E74FC}"/>
+              </a:ext>
+            </a:extLst>
+          </p:cNvPr>
+          <p:cNvPicPr>
+            <a:picLocks noChangeAspect="1"/>
+          </p:cNvPicPr>
+          <p:nvPr/>
+        </p:nvPicPr>
+        <p:blipFill>
+          <a:blip r:embed="rId4"/>
+          <a:stretch>
+            <a:fillRect/>
+          </a:stretch>
+        </p:blipFill>
+        <p:spPr>
+          <a:xfrm>
+            <a:off x="5548753" y="592833"/>
+            <a:ext cx="3272211" cy="2290125"/>
+          </a:xfrm>
+          <a:prstGeom prst="rect">
+            <a:avLst/>
+          </a:prstGeom>
+        </p:spPr>
+      </p:pic>
+      <p:pic>
+        <p:nvPicPr>
+          <p:cNvPr id="8" name="Picture 7">
+            <a:extLst>
+              <a:ext uri="{FF2B5EF4-FFF2-40B4-BE49-F238E27FC236}">
+                <a16:creationId xmlns:a16="http://schemas.microsoft.com/office/drawing/2014/main" id="{F267A910-7EA5-9AFF-2642-44505BE7490E}"/>
+              </a:ext>
+            </a:extLst>
+          </p:cNvPr>
+          <p:cNvPicPr>
+            <a:picLocks noChangeAspect="1"/>
+          </p:cNvPicPr>
+          <p:nvPr/>
+        </p:nvPicPr>
+        <p:blipFill rotWithShape="1">
+          <a:blip r:embed="rId5"/>
+          <a:srcRect l="3536" r="2434"/>
+          <a:stretch/>
+        </p:blipFill>
+        <p:spPr>
+          <a:xfrm>
+            <a:off x="5548753" y="2958532"/>
+            <a:ext cx="3272211" cy="1954324"/>
+          </a:xfrm>
+          <a:prstGeom prst="rect">
+            <a:avLst/>
+          </a:prstGeom>
+        </p:spPr>
+      </p:pic>
+      <p:sp>
+        <p:nvSpPr>
+          <p:cNvPr id="13" name="TextBox 12">
+            <a:extLst>
+              <a:ext uri="{FF2B5EF4-FFF2-40B4-BE49-F238E27FC236}">
+                <a16:creationId xmlns:a16="http://schemas.microsoft.com/office/drawing/2014/main" id="{BBAB4458-AE89-BC4A-1C82-F402D139A44A}"/>
+              </a:ext>
+            </a:extLst>
+          </p:cNvPr>
+          <p:cNvSpPr txBox="1"/>
+          <p:nvPr/>
+        </p:nvSpPr>
+        <p:spPr>
+          <a:xfrm>
+            <a:off x="188564" y="876137"/>
+            <a:ext cx="5225717" cy="4293483"/>
+          </a:xfrm>
+          <a:prstGeom prst="rect">
+            <a:avLst/>
+          </a:prstGeom>
+          <a:noFill/>
+        </p:spPr>
+        <p:txBody>
+          <a:bodyPr wrap="square">
+            <a:spAutoFit/>
+          </a:bodyPr>
+          <a:lstStyle/>
+          <a:p>
+            <a:pPr marL="0" marR="0" lvl="0" indent="0" algn="just" defTabSz="914400" rtl="0" eaLnBrk="1" fontAlgn="auto" latinLnBrk="0" hangingPunct="1">
+              <a:lnSpc>
+                <a:spcPct val="100000"/>
+              </a:lnSpc>
+              <a:spcBef>
+                <a:spcPts val="600"/>
+              </a:spcBef>
+              <a:spcAft>
+                <a:spcPts val="0"/>
+              </a:spcAft>
+              <a:buClr>
+                <a:srgbClr val="6E86B6"/>
+              </a:buClr>
+              <a:buSzPts val="2400"/>
+              <a:buFont typeface="Titillium Web"/>
+              <a:buNone/>
+              <a:tabLst/>
+              <a:defRPr/>
+            </a:pPr>
+            <a:r>
+              <a:rPr kumimoji="0" lang="en-GB" b="0" i="0" u="none" strike="noStrike" kern="0" cap="none" spc="0" normalizeH="0" baseline="0" noProof="0" dirty="0">
+                <a:ln>
+                  <a:noFill/>
+                </a:ln>
+                <a:solidFill>
+                  <a:srgbClr val="FFFFFF"/>
+                </a:solidFill>
+                <a:effectLst/>
+                <a:uLnTx/>
+                <a:uFillTx/>
+                <a:latin typeface="Titillium Web"/>
+                <a:sym typeface="Titillium Web"/>
+              </a:rPr>
+              <a:t>The Survey Data which was analysed provided the following conclusions:  </a:t>
+            </a:r>
+          </a:p>
+          <a:p>
+            <a:pPr marL="457200" marR="0" lvl="0" indent="-381000" algn="just" defTabSz="914400" rtl="0" eaLnBrk="1" fontAlgn="auto" latinLnBrk="0" hangingPunct="1">
+              <a:lnSpc>
+                <a:spcPct val="100000"/>
+              </a:lnSpc>
+              <a:spcBef>
+                <a:spcPts val="600"/>
+              </a:spcBef>
+              <a:spcAft>
+                <a:spcPts val="0"/>
+              </a:spcAft>
+              <a:buClr>
+                <a:srgbClr val="6E86B6"/>
+              </a:buClr>
+              <a:buSzPts val="2400"/>
+              <a:buFont typeface="Titillium Web"/>
+              <a:buChar char="▫"/>
+              <a:tabLst/>
+              <a:defRPr/>
+            </a:pPr>
+            <a:r>
+              <a:rPr kumimoji="0" lang="en-GB" b="0" i="0" u="none" strike="noStrike" kern="0" cap="none" spc="0" normalizeH="0" baseline="0" noProof="0" dirty="0">
+                <a:ln>
+                  <a:noFill/>
+                </a:ln>
+                <a:solidFill>
+                  <a:srgbClr val="FFFFFF"/>
+                </a:solidFill>
+                <a:effectLst/>
+                <a:uLnTx/>
+                <a:uFillTx/>
+                <a:latin typeface="Titillium Web"/>
+                <a:sym typeface="Titillium Web"/>
+              </a:rPr>
+              <a:t>Tech companies offer more wellness programs than non-tech</a:t>
+            </a:r>
+          </a:p>
+          <a:p>
+            <a:pPr marL="457200" marR="0" lvl="0" indent="-381000" algn="just" defTabSz="914400" rtl="0" eaLnBrk="1" fontAlgn="auto" latinLnBrk="0" hangingPunct="1">
+              <a:lnSpc>
+                <a:spcPct val="100000"/>
+              </a:lnSpc>
+              <a:spcBef>
+                <a:spcPts val="600"/>
+              </a:spcBef>
+              <a:spcAft>
+                <a:spcPts val="0"/>
+              </a:spcAft>
+              <a:buClr>
+                <a:srgbClr val="6E86B6"/>
+              </a:buClr>
+              <a:buSzPts val="2400"/>
+              <a:buFont typeface="Titillium Web"/>
+              <a:buChar char="▫"/>
+              <a:tabLst/>
+              <a:defRPr/>
+            </a:pPr>
+            <a:r>
+              <a:rPr lang="en-GB" dirty="0">
+                <a:solidFill>
+                  <a:srgbClr val="FFFFFF"/>
+                </a:solidFill>
+                <a:latin typeface="Titillium Web"/>
+                <a:sym typeface="Titillium Web"/>
+              </a:rPr>
+              <a:t>Tech companies also have the highest volume of companies not offering wellness programs </a:t>
+            </a:r>
+          </a:p>
+          <a:p>
+            <a:pPr marL="76200" marR="0" lvl="0" algn="just" defTabSz="914400" rtl="0" eaLnBrk="1" fontAlgn="auto" latinLnBrk="0" hangingPunct="1">
+              <a:lnSpc>
+                <a:spcPct val="100000"/>
+              </a:lnSpc>
+              <a:spcBef>
+                <a:spcPts val="600"/>
+              </a:spcBef>
+              <a:spcAft>
+                <a:spcPts val="0"/>
+              </a:spcAft>
+              <a:buClr>
+                <a:srgbClr val="6E86B6"/>
+              </a:buClr>
+              <a:buSzPts val="2400"/>
+              <a:tabLst/>
+              <a:defRPr/>
+            </a:pPr>
+            <a:r>
+              <a:rPr lang="en-GB" dirty="0">
+                <a:solidFill>
+                  <a:srgbClr val="FFFFFF"/>
+                </a:solidFill>
+                <a:latin typeface="Titillium Web"/>
+                <a:sym typeface="Titillium Web"/>
+              </a:rPr>
+              <a:t>However further analysis considering the volume of companies demonstrates, the volume of non-tech and tech companies accurate data analysis demonstrates: </a:t>
+            </a:r>
+          </a:p>
+          <a:p>
+            <a:pPr marL="457200" marR="0" lvl="0" indent="-381000" algn="just" defTabSz="914400" rtl="0" eaLnBrk="1" fontAlgn="auto" latinLnBrk="0" hangingPunct="1">
+              <a:lnSpc>
+                <a:spcPct val="100000"/>
+              </a:lnSpc>
+              <a:spcBef>
+                <a:spcPts val="600"/>
+              </a:spcBef>
+              <a:spcAft>
+                <a:spcPts val="0"/>
+              </a:spcAft>
+              <a:buClr>
+                <a:srgbClr val="6E86B6"/>
+              </a:buClr>
+              <a:buSzPts val="2400"/>
+              <a:buFont typeface="Titillium Web"/>
+              <a:buChar char="▫"/>
+              <a:tabLst/>
+              <a:defRPr/>
+            </a:pPr>
+            <a:r>
+              <a:rPr kumimoji="0" lang="en-GB" sz="1400" b="0" i="0" u="none" strike="noStrike" kern="0" cap="none" spc="0" normalizeH="0" baseline="0" noProof="0" dirty="0">
+                <a:ln>
+                  <a:noFill/>
+                </a:ln>
+                <a:solidFill>
+                  <a:srgbClr val="FFFFFF"/>
+                </a:solidFill>
+                <a:effectLst/>
+                <a:uLnTx/>
+                <a:uFillTx/>
+                <a:latin typeface="Titillium Web"/>
+                <a:sym typeface="Titillium Web"/>
+              </a:rPr>
+              <a:t>Only 15.7 % of  Tech Companies offered wellness programs when compared to the quantity of tech companies</a:t>
+            </a:r>
+          </a:p>
+          <a:p>
+            <a:pPr marL="457200" marR="0" lvl="0" indent="-381000" algn="just" defTabSz="914400" rtl="0" eaLnBrk="1" fontAlgn="auto" latinLnBrk="0" hangingPunct="1">
+              <a:lnSpc>
+                <a:spcPct val="100000"/>
+              </a:lnSpc>
+              <a:spcBef>
+                <a:spcPts val="600"/>
+              </a:spcBef>
+              <a:spcAft>
+                <a:spcPts val="0"/>
+              </a:spcAft>
+              <a:buClr>
+                <a:srgbClr val="6E86B6"/>
+              </a:buClr>
+              <a:buSzPts val="2400"/>
+              <a:buFont typeface="Titillium Web"/>
+              <a:buChar char="▫"/>
+              <a:tabLst/>
+              <a:defRPr/>
+            </a:pPr>
+            <a:r>
+              <a:rPr kumimoji="0" lang="en-GB" sz="1400" b="0" i="0" u="none" strike="noStrike" kern="0" cap="none" spc="0" normalizeH="0" baseline="0" noProof="0" dirty="0">
+                <a:ln>
+                  <a:noFill/>
+                </a:ln>
+                <a:solidFill>
+                  <a:srgbClr val="FFFFFF"/>
+                </a:solidFill>
+                <a:effectLst/>
+                <a:uLnTx/>
+                <a:uFillTx/>
+                <a:latin typeface="Titillium Web"/>
+                <a:sym typeface="Titillium Web"/>
+              </a:rPr>
+              <a:t>However 29.4 % of Non-Tech offered wellness programs when compared to the quantity of non-tech companies</a:t>
+            </a:r>
+          </a:p>
+          <a:p>
+            <a:pPr marL="76200" marR="0" lvl="0" algn="just" defTabSz="914400" rtl="0" eaLnBrk="1" fontAlgn="auto" latinLnBrk="0" hangingPunct="1">
+              <a:lnSpc>
+                <a:spcPct val="100000"/>
+              </a:lnSpc>
+              <a:spcBef>
+                <a:spcPts val="600"/>
+              </a:spcBef>
+              <a:spcAft>
+                <a:spcPts val="0"/>
+              </a:spcAft>
+              <a:buClr>
+                <a:srgbClr val="6E86B6"/>
+              </a:buClr>
+              <a:buSzPts val="2400"/>
+              <a:tabLst/>
+              <a:defRPr/>
+            </a:pPr>
+            <a:r>
+              <a:rPr lang="en-GB" noProof="0" dirty="0">
+                <a:solidFill>
+                  <a:srgbClr val="FFFFFF"/>
+                </a:solidFill>
+                <a:latin typeface="Titillium Web"/>
+                <a:sym typeface="Titillium Web"/>
+              </a:rPr>
+              <a:t>Therefore the tech industry requires development to be able to compete </a:t>
+            </a:r>
+            <a:r>
+              <a:rPr lang="en-GB" dirty="0">
+                <a:solidFill>
+                  <a:srgbClr val="FFFFFF"/>
+                </a:solidFill>
+                <a:latin typeface="Titillium Web"/>
+                <a:sym typeface="Titillium Web"/>
+              </a:rPr>
+              <a:t>with non-tech companies offering wellness programs to employees.</a:t>
+            </a:r>
+            <a:endParaRPr kumimoji="0" lang="en-GB" sz="1400" b="0" i="0" u="none" strike="noStrike" kern="0" cap="none" spc="0" normalizeH="0" baseline="0" noProof="0" dirty="0">
+              <a:ln>
+                <a:noFill/>
+              </a:ln>
+              <a:solidFill>
+                <a:srgbClr val="FFFFFF"/>
+              </a:solidFill>
+              <a:effectLst/>
+              <a:uLnTx/>
+              <a:uFillTx/>
+              <a:latin typeface="Titillium Web"/>
+              <a:sym typeface="Titillium Web"/>
+            </a:endParaRPr>
+          </a:p>
+          <a:p>
+            <a:pPr marL="76200" marR="0" lvl="0" algn="just" defTabSz="914400" rtl="0" eaLnBrk="1" fontAlgn="auto" latinLnBrk="0" hangingPunct="1">
+              <a:lnSpc>
+                <a:spcPct val="100000"/>
+              </a:lnSpc>
+              <a:spcBef>
+                <a:spcPts val="600"/>
+              </a:spcBef>
+              <a:spcAft>
+                <a:spcPts val="0"/>
+              </a:spcAft>
+              <a:buClr>
+                <a:srgbClr val="6E86B6"/>
+              </a:buClr>
+              <a:buSzPts val="2400"/>
+              <a:tabLst/>
+              <a:defRPr/>
+            </a:pPr>
+            <a:endParaRPr lang="en-GB" dirty="0">
+              <a:solidFill>
+                <a:srgbClr val="FFFFFF"/>
+              </a:solidFill>
+              <a:latin typeface="Titillium Web"/>
+              <a:sym typeface="Titillium Web"/>
+            </a:endParaRPr>
+          </a:p>
+        </p:txBody>
+      </p:sp>
+      <p:sp>
+        <p:nvSpPr>
+          <p:cNvPr id="4" name="TextBox 3">
+            <a:extLst>
+              <a:ext uri="{FF2B5EF4-FFF2-40B4-BE49-F238E27FC236}">
+                <a16:creationId xmlns:a16="http://schemas.microsoft.com/office/drawing/2014/main" id="{D325DDDB-5169-3786-092E-F2F6433DCD92}"/>
+              </a:ext>
+            </a:extLst>
+          </p:cNvPr>
+          <p:cNvSpPr txBox="1"/>
+          <p:nvPr/>
+        </p:nvSpPr>
+        <p:spPr>
+          <a:xfrm>
+            <a:off x="8438634" y="4861843"/>
+            <a:ext cx="591566" cy="307777"/>
+          </a:xfrm>
+          <a:prstGeom prst="rect">
+            <a:avLst/>
+          </a:prstGeom>
+          <a:noFill/>
+        </p:spPr>
+        <p:txBody>
+          <a:bodyPr wrap="square">
+            <a:spAutoFit/>
+          </a:bodyPr>
+          <a:lstStyle/>
+          <a:p>
+            <a:r>
+              <a:rPr lang="en-GB" sz="1400" dirty="0">
+                <a:solidFill>
+                  <a:schemeClr val="bg1"/>
+                </a:solidFill>
+                <a:latin typeface="-apple-system"/>
+              </a:rPr>
+              <a:t>M.R</a:t>
+            </a:r>
+            <a:endParaRPr lang="en-GB" dirty="0"/>
+          </a:p>
+        </p:txBody>
+      </p:sp>
+    </p:spTree>
+    <p:extLst>
+      <p:ext uri="{BB962C8B-B14F-4D97-AF65-F5344CB8AC3E}">
+        <p14:creationId xmlns:p14="http://schemas.microsoft.com/office/powerpoint/2010/main" val="1777533658"/>
+      </p:ext>
+    </p:extLst>
+  </p:cSld>
+  <p:clrMapOvr>
+    <a:masterClrMapping/>
+  </p:clrMapOvr>
+</p:sld>
+</file>
+
+<file path=ppt/slides/slide7.xml><?xml version="1.0" encoding="utf-8"?>
+<p:sld xmlns:a="http://schemas.openxmlformats.org/drawingml/2006/main" xmlns:r="http://schemas.openxmlformats.org/officeDocument/2006/relationships" xmlns:p="http://schemas.openxmlformats.org/presentationml/2006/main">
+  <p:cSld>
+    <p:spTree>
+      <p:nvGrpSpPr>
+        <p:cNvPr id="1" name=""/>
+        <p:cNvGrpSpPr/>
+        <p:nvPr/>
+      </p:nvGrpSpPr>
+      <p:grpSpPr>
+        <a:xfrm>
+          <a:off x="0" y="0"/>
+          <a:ext cx="0" cy="0"/>
+          <a:chOff x="0" y="0"/>
+          <a:chExt cx="0" cy="0"/>
+        </a:xfrm>
+      </p:grpSpPr>
+      <p:sp>
+        <p:nvSpPr>
+          <p:cNvPr id="2" name="Title 1">
+            <a:extLst>
+              <a:ext uri="{FF2B5EF4-FFF2-40B4-BE49-F238E27FC236}">
+                <a16:creationId xmlns:a16="http://schemas.microsoft.com/office/drawing/2014/main" id="{FF3C98E0-2486-1477-FE1F-7DB67F428628}"/>
+              </a:ext>
+            </a:extLst>
+          </p:cNvPr>
+          <p:cNvSpPr>
+            <a:spLocks noGrp="1"/>
+          </p:cNvSpPr>
+          <p:nvPr>
+            <p:ph type="title"/>
+          </p:nvPr>
+        </p:nvSpPr>
+        <p:spPr>
+          <a:xfrm>
+            <a:off x="39575" y="-163115"/>
+            <a:ext cx="6816090" cy="994172"/>
+          </a:xfrm>
+        </p:spPr>
+        <p:txBody>
+          <a:bodyPr>
+            <a:normAutofit/>
+          </a:bodyPr>
+          <a:lstStyle/>
+          <a:p>
+            <a:r>
+              <a:rPr lang="en-GB" sz="2200" b="1" dirty="0">
+                <a:latin typeface="ui-monospace"/>
+              </a:rPr>
+              <a:t>Consequences on employee’s mental health within tech companies and non-tech companies</a:t>
+            </a:r>
+            <a:endParaRPr lang="en-GB" sz="2200" b="1" dirty="0"/>
+          </a:p>
+        </p:txBody>
+      </p:sp>
+      <p:pic>
+        <p:nvPicPr>
+          <p:cNvPr id="7" name="Picture 6">
+            <a:extLst>
+              <a:ext uri="{FF2B5EF4-FFF2-40B4-BE49-F238E27FC236}">
+                <a16:creationId xmlns:a16="http://schemas.microsoft.com/office/drawing/2014/main" id="{8780E3CB-0D51-4B25-8A01-6BA76D5B8973}"/>
+              </a:ext>
+            </a:extLst>
+          </p:cNvPr>
+          <p:cNvPicPr>
+            <a:picLocks noChangeAspect="1"/>
+          </p:cNvPicPr>
+          <p:nvPr/>
+        </p:nvPicPr>
+        <p:blipFill>
+          <a:blip r:embed="rId3"/>
+          <a:stretch>
+            <a:fillRect/>
+          </a:stretch>
+        </p:blipFill>
+        <p:spPr>
+          <a:xfrm>
+            <a:off x="179930" y="965892"/>
+            <a:ext cx="4216808" cy="1841702"/>
+          </a:xfrm>
+          <a:prstGeom prst="rect">
+            <a:avLst/>
+          </a:prstGeom>
+        </p:spPr>
+      </p:pic>
+      <p:pic>
+        <p:nvPicPr>
+          <p:cNvPr id="9" name="Picture 8">
+            <a:extLst>
+              <a:ext uri="{FF2B5EF4-FFF2-40B4-BE49-F238E27FC236}">
+                <a16:creationId xmlns:a16="http://schemas.microsoft.com/office/drawing/2014/main" id="{F9459D0F-0DC5-2AFC-4C66-B4800A9ABAFD}"/>
+              </a:ext>
+            </a:extLst>
+          </p:cNvPr>
+          <p:cNvPicPr>
+            <a:picLocks noChangeAspect="1"/>
+          </p:cNvPicPr>
+          <p:nvPr/>
+        </p:nvPicPr>
+        <p:blipFill>
+          <a:blip r:embed="rId4"/>
+          <a:stretch>
+            <a:fillRect/>
+          </a:stretch>
+        </p:blipFill>
+        <p:spPr>
+          <a:xfrm>
+            <a:off x="179930" y="2942429"/>
+            <a:ext cx="4216808" cy="1804324"/>
+          </a:xfrm>
+          <a:prstGeom prst="rect">
+            <a:avLst/>
+          </a:prstGeom>
+        </p:spPr>
+      </p:pic>
+      <p:sp>
+        <p:nvSpPr>
+          <p:cNvPr id="10" name="TextBox 9">
+            <a:extLst>
+              <a:ext uri="{FF2B5EF4-FFF2-40B4-BE49-F238E27FC236}">
+                <a16:creationId xmlns:a16="http://schemas.microsoft.com/office/drawing/2014/main" id="{21A0B190-14C4-EAA4-5C81-4A19603CE846}"/>
+              </a:ext>
+            </a:extLst>
+          </p:cNvPr>
+          <p:cNvSpPr txBox="1"/>
+          <p:nvPr/>
+        </p:nvSpPr>
+        <p:spPr>
+          <a:xfrm>
+            <a:off x="4492423" y="1435592"/>
+            <a:ext cx="4532425" cy="3293209"/>
+          </a:xfrm>
+          <a:prstGeom prst="rect">
+            <a:avLst/>
+          </a:prstGeom>
+          <a:noFill/>
+        </p:spPr>
+        <p:txBody>
+          <a:bodyPr wrap="square" rtlCol="0">
+            <a:spAutoFit/>
+          </a:bodyPr>
+          <a:lstStyle/>
+          <a:p>
+            <a:pPr marL="285750" indent="-285750">
+              <a:buClr>
+                <a:schemeClr val="bg1"/>
+              </a:buClr>
+              <a:buFont typeface="Wingdings" pitchFamily="2" charset="2"/>
+              <a:buChar char="q"/>
+            </a:pPr>
+            <a:r>
+              <a:rPr lang="en-GB" sz="1600" dirty="0">
+                <a:solidFill>
+                  <a:schemeClr val="bg1"/>
+                </a:solidFill>
+                <a:latin typeface="-apple-system"/>
+              </a:rPr>
+              <a:t>The tech industry seems to have slightly fewer negative consequences for mental health compared to non-tech industries</a:t>
+            </a:r>
+          </a:p>
+          <a:p>
+            <a:pPr marL="285750" indent="-285750">
+              <a:buClr>
+                <a:schemeClr val="bg1"/>
+              </a:buClr>
+              <a:buFont typeface="Wingdings" pitchFamily="2" charset="2"/>
+              <a:buChar char="q"/>
+            </a:pPr>
+            <a:endParaRPr lang="en-GB" sz="1600" dirty="0">
+              <a:solidFill>
+                <a:schemeClr val="bg1"/>
+              </a:solidFill>
+              <a:latin typeface="-apple-system"/>
+            </a:endParaRPr>
+          </a:p>
+          <a:p>
+            <a:pPr marL="285750" indent="-285750">
+              <a:buClr>
+                <a:schemeClr val="bg1"/>
+              </a:buClr>
+              <a:buFont typeface="Wingdings" pitchFamily="2" charset="2"/>
+              <a:buChar char="q"/>
+            </a:pPr>
+            <a:r>
+              <a:rPr lang="en-GB" sz="1600" dirty="0">
+                <a:solidFill>
+                  <a:schemeClr val="bg1"/>
+                </a:solidFill>
+                <a:latin typeface="-apple-system"/>
+              </a:rPr>
+              <a:t>41% of tech employees stated that there consequences for mental health leave compared to a 44% of non-tech employees. </a:t>
+            </a:r>
+          </a:p>
+          <a:p>
+            <a:pPr marL="285750" indent="-285750">
+              <a:buClr>
+                <a:schemeClr val="bg1"/>
+              </a:buClr>
+              <a:buFont typeface="Wingdings" pitchFamily="2" charset="2"/>
+              <a:buChar char="q"/>
+            </a:pPr>
+            <a:endParaRPr lang="en-GB" sz="1600" dirty="0">
+              <a:solidFill>
+                <a:schemeClr val="bg1"/>
+              </a:solidFill>
+              <a:latin typeface="-apple-system"/>
+            </a:endParaRPr>
+          </a:p>
+          <a:p>
+            <a:pPr marL="285750" indent="-285750">
+              <a:buClr>
+                <a:schemeClr val="bg1"/>
+              </a:buClr>
+              <a:buFont typeface="Wingdings" pitchFamily="2" charset="2"/>
+              <a:buChar char="q"/>
+            </a:pPr>
+            <a:r>
+              <a:rPr lang="en-GB" sz="1600" dirty="0">
+                <a:solidFill>
+                  <a:schemeClr val="bg1"/>
+                </a:solidFill>
+                <a:latin typeface="-apple-system"/>
+              </a:rPr>
+              <a:t>Both industries have been shown to have a high chance of negative consequences for mental health. </a:t>
+            </a:r>
+          </a:p>
+          <a:p>
+            <a:pPr marL="285750" indent="-285750">
+              <a:buClr>
+                <a:schemeClr val="bg1"/>
+              </a:buClr>
+              <a:buFont typeface="Wingdings" pitchFamily="2" charset="2"/>
+              <a:buChar char="q"/>
+            </a:pPr>
+            <a:endParaRPr lang="en-GB" sz="1600" dirty="0">
+              <a:solidFill>
+                <a:schemeClr val="bg1"/>
+              </a:solidFill>
+              <a:latin typeface="-apple-system"/>
+            </a:endParaRPr>
+          </a:p>
+          <a:p>
+            <a:pPr marL="285750" indent="-285750">
+              <a:buClr>
+                <a:schemeClr val="bg1"/>
+              </a:buClr>
+              <a:buFont typeface="Wingdings" pitchFamily="2" charset="2"/>
+              <a:buChar char="q"/>
+            </a:pPr>
+            <a:endParaRPr lang="en-GB" sz="1600" dirty="0">
+              <a:solidFill>
+                <a:schemeClr val="bg1"/>
+              </a:solidFill>
+            </a:endParaRPr>
+          </a:p>
+        </p:txBody>
+      </p:sp>
+      <p:pic>
+        <p:nvPicPr>
+          <p:cNvPr id="6" name="Picture 4" descr="University logo guidelines">
+            <a:extLst>
+              <a:ext uri="{FF2B5EF4-FFF2-40B4-BE49-F238E27FC236}">
+                <a16:creationId xmlns:a16="http://schemas.microsoft.com/office/drawing/2014/main" id="{19A0DE52-2159-0D09-51FE-4189B645AB82}"/>
+              </a:ext>
+            </a:extLst>
+          </p:cNvPr>
+          <p:cNvPicPr>
+            <a:picLocks noChangeAspect="1" noChangeArrowheads="1"/>
+          </p:cNvPicPr>
+          <p:nvPr/>
+        </p:nvPicPr>
+        <p:blipFill>
+          <a:blip r:embed="rId5">
+            <a:extLst>
+              <a:ext uri="{28A0092B-C50C-407E-A947-70E740481C1C}">
+                <a14:useLocalDpi xmlns:a14="http://schemas.microsoft.com/office/drawing/2010/main" val="0"/>
+              </a:ext>
+            </a:extLst>
+          </a:blip>
+          <a:srcRect/>
+          <a:stretch>
+            <a:fillRect/>
+          </a:stretch>
+        </p:blipFill>
+        <p:spPr bwMode="auto">
+          <a:xfrm>
+            <a:off x="6758636" y="-179924"/>
+            <a:ext cx="2617184" cy="1027790"/>
+          </a:xfrm>
+          <a:prstGeom prst="rect">
+            <a:avLst/>
+          </a:prstGeom>
+          <a:noFill/>
+          <a:extLst>
+            <a:ext uri="{909E8E84-426E-40DD-AFC4-6F175D3DCCD1}">
+              <a14:hiddenFill xmlns:a14="http://schemas.microsoft.com/office/drawing/2010/main">
+                <a:solidFill>
+                  <a:srgbClr val="FFFFFF"/>
+                </a:solidFill>
+              </a14:hiddenFill>
+            </a:ext>
+          </a:extLst>
+        </p:spPr>
+      </p:pic>
+      <p:sp>
+        <p:nvSpPr>
+          <p:cNvPr id="3" name="TextBox 2">
+            <a:extLst>
+              <a:ext uri="{FF2B5EF4-FFF2-40B4-BE49-F238E27FC236}">
+                <a16:creationId xmlns:a16="http://schemas.microsoft.com/office/drawing/2014/main" id="{B397EFF8-8D92-923B-C2CF-24A1F82A5A16}"/>
+              </a:ext>
+            </a:extLst>
+          </p:cNvPr>
+          <p:cNvSpPr txBox="1"/>
+          <p:nvPr/>
+        </p:nvSpPr>
+        <p:spPr>
+          <a:xfrm>
+            <a:off x="8626702" y="4745610"/>
+            <a:ext cx="591566" cy="307777"/>
+          </a:xfrm>
+          <a:prstGeom prst="rect">
+            <a:avLst/>
+          </a:prstGeom>
+          <a:noFill/>
+        </p:spPr>
+        <p:txBody>
+          <a:bodyPr wrap="square">
+            <a:spAutoFit/>
+          </a:bodyPr>
+          <a:lstStyle/>
+          <a:p>
+            <a:r>
+              <a:rPr lang="en-GB" sz="1400" dirty="0">
+                <a:solidFill>
+                  <a:schemeClr val="bg1"/>
+                </a:solidFill>
+                <a:latin typeface="-apple-system"/>
+              </a:rPr>
+              <a:t>E.S</a:t>
+            </a:r>
+            <a:endParaRPr lang="en-GB" dirty="0"/>
+          </a:p>
+        </p:txBody>
+      </p:sp>
+    </p:spTree>
+    <p:extLst>
+      <p:ext uri="{BB962C8B-B14F-4D97-AF65-F5344CB8AC3E}">
+        <p14:creationId xmlns:p14="http://schemas.microsoft.com/office/powerpoint/2010/main" val="2074564053"/>
+      </p:ext>
+    </p:extLst>
+  </p:cSld>
+  <p:clrMapOvr>
+    <a:masterClrMapping/>
+  </p:clrMapOvr>
+</p:sld>
+</file>
+
+<file path=ppt/slides/slide8.xml><?xml version="1.0" encoding="utf-8"?>
+<p:sld xmlns:a="http://schemas.openxmlformats.org/drawingml/2006/main" xmlns:r="http://schemas.openxmlformats.org/officeDocument/2006/relationships" xmlns:p="http://schemas.openxmlformats.org/presentationml/2006/main">
+  <p:cSld>
+    <p:spTree>
+      <p:nvGrpSpPr>
+        <p:cNvPr id="1" name="Shape 806"/>
+        <p:cNvGrpSpPr/>
+        <p:nvPr/>
+      </p:nvGrpSpPr>
+      <p:grpSpPr>
+        <a:xfrm>
+          <a:off x="0" y="0"/>
+          <a:ext cx="0" cy="0"/>
+          <a:chOff x="0" y="0"/>
+          <a:chExt cx="0" cy="0"/>
+        </a:xfrm>
+      </p:grpSpPr>
+      <p:sp>
+        <p:nvSpPr>
+          <p:cNvPr id="809" name="Google Shape;809;p19"/>
+          <p:cNvSpPr/>
+          <p:nvPr/>
+        </p:nvSpPr>
+        <p:spPr>
+          <a:xfrm>
+            <a:off x="131379" y="269620"/>
+            <a:ext cx="762000" cy="1473947"/>
+          </a:xfrm>
+          <a:prstGeom prst="rect">
+            <a:avLst/>
+          </a:prstGeom>
+        </p:spPr>
+        <p:txBody>
+          <a:bodyPr>
+            <a:prstTxWarp prst="textPlain">
+              <a:avLst/>
+            </a:prstTxWarp>
+          </a:bodyPr>
+          <a:lstStyle/>
+          <a:p>
+            <a:pPr lvl="0" algn="ctr"/>
+            <a:r>
+              <a:rPr lang="en-GB" b="1" dirty="0">
+                <a:solidFill>
+                  <a:srgbClr val="6E86B6"/>
+                </a:solidFill>
+                <a:latin typeface="Titillium Web"/>
+              </a:rPr>
+              <a:t>2</a:t>
+            </a:r>
+            <a:endParaRPr b="1" i="0" dirty="0">
+              <a:ln>
+                <a:noFill/>
+              </a:ln>
+              <a:solidFill>
+                <a:srgbClr val="6E86B6"/>
+              </a:solidFill>
+              <a:latin typeface="Titillium Web"/>
+            </a:endParaRPr>
+          </a:p>
+        </p:txBody>
+      </p:sp>
+      <p:sp>
+        <p:nvSpPr>
+          <p:cNvPr id="8" name="TextBox 7">
+            <a:extLst>
+              <a:ext uri="{FF2B5EF4-FFF2-40B4-BE49-F238E27FC236}">
+                <a16:creationId xmlns:a16="http://schemas.microsoft.com/office/drawing/2014/main" id="{59C47180-8F9B-2397-6F75-C23ABAA661CA}"/>
+              </a:ext>
+            </a:extLst>
+          </p:cNvPr>
+          <p:cNvSpPr txBox="1"/>
+          <p:nvPr/>
+        </p:nvSpPr>
+        <p:spPr>
+          <a:xfrm>
+            <a:off x="996409" y="140831"/>
+            <a:ext cx="5938863" cy="1754326"/>
+          </a:xfrm>
+          <a:prstGeom prst="rect">
+            <a:avLst/>
+          </a:prstGeom>
+          <a:noFill/>
+        </p:spPr>
+        <p:txBody>
+          <a:bodyPr wrap="square">
+            <a:spAutoFit/>
+          </a:bodyPr>
+          <a:lstStyle/>
+          <a:p>
+            <a:pPr algn="ctr"/>
+            <a:r>
+              <a:rPr lang="en-US" sz="3600" b="1" i="0" dirty="0">
+                <a:solidFill>
+                  <a:schemeClr val="bg1"/>
+                </a:solidFill>
+                <a:effectLst/>
+                <a:latin typeface="Cavolini" panose="03000502040302020204" pitchFamily="66" charset="0"/>
+                <a:cs typeface="Cavolini" panose="03000502040302020204" pitchFamily="66" charset="0"/>
+              </a:rPr>
+              <a:t>Attitudes Towards Mental Health in the Tech Industry</a:t>
+            </a:r>
+          </a:p>
+        </p:txBody>
+      </p:sp>
+      <p:pic>
+        <p:nvPicPr>
+          <p:cNvPr id="12" name="Graphic 11" descr="Scales of justice outline">
+            <a:extLst>
+              <a:ext uri="{FF2B5EF4-FFF2-40B4-BE49-F238E27FC236}">
+                <a16:creationId xmlns:a16="http://schemas.microsoft.com/office/drawing/2014/main" id="{F7CFF3A1-CDDA-834A-4258-7069F2089D77}"/>
+              </a:ext>
+            </a:extLst>
+          </p:cNvPr>
+          <p:cNvPicPr>
+            <a:picLocks noChangeAspect="1"/>
+          </p:cNvPicPr>
+          <p:nvPr/>
+        </p:nvPicPr>
+        <p:blipFill>
+          <a:blip r:embed="rId3">
+            <a:extLst>
+              <a:ext uri="{96DAC541-7B7A-43D3-8B79-37D633B846F1}">
+                <asvg:svgBlip xmlns:asvg="http://schemas.microsoft.com/office/drawing/2016/SVG/main" r:embed="rId4"/>
+              </a:ext>
+            </a:extLst>
+          </a:blip>
+          <a:stretch>
+            <a:fillRect/>
+          </a:stretch>
+        </p:blipFill>
+        <p:spPr>
+          <a:xfrm>
+            <a:off x="6935273" y="-97771"/>
+            <a:ext cx="2208727" cy="2208727"/>
+          </a:xfrm>
+          <a:prstGeom prst="rect">
+            <a:avLst/>
+          </a:prstGeom>
+        </p:spPr>
+      </p:pic>
+    </p:spTree>
+    <p:extLst>
+      <p:ext uri="{BB962C8B-B14F-4D97-AF65-F5344CB8AC3E}">
+        <p14:creationId xmlns:p14="http://schemas.microsoft.com/office/powerpoint/2010/main" val="3214610985"/>
+      </p:ext>
+    </p:extLst>
+  </p:cSld>
+  <p:clrMapOvr>
+    <a:masterClrMapping/>
+  </p:clrMapOvr>
+</p:sld>
+</file>
+
+<file path=ppt/slides/slide9.xml><?xml version="1.0" encoding="utf-8"?>
 <p:sld xmlns:a="http://schemas.openxmlformats.org/drawingml/2006/main" xmlns:r="http://schemas.openxmlformats.org/officeDocument/2006/relationships" xmlns:p="http://schemas.openxmlformats.org/presentationml/2006/main">
   <p:cSld>
     <p:spTree>
@@ -42010,121 +42718,12 @@
           </a:p>
         </p:txBody>
       </p:sp>
-    </p:spTree>
-    <p:extLst>
-      <p:ext uri="{BB962C8B-B14F-4D97-AF65-F5344CB8AC3E}">
-        <p14:creationId xmlns:p14="http://schemas.microsoft.com/office/powerpoint/2010/main" val="3524566580"/>
-      </p:ext>
-    </p:extLst>
-  </p:cSld>
-  <p:clrMapOvr>
-    <a:masterClrMapping/>
-  </p:clrMapOvr>
-</p:sld>
-</file>
-
-<file path=ppt/slides/slide7.xml><?xml version="1.0" encoding="utf-8"?>
-<p:sld xmlns:a="http://schemas.openxmlformats.org/drawingml/2006/main" xmlns:r="http://schemas.openxmlformats.org/officeDocument/2006/relationships" xmlns:p="http://schemas.openxmlformats.org/presentationml/2006/main">
-  <p:cSld>
-    <p:spTree>
-      <p:nvGrpSpPr>
-        <p:cNvPr id="1" name=""/>
-        <p:cNvGrpSpPr/>
-        <p:nvPr/>
-      </p:nvGrpSpPr>
-      <p:grpSpPr>
-        <a:xfrm>
-          <a:off x="0" y="0"/>
-          <a:ext cx="0" cy="0"/>
-          <a:chOff x="0" y="0"/>
-          <a:chExt cx="0" cy="0"/>
-        </a:xfrm>
-      </p:grpSpPr>
-      <p:sp>
-        <p:nvSpPr>
-          <p:cNvPr id="2" name="Title 1">
-            <a:extLst>
-              <a:ext uri="{FF2B5EF4-FFF2-40B4-BE49-F238E27FC236}">
-                <a16:creationId xmlns:a16="http://schemas.microsoft.com/office/drawing/2014/main" id="{FF3C98E0-2486-1477-FE1F-7DB67F428628}"/>
-              </a:ext>
-            </a:extLst>
-          </p:cNvPr>
-          <p:cNvSpPr>
-            <a:spLocks noGrp="1"/>
-          </p:cNvSpPr>
-          <p:nvPr>
-            <p:ph type="title"/>
-          </p:nvPr>
-        </p:nvSpPr>
-        <p:spPr>
-          <a:xfrm>
-            <a:off x="90376" y="-135651"/>
-            <a:ext cx="7886700" cy="994172"/>
-          </a:xfrm>
-        </p:spPr>
-        <p:txBody>
-          <a:bodyPr>
-            <a:noAutofit/>
-          </a:bodyPr>
-          <a:lstStyle/>
-          <a:p>
-            <a:r>
-              <a:rPr lang="en-GB" sz="2200" b="1" dirty="0">
-                <a:latin typeface="ui-monospace"/>
-              </a:rPr>
-              <a:t>Difference between tech companies and non-tech </a:t>
-            </a:r>
-            <a:br>
-              <a:rPr lang="en-GB" sz="2200" b="1" dirty="0">
-                <a:latin typeface="ui-monospace"/>
-              </a:rPr>
-            </a:br>
-            <a:r>
-              <a:rPr lang="en-GB" sz="2200" b="1" dirty="0">
-                <a:latin typeface="ui-monospace"/>
-              </a:rPr>
-              <a:t>companies that offer wellness programs</a:t>
-            </a:r>
-            <a:endParaRPr lang="en-GB" sz="2200" b="1" dirty="0"/>
-          </a:p>
-        </p:txBody>
-      </p:sp>
-      <p:pic>
-        <p:nvPicPr>
-          <p:cNvPr id="5" name="Picture 4">
-            <a:extLst>
-              <a:ext uri="{FF2B5EF4-FFF2-40B4-BE49-F238E27FC236}">
-                <a16:creationId xmlns:a16="http://schemas.microsoft.com/office/drawing/2014/main" id="{D812C43A-1DB9-D827-6151-26B2B2024135}"/>
-              </a:ext>
-            </a:extLst>
-          </p:cNvPr>
-          <p:cNvPicPr>
-            <a:picLocks noChangeAspect="1"/>
-          </p:cNvPicPr>
-          <p:nvPr/>
-        </p:nvPicPr>
-        <p:blipFill>
-          <a:blip r:embed="rId2"/>
-          <a:stretch>
-            <a:fillRect/>
-          </a:stretch>
-        </p:blipFill>
-        <p:spPr>
-          <a:xfrm>
-            <a:off x="272228" y="1426843"/>
-            <a:ext cx="4829010" cy="3355222"/>
-          </a:xfrm>
-          <a:prstGeom prst="rect">
-            <a:avLst/>
-          </a:prstGeom>
-        </p:spPr>
-      </p:pic>
       <p:sp>
         <p:nvSpPr>
           <p:cNvPr id="3" name="TextBox 2">
             <a:extLst>
               <a:ext uri="{FF2B5EF4-FFF2-40B4-BE49-F238E27FC236}">
-                <a16:creationId xmlns:a16="http://schemas.microsoft.com/office/drawing/2014/main" id="{37A26759-1513-BC44-CEE8-BD759C034B61}"/>
+                <a16:creationId xmlns:a16="http://schemas.microsoft.com/office/drawing/2014/main" id="{4BB8624A-2B26-9014-34ED-4E8757273F6C}"/>
               </a:ext>
             </a:extLst>
           </p:cNvPr>
@@ -42133,8 +42732,8 @@
         </p:nvSpPr>
         <p:spPr>
           <a:xfrm>
-            <a:off x="5204459" y="1569225"/>
-            <a:ext cx="3811950" cy="2585323"/>
+            <a:off x="8626702" y="4745610"/>
+            <a:ext cx="591566" cy="307777"/>
           </a:xfrm>
           <a:prstGeom prst="rect">
             <a:avLst/>
@@ -42142,637 +42741,28 @@
           <a:noFill/>
         </p:spPr>
         <p:txBody>
-          <a:bodyPr wrap="square" rtlCol="0">
+          <a:bodyPr wrap="square">
             <a:spAutoFit/>
           </a:bodyPr>
           <a:lstStyle/>
           <a:p>
-            <a:pPr marL="285750" indent="-285750">
-              <a:buClr>
-                <a:schemeClr val="bg1"/>
-              </a:buClr>
-              <a:buFont typeface="Wingdings" pitchFamily="2" charset="2"/>
-              <a:buChar char="q"/>
-            </a:pPr>
             <a:r>
-              <a:rPr lang="en-GB" sz="1800" dirty="0">
+              <a:rPr lang="en-GB" dirty="0">
                 <a:solidFill>
                   <a:schemeClr val="bg1"/>
                 </a:solidFill>
                 <a:latin typeface="-apple-system"/>
               </a:rPr>
-              <a:t>Tech companies proportionally offer wellness programs more than non-tech companies.</a:t>
+              <a:t>F.A</a:t>
             </a:r>
-          </a:p>
-          <a:p>
-            <a:pPr>
-              <a:buClr>
-                <a:schemeClr val="bg1"/>
-              </a:buClr>
-            </a:pPr>
-            <a:endParaRPr lang="en-GB" sz="1800" dirty="0">
-              <a:solidFill>
-                <a:schemeClr val="bg1"/>
-              </a:solidFill>
-              <a:latin typeface="-apple-system"/>
-            </a:endParaRPr>
-          </a:p>
-          <a:p>
-            <a:pPr marL="285750" indent="-285750">
-              <a:buClr>
-                <a:schemeClr val="bg1"/>
-              </a:buClr>
-              <a:buFont typeface="Wingdings" pitchFamily="2" charset="2"/>
-              <a:buChar char="q"/>
-            </a:pPr>
-            <a:r>
-              <a:rPr lang="en-GB" sz="1800" dirty="0">
-                <a:solidFill>
-                  <a:schemeClr val="bg1"/>
-                </a:solidFill>
-                <a:latin typeface="-apple-system"/>
-              </a:rPr>
-              <a:t>15.7 % of Tech Companies offered wellness programs </a:t>
-            </a:r>
-          </a:p>
-          <a:p>
-            <a:pPr>
-              <a:buClr>
-                <a:schemeClr val="bg1"/>
-              </a:buClr>
-            </a:pPr>
-            <a:endParaRPr lang="en-GB" sz="1800" dirty="0">
-              <a:solidFill>
-                <a:schemeClr val="bg1"/>
-              </a:solidFill>
-              <a:latin typeface="-apple-system"/>
-            </a:endParaRPr>
-          </a:p>
-          <a:p>
-            <a:pPr marL="285750" indent="-285750">
-              <a:buClr>
-                <a:schemeClr val="bg1"/>
-              </a:buClr>
-              <a:buFont typeface="Wingdings" pitchFamily="2" charset="2"/>
-              <a:buChar char="q"/>
-            </a:pPr>
-            <a:r>
-              <a:rPr lang="en-GB" sz="1800" dirty="0">
-                <a:solidFill>
-                  <a:schemeClr val="bg1"/>
-                </a:solidFill>
-                <a:latin typeface="-apple-system"/>
-              </a:rPr>
-              <a:t>29.4 % of Non-Tech offered wellness programs </a:t>
-            </a:r>
+            <a:endParaRPr lang="en-GB" dirty="0"/>
           </a:p>
         </p:txBody>
       </p:sp>
-      <p:pic>
-        <p:nvPicPr>
-          <p:cNvPr id="4" name="Picture 4" descr="University logo guidelines">
-            <a:extLst>
-              <a:ext uri="{FF2B5EF4-FFF2-40B4-BE49-F238E27FC236}">
-                <a16:creationId xmlns:a16="http://schemas.microsoft.com/office/drawing/2014/main" id="{F286C233-7862-054A-B3C0-5D4D36345777}"/>
-              </a:ext>
-            </a:extLst>
-          </p:cNvPr>
-          <p:cNvPicPr>
-            <a:picLocks noChangeAspect="1" noChangeArrowheads="1"/>
-          </p:cNvPicPr>
-          <p:nvPr/>
-        </p:nvPicPr>
-        <p:blipFill>
-          <a:blip r:embed="rId3">
-            <a:extLst>
-              <a:ext uri="{28A0092B-C50C-407E-A947-70E740481C1C}">
-                <a14:useLocalDpi xmlns:a14="http://schemas.microsoft.com/office/drawing/2010/main" val="0"/>
-              </a:ext>
-            </a:extLst>
-          </a:blip>
-          <a:srcRect/>
-          <a:stretch>
-            <a:fillRect/>
-          </a:stretch>
-        </p:blipFill>
-        <p:spPr bwMode="auto">
-          <a:xfrm>
-            <a:off x="6758636" y="-179924"/>
-            <a:ext cx="2617184" cy="1027790"/>
-          </a:xfrm>
-          <a:prstGeom prst="rect">
-            <a:avLst/>
-          </a:prstGeom>
-          <a:noFill/>
-          <a:extLst>
-            <a:ext uri="{909E8E84-426E-40DD-AFC4-6F175D3DCCD1}">
-              <a14:hiddenFill xmlns:a14="http://schemas.microsoft.com/office/drawing/2010/main">
-                <a:solidFill>
-                  <a:srgbClr val="FFFFFF"/>
-                </a:solidFill>
-              </a14:hiddenFill>
-            </a:ext>
-          </a:extLst>
-        </p:spPr>
-      </p:pic>
     </p:spTree>
     <p:extLst>
       <p:ext uri="{BB962C8B-B14F-4D97-AF65-F5344CB8AC3E}">
-        <p14:creationId xmlns:p14="http://schemas.microsoft.com/office/powerpoint/2010/main" val="1412161163"/>
-      </p:ext>
-    </p:extLst>
-  </p:cSld>
-  <p:clrMapOvr>
-    <a:masterClrMapping/>
-  </p:clrMapOvr>
-</p:sld>
-</file>
-
-<file path=ppt/slides/slide8.xml><?xml version="1.0" encoding="utf-8"?>
-<p:sld xmlns:a="http://schemas.openxmlformats.org/drawingml/2006/main" xmlns:r="http://schemas.openxmlformats.org/officeDocument/2006/relationships" xmlns:p="http://schemas.openxmlformats.org/presentationml/2006/main">
-  <p:cSld>
-    <p:spTree>
-      <p:nvGrpSpPr>
-        <p:cNvPr id="1" name=""/>
-        <p:cNvGrpSpPr/>
-        <p:nvPr/>
-      </p:nvGrpSpPr>
-      <p:grpSpPr>
-        <a:xfrm>
-          <a:off x="0" y="0"/>
-          <a:ext cx="0" cy="0"/>
-          <a:chOff x="0" y="0"/>
-          <a:chExt cx="0" cy="0"/>
-        </a:xfrm>
-      </p:grpSpPr>
-      <p:sp>
-        <p:nvSpPr>
-          <p:cNvPr id="6" name="Content Placeholder 5">
-            <a:extLst>
-              <a:ext uri="{FF2B5EF4-FFF2-40B4-BE49-F238E27FC236}">
-                <a16:creationId xmlns:a16="http://schemas.microsoft.com/office/drawing/2014/main" id="{BAA3AF1A-DA93-7E0F-2733-D2C6F43A2F6F}"/>
-              </a:ext>
-            </a:extLst>
-          </p:cNvPr>
-          <p:cNvSpPr>
-            <a:spLocks noGrp="1"/>
-          </p:cNvSpPr>
-          <p:nvPr>
-            <p:ph idx="1"/>
-          </p:nvPr>
-        </p:nvSpPr>
-        <p:spPr>
-          <a:xfrm>
-            <a:off x="110772" y="540033"/>
-            <a:ext cx="7686000" cy="3098400"/>
-          </a:xfrm>
-        </p:spPr>
-        <p:txBody>
-          <a:bodyPr/>
-          <a:lstStyle/>
-          <a:p>
-            <a:pPr marL="57150" indent="0">
-              <a:buNone/>
-            </a:pPr>
-            <a:r>
-              <a:rPr lang="en-GB" sz="1800" dirty="0">
-                <a:latin typeface="-apple-system"/>
-              </a:rPr>
-              <a:t>Recommendations for companies who offer Mental Health benefits:</a:t>
-            </a:r>
-          </a:p>
-          <a:p>
-            <a:pPr marL="57150" indent="0">
-              <a:buNone/>
-            </a:pPr>
-            <a:endParaRPr lang="en-GB" sz="1800" dirty="0">
-              <a:latin typeface="-apple-system"/>
-            </a:endParaRPr>
-          </a:p>
-          <a:p>
-            <a:r>
-              <a:rPr lang="en-GB" sz="1800" dirty="0">
-                <a:latin typeface="-apple-system"/>
-              </a:rPr>
-              <a:t>Include a description of the mental health benefits available in newsletters, emails, meetings, posters etc. to raise more awareness. </a:t>
-            </a:r>
-          </a:p>
-          <a:p>
-            <a:r>
-              <a:rPr lang="en-GB" sz="1800" dirty="0">
-                <a:latin typeface="-apple-system"/>
-              </a:rPr>
-              <a:t>Open discussions into mental health awareness.</a:t>
-            </a:r>
-          </a:p>
-          <a:p>
-            <a:pPr marL="57150" indent="0">
-              <a:buNone/>
-            </a:pPr>
-            <a:endParaRPr lang="en-GB" sz="1800" dirty="0">
-              <a:latin typeface="-apple-system"/>
-            </a:endParaRPr>
-          </a:p>
-          <a:p>
-            <a:pPr marL="57150" indent="0">
-              <a:buNone/>
-            </a:pPr>
-            <a:r>
-              <a:rPr lang="en-GB" sz="1800" dirty="0">
-                <a:latin typeface="-apple-system"/>
-              </a:rPr>
-              <a:t>The tech industry could learn from non-tech companies for inspiration to evaluate what mental health benefits are being offered, how they are budgeting this and try to implement more benefits.</a:t>
-            </a:r>
-            <a:endParaRPr lang="en-GB" sz="1800" dirty="0"/>
-          </a:p>
-        </p:txBody>
-      </p:sp>
-      <p:pic>
-        <p:nvPicPr>
-          <p:cNvPr id="2" name="Picture 4" descr="University logo guidelines">
-            <a:extLst>
-              <a:ext uri="{FF2B5EF4-FFF2-40B4-BE49-F238E27FC236}">
-                <a16:creationId xmlns:a16="http://schemas.microsoft.com/office/drawing/2014/main" id="{B370565B-8F88-63A9-590E-E76ED7B73FDE}"/>
-              </a:ext>
-            </a:extLst>
-          </p:cNvPr>
-          <p:cNvPicPr>
-            <a:picLocks noChangeAspect="1" noChangeArrowheads="1"/>
-          </p:cNvPicPr>
-          <p:nvPr/>
-        </p:nvPicPr>
-        <p:blipFill>
-          <a:blip r:embed="rId2">
-            <a:extLst>
-              <a:ext uri="{28A0092B-C50C-407E-A947-70E740481C1C}">
-                <a14:useLocalDpi xmlns:a14="http://schemas.microsoft.com/office/drawing/2010/main" val="0"/>
-              </a:ext>
-            </a:extLst>
-          </a:blip>
-          <a:srcRect/>
-          <a:stretch>
-            <a:fillRect/>
-          </a:stretch>
-        </p:blipFill>
-        <p:spPr bwMode="auto">
-          <a:xfrm>
-            <a:off x="6758636" y="-179924"/>
-            <a:ext cx="2617184" cy="1027790"/>
-          </a:xfrm>
-          <a:prstGeom prst="rect">
-            <a:avLst/>
-          </a:prstGeom>
-          <a:noFill/>
-          <a:extLst>
-            <a:ext uri="{909E8E84-426E-40DD-AFC4-6F175D3DCCD1}">
-              <a14:hiddenFill xmlns:a14="http://schemas.microsoft.com/office/drawing/2010/main">
-                <a:solidFill>
-                  <a:srgbClr val="FFFFFF"/>
-                </a:solidFill>
-              </a14:hiddenFill>
-            </a:ext>
-          </a:extLst>
-        </p:spPr>
-      </p:pic>
-    </p:spTree>
-    <p:extLst>
-      <p:ext uri="{BB962C8B-B14F-4D97-AF65-F5344CB8AC3E}">
-        <p14:creationId xmlns:p14="http://schemas.microsoft.com/office/powerpoint/2010/main" val="2949730625"/>
-      </p:ext>
-    </p:extLst>
-  </p:cSld>
-  <p:clrMapOvr>
-    <a:masterClrMapping/>
-  </p:clrMapOvr>
-</p:sld>
-</file>
-
-<file path=ppt/slides/slide9.xml><?xml version="1.0" encoding="utf-8"?>
-<p:sld xmlns:a="http://schemas.openxmlformats.org/drawingml/2006/main" xmlns:r="http://schemas.openxmlformats.org/officeDocument/2006/relationships" xmlns:p="http://schemas.openxmlformats.org/presentationml/2006/main">
-  <p:cSld>
-    <p:spTree>
-      <p:nvGrpSpPr>
-        <p:cNvPr id="1" name=""/>
-        <p:cNvGrpSpPr/>
-        <p:nvPr/>
-      </p:nvGrpSpPr>
-      <p:grpSpPr>
-        <a:xfrm>
-          <a:off x="0" y="0"/>
-          <a:ext cx="0" cy="0"/>
-          <a:chOff x="0" y="0"/>
-          <a:chExt cx="0" cy="0"/>
-        </a:xfrm>
-      </p:grpSpPr>
-      <p:sp>
-        <p:nvSpPr>
-          <p:cNvPr id="2" name="Title 1">
-            <a:extLst>
-              <a:ext uri="{FF2B5EF4-FFF2-40B4-BE49-F238E27FC236}">
-                <a16:creationId xmlns:a16="http://schemas.microsoft.com/office/drawing/2014/main" id="{FF3C98E0-2486-1477-FE1F-7DB67F428628}"/>
-              </a:ext>
-            </a:extLst>
-          </p:cNvPr>
-          <p:cNvSpPr>
-            <a:spLocks noGrp="1"/>
-          </p:cNvSpPr>
-          <p:nvPr>
-            <p:ph type="title"/>
-          </p:nvPr>
-        </p:nvSpPr>
-        <p:spPr>
-          <a:xfrm>
-            <a:off x="39575" y="-163115"/>
-            <a:ext cx="6816090" cy="994172"/>
-          </a:xfrm>
-        </p:spPr>
-        <p:txBody>
-          <a:bodyPr>
-            <a:normAutofit/>
-          </a:bodyPr>
-          <a:lstStyle/>
-          <a:p>
-            <a:r>
-              <a:rPr lang="en-GB" sz="2200" b="1" dirty="0">
-                <a:latin typeface="ui-monospace"/>
-              </a:rPr>
-              <a:t>Consequences on employee’s mental health within tech companies and non-tech companies</a:t>
-            </a:r>
-            <a:endParaRPr lang="en-GB" sz="2200" b="1" dirty="0"/>
-          </a:p>
-        </p:txBody>
-      </p:sp>
-      <p:pic>
-        <p:nvPicPr>
-          <p:cNvPr id="7" name="Picture 6">
-            <a:extLst>
-              <a:ext uri="{FF2B5EF4-FFF2-40B4-BE49-F238E27FC236}">
-                <a16:creationId xmlns:a16="http://schemas.microsoft.com/office/drawing/2014/main" id="{8780E3CB-0D51-4B25-8A01-6BA76D5B8973}"/>
-              </a:ext>
-            </a:extLst>
-          </p:cNvPr>
-          <p:cNvPicPr>
-            <a:picLocks noChangeAspect="1"/>
-          </p:cNvPicPr>
-          <p:nvPr/>
-        </p:nvPicPr>
-        <p:blipFill>
-          <a:blip r:embed="rId3"/>
-          <a:stretch>
-            <a:fillRect/>
-          </a:stretch>
-        </p:blipFill>
-        <p:spPr>
-          <a:xfrm>
-            <a:off x="179930" y="965892"/>
-            <a:ext cx="4216808" cy="1841702"/>
-          </a:xfrm>
-          <a:prstGeom prst="rect">
-            <a:avLst/>
-          </a:prstGeom>
-        </p:spPr>
-      </p:pic>
-      <p:pic>
-        <p:nvPicPr>
-          <p:cNvPr id="9" name="Picture 8">
-            <a:extLst>
-              <a:ext uri="{FF2B5EF4-FFF2-40B4-BE49-F238E27FC236}">
-                <a16:creationId xmlns:a16="http://schemas.microsoft.com/office/drawing/2014/main" id="{F9459D0F-0DC5-2AFC-4C66-B4800A9ABAFD}"/>
-              </a:ext>
-            </a:extLst>
-          </p:cNvPr>
-          <p:cNvPicPr>
-            <a:picLocks noChangeAspect="1"/>
-          </p:cNvPicPr>
-          <p:nvPr/>
-        </p:nvPicPr>
-        <p:blipFill>
-          <a:blip r:embed="rId4"/>
-          <a:stretch>
-            <a:fillRect/>
-          </a:stretch>
-        </p:blipFill>
-        <p:spPr>
-          <a:xfrm>
-            <a:off x="179930" y="2942429"/>
-            <a:ext cx="4216808" cy="1804324"/>
-          </a:xfrm>
-          <a:prstGeom prst="rect">
-            <a:avLst/>
-          </a:prstGeom>
-        </p:spPr>
-      </p:pic>
-      <p:sp>
-        <p:nvSpPr>
-          <p:cNvPr id="10" name="TextBox 9">
-            <a:extLst>
-              <a:ext uri="{FF2B5EF4-FFF2-40B4-BE49-F238E27FC236}">
-                <a16:creationId xmlns:a16="http://schemas.microsoft.com/office/drawing/2014/main" id="{21A0B190-14C4-EAA4-5C81-4A19603CE846}"/>
-              </a:ext>
-            </a:extLst>
-          </p:cNvPr>
-          <p:cNvSpPr txBox="1"/>
-          <p:nvPr/>
-        </p:nvSpPr>
-        <p:spPr>
-          <a:xfrm>
-            <a:off x="4492423" y="668547"/>
-            <a:ext cx="4532425" cy="4770537"/>
-          </a:xfrm>
-          <a:prstGeom prst="rect">
-            <a:avLst/>
-          </a:prstGeom>
-          <a:noFill/>
-        </p:spPr>
-        <p:txBody>
-          <a:bodyPr wrap="square" rtlCol="0">
-            <a:spAutoFit/>
-          </a:bodyPr>
-          <a:lstStyle/>
-          <a:p>
-            <a:pPr marL="285750" indent="-285750">
-              <a:buClr>
-                <a:schemeClr val="bg1"/>
-              </a:buClr>
-              <a:buFont typeface="Wingdings" pitchFamily="2" charset="2"/>
-              <a:buChar char="q"/>
-            </a:pPr>
-            <a:r>
-              <a:rPr lang="en-GB" sz="1600" dirty="0">
-                <a:solidFill>
-                  <a:schemeClr val="bg1"/>
-                </a:solidFill>
-                <a:latin typeface="-apple-system"/>
-              </a:rPr>
-              <a:t>The tech industry seems to have slightly fewer negative consequences for mental health compared to non-tech industries</a:t>
-            </a:r>
-          </a:p>
-          <a:p>
-            <a:pPr marL="285750" indent="-285750">
-              <a:buClr>
-                <a:schemeClr val="bg1"/>
-              </a:buClr>
-              <a:buFont typeface="Wingdings" pitchFamily="2" charset="2"/>
-              <a:buChar char="q"/>
-            </a:pPr>
-            <a:endParaRPr lang="en-GB" sz="1600" dirty="0">
-              <a:solidFill>
-                <a:schemeClr val="bg1"/>
-              </a:solidFill>
-              <a:latin typeface="-apple-system"/>
-            </a:endParaRPr>
-          </a:p>
-          <a:p>
-            <a:pPr marL="285750" indent="-285750">
-              <a:buClr>
-                <a:schemeClr val="bg1"/>
-              </a:buClr>
-              <a:buFont typeface="Wingdings" pitchFamily="2" charset="2"/>
-              <a:buChar char="q"/>
-            </a:pPr>
-            <a:r>
-              <a:rPr lang="en-GB" sz="1600" dirty="0">
-                <a:solidFill>
-                  <a:schemeClr val="bg1"/>
-                </a:solidFill>
-                <a:latin typeface="-apple-system"/>
-              </a:rPr>
-              <a:t>41% of tech employees stated that there consequences for mental health leave compared to a 44% of non-tech employees. </a:t>
-            </a:r>
-          </a:p>
-          <a:p>
-            <a:pPr marL="285750" indent="-285750">
-              <a:buClr>
-                <a:schemeClr val="bg1"/>
-              </a:buClr>
-              <a:buFont typeface="Wingdings" pitchFamily="2" charset="2"/>
-              <a:buChar char="q"/>
-            </a:pPr>
-            <a:endParaRPr lang="en-GB" sz="1600" dirty="0">
-              <a:solidFill>
-                <a:schemeClr val="bg1"/>
-              </a:solidFill>
-              <a:latin typeface="-apple-system"/>
-            </a:endParaRPr>
-          </a:p>
-          <a:p>
-            <a:pPr marL="285750" indent="-285750">
-              <a:buClr>
-                <a:schemeClr val="bg1"/>
-              </a:buClr>
-              <a:buFont typeface="Wingdings" pitchFamily="2" charset="2"/>
-              <a:buChar char="q"/>
-            </a:pPr>
-            <a:r>
-              <a:rPr lang="en-GB" sz="1600" dirty="0">
-                <a:solidFill>
-                  <a:schemeClr val="bg1"/>
-                </a:solidFill>
-                <a:latin typeface="-apple-system"/>
-              </a:rPr>
-              <a:t>Both industries have been shown to have a high chance of negative consequences for mental health. </a:t>
-            </a:r>
-          </a:p>
-          <a:p>
-            <a:pPr marL="285750" indent="-285750">
-              <a:buClr>
-                <a:schemeClr val="bg1"/>
-              </a:buClr>
-              <a:buFont typeface="Wingdings" pitchFamily="2" charset="2"/>
-              <a:buChar char="q"/>
-            </a:pPr>
-            <a:endParaRPr lang="en-GB" sz="1600" dirty="0">
-              <a:solidFill>
-                <a:schemeClr val="bg1"/>
-              </a:solidFill>
-              <a:latin typeface="-apple-system"/>
-            </a:endParaRPr>
-          </a:p>
-          <a:p>
-            <a:pPr marL="285750" indent="-285750">
-              <a:buClr>
-                <a:schemeClr val="bg1"/>
-              </a:buClr>
-              <a:buFont typeface="Wingdings" pitchFamily="2" charset="2"/>
-              <a:buChar char="q"/>
-            </a:pPr>
-            <a:r>
-              <a:rPr lang="en-GB" sz="1600" dirty="0">
-                <a:solidFill>
-                  <a:schemeClr val="bg1"/>
-                </a:solidFill>
-                <a:latin typeface="-apple-system"/>
-              </a:rPr>
-              <a:t>Regulations and laws protecting employee mental health should be put in place to reduce these figures, as well and union representatives, news , social media and a combined societal pressures should help removing consequences too</a:t>
-            </a:r>
-          </a:p>
-          <a:p>
-            <a:pPr marL="285750" indent="-285750">
-              <a:buClr>
-                <a:schemeClr val="bg1"/>
-              </a:buClr>
-              <a:buFont typeface="Wingdings" pitchFamily="2" charset="2"/>
-              <a:buChar char="q"/>
-            </a:pPr>
-            <a:endParaRPr lang="en-GB" sz="1600" dirty="0">
-              <a:solidFill>
-                <a:schemeClr val="bg1"/>
-              </a:solidFill>
-            </a:endParaRPr>
-          </a:p>
-        </p:txBody>
-      </p:sp>
-      <p:pic>
-        <p:nvPicPr>
-          <p:cNvPr id="6" name="Picture 4" descr="University logo guidelines">
-            <a:extLst>
-              <a:ext uri="{FF2B5EF4-FFF2-40B4-BE49-F238E27FC236}">
-                <a16:creationId xmlns:a16="http://schemas.microsoft.com/office/drawing/2014/main" id="{19A0DE52-2159-0D09-51FE-4189B645AB82}"/>
-              </a:ext>
-            </a:extLst>
-          </p:cNvPr>
-          <p:cNvPicPr>
-            <a:picLocks noChangeAspect="1" noChangeArrowheads="1"/>
-          </p:cNvPicPr>
-          <p:nvPr/>
-        </p:nvPicPr>
-        <p:blipFill>
-          <a:blip r:embed="rId5">
-            <a:extLst>
-              <a:ext uri="{28A0092B-C50C-407E-A947-70E740481C1C}">
-                <a14:useLocalDpi xmlns:a14="http://schemas.microsoft.com/office/drawing/2010/main" val="0"/>
-              </a:ext>
-            </a:extLst>
-          </a:blip>
-          <a:srcRect/>
-          <a:stretch>
-            <a:fillRect/>
-          </a:stretch>
-        </p:blipFill>
-        <p:spPr bwMode="auto">
-          <a:xfrm>
-            <a:off x="6758636" y="-179924"/>
-            <a:ext cx="2617184" cy="1027790"/>
-          </a:xfrm>
-          <a:prstGeom prst="rect">
-            <a:avLst/>
-          </a:prstGeom>
-          <a:noFill/>
-          <a:extLst>
-            <a:ext uri="{909E8E84-426E-40DD-AFC4-6F175D3DCCD1}">
-              <a14:hiddenFill xmlns:a14="http://schemas.microsoft.com/office/drawing/2010/main">
-                <a:solidFill>
-                  <a:srgbClr val="FFFFFF"/>
-                </a:solidFill>
-              </a14:hiddenFill>
-            </a:ext>
-          </a:extLst>
-        </p:spPr>
-      </p:pic>
-    </p:spTree>
-    <p:extLst>
-      <p:ext uri="{BB962C8B-B14F-4D97-AF65-F5344CB8AC3E}">
-        <p14:creationId xmlns:p14="http://schemas.microsoft.com/office/powerpoint/2010/main" val="2074564053"/>
+        <p14:creationId xmlns:p14="http://schemas.microsoft.com/office/powerpoint/2010/main" val="3524566580"/>
       </p:ext>
     </p:extLst>
   </p:cSld>
